--- a/Presentation/Groot (1).pptx
+++ b/Presentation/Groot (1).pptx
@@ -1,37 +1,34 @@
 
 <file path=ppt/presentation.xml><?xml version="1.0" encoding="utf-8"?>
-<p:presentation xmlns:a="http://schemas.openxmlformats.org/drawingml/2006/main" xmlns:r="http://schemas.openxmlformats.org/officeDocument/2006/relationships" xmlns:mc="http://schemas.openxmlformats.org/markup-compatibility/2006" xmlns:mv="urn:schemas-microsoft-com:mac:vml" xmlns:p="http://schemas.openxmlformats.org/presentationml/2006/main" xmlns:c="http://schemas.openxmlformats.org/drawingml/2006/chart" xmlns:dgm="http://schemas.openxmlformats.org/drawingml/2006/diagram" xmlns:o="urn:schemas-microsoft-com:office:office" xmlns:v="urn:schemas-microsoft-com:vml" xmlns:pvml="urn:schemas-microsoft-com:office:powerpoint" xmlns:com="http://schemas.openxmlformats.org/drawingml/2006/compatibility" xmlns:p14="http://schemas.microsoft.com/office/powerpoint/2010/main" xmlns:p15="http://schemas.microsoft.com/office/powerpoint/2012/main" autoCompressPictures="0" embedTrueTypeFonts="1" strictFirstAndLastChars="0" saveSubsetFonts="1">
+<p:presentation xmlns:a="http://schemas.openxmlformats.org/drawingml/2006/main" xmlns:r="http://schemas.openxmlformats.org/officeDocument/2006/relationships" xmlns:p="http://schemas.openxmlformats.org/presentationml/2006/main" strictFirstAndLastChars="0" embedTrueTypeFonts="1" saveSubsetFonts="1" autoCompressPictures="0">
   <p:sldMasterIdLst>
-    <p:sldMasterId id="2147483659" r:id="rId4"/>
+    <p:sldMasterId id="2147483648" r:id="rId1"/>
   </p:sldMasterIdLst>
   <p:notesMasterIdLst>
-    <p:notesMasterId r:id="rId5"/>
+    <p:notesMasterId r:id="rId4"/>
   </p:notesMasterIdLst>
   <p:sldIdLst>
-    <p:sldId id="256" r:id="rId6"/>
-    <p:sldId id="257" r:id="rId7"/>
-    <p:sldId id="258" r:id="rId8"/>
-    <p:sldId id="259" r:id="rId9"/>
-    <p:sldId id="260" r:id="rId10"/>
-    <p:sldId id="261" r:id="rId11"/>
-    <p:sldId id="262" r:id="rId12"/>
-    <p:sldId id="263" r:id="rId13"/>
-    <p:sldId id="264" r:id="rId14"/>
-    <p:sldId id="265" r:id="rId15"/>
+    <p:sldId id="256" r:id="rId3"/>
+    <p:sldId id="257" r:id="rId5"/>
+    <p:sldId id="258" r:id="rId6"/>
+    <p:sldId id="259" r:id="rId7"/>
+    <p:sldId id="260" r:id="rId8"/>
+    <p:sldId id="261" r:id="rId9"/>
+    <p:sldId id="262" r:id="rId10"/>
+    <p:sldId id="263" r:id="rId11"/>
+    <p:sldId id="264" r:id="rId12"/>
+    <p:sldId id="265" r:id="rId13"/>
   </p:sldIdLst>
-  <p:sldSz cy="5143500" cx="9144000"/>
+  <p:sldSz cx="9144000" cy="5143500"/>
   <p:notesSz cx="6858000" cy="9144000"/>
   <p:embeddedFontLst>
     <p:embeddedFont>
-      <p:font typeface="Roboto"/>
-      <p:regular r:id="rId16"/>
-      <p:bold r:id="rId17"/>
-      <p:italic r:id="rId18"/>
-      <p:boldItalic r:id="rId19"/>
+      <p:font typeface="Roboto" panose="02000000000000000000"/>
+      <p:regular r:id="rId17"/>
     </p:embeddedFont>
   </p:embeddedFontLst>
   <p:defaultTextStyle>
-    <a:defPPr lvl="0" marR="0" rtl="0" algn="l">
+    <a:defPPr marR="0" lvl="0" algn="l" rtl="0">
       <a:lnSpc>
         <a:spcPct val="100000"/>
       </a:lnSpc>
@@ -42,7 +39,7 @@
         <a:spcPts val="0"/>
       </a:spcAft>
     </a:defPPr>
-    <a:lvl1pPr lvl="0" marR="0" rtl="0" algn="l">
+    <a:lvl1pPr marR="0" lvl="0" algn="l" rtl="0">
       <a:lnSpc>
         <a:spcPct val="100000"/>
       </a:lnSpc>
@@ -55,18 +52,18 @@
       <a:buClr>
         <a:srgbClr val="000000"/>
       </a:buClr>
-      <a:buFont typeface="Arial"/>
-      <a:defRPr b="0" i="0" sz="1400" u="none" cap="none" strike="noStrike">
+      <a:buFont typeface="Arial" panose="020B0604020202020204"/>
+      <a:defRPr sz="1400" b="0" i="0" u="none" strike="noStrike" cap="none">
         <a:solidFill>
           <a:srgbClr val="000000"/>
         </a:solidFill>
-        <a:latin typeface="Arial"/>
-        <a:ea typeface="Arial"/>
-        <a:cs typeface="Arial"/>
-        <a:sym typeface="Arial"/>
+        <a:latin typeface="Arial" panose="020B0604020202020204"/>
+        <a:ea typeface="Arial" panose="020B0604020202020204"/>
+        <a:cs typeface="Arial" panose="020B0604020202020204"/>
+        <a:sym typeface="Arial" panose="020B0604020202020204"/>
       </a:defRPr>
     </a:lvl1pPr>
-    <a:lvl2pPr lvl="1" marR="0" rtl="0" algn="l">
+    <a:lvl2pPr marR="0" lvl="1" algn="l" rtl="0">
       <a:lnSpc>
         <a:spcPct val="100000"/>
       </a:lnSpc>
@@ -79,18 +76,18 @@
       <a:buClr>
         <a:srgbClr val="000000"/>
       </a:buClr>
-      <a:buFont typeface="Arial"/>
-      <a:defRPr b="0" i="0" sz="1400" u="none" cap="none" strike="noStrike">
+      <a:buFont typeface="Arial" panose="020B0604020202020204"/>
+      <a:defRPr sz="1400" b="0" i="0" u="none" strike="noStrike" cap="none">
         <a:solidFill>
           <a:srgbClr val="000000"/>
         </a:solidFill>
-        <a:latin typeface="Arial"/>
-        <a:ea typeface="Arial"/>
-        <a:cs typeface="Arial"/>
-        <a:sym typeface="Arial"/>
+        <a:latin typeface="Arial" panose="020B0604020202020204"/>
+        <a:ea typeface="Arial" panose="020B0604020202020204"/>
+        <a:cs typeface="Arial" panose="020B0604020202020204"/>
+        <a:sym typeface="Arial" panose="020B0604020202020204"/>
       </a:defRPr>
     </a:lvl2pPr>
-    <a:lvl3pPr lvl="2" marR="0" rtl="0" algn="l">
+    <a:lvl3pPr marR="0" lvl="2" algn="l" rtl="0">
       <a:lnSpc>
         <a:spcPct val="100000"/>
       </a:lnSpc>
@@ -103,18 +100,18 @@
       <a:buClr>
         <a:srgbClr val="000000"/>
       </a:buClr>
-      <a:buFont typeface="Arial"/>
-      <a:defRPr b="0" i="0" sz="1400" u="none" cap="none" strike="noStrike">
+      <a:buFont typeface="Arial" panose="020B0604020202020204"/>
+      <a:defRPr sz="1400" b="0" i="0" u="none" strike="noStrike" cap="none">
         <a:solidFill>
           <a:srgbClr val="000000"/>
         </a:solidFill>
-        <a:latin typeface="Arial"/>
-        <a:ea typeface="Arial"/>
-        <a:cs typeface="Arial"/>
-        <a:sym typeface="Arial"/>
+        <a:latin typeface="Arial" panose="020B0604020202020204"/>
+        <a:ea typeface="Arial" panose="020B0604020202020204"/>
+        <a:cs typeface="Arial" panose="020B0604020202020204"/>
+        <a:sym typeface="Arial" panose="020B0604020202020204"/>
       </a:defRPr>
     </a:lvl3pPr>
-    <a:lvl4pPr lvl="3" marR="0" rtl="0" algn="l">
+    <a:lvl4pPr marR="0" lvl="3" algn="l" rtl="0">
       <a:lnSpc>
         <a:spcPct val="100000"/>
       </a:lnSpc>
@@ -127,18 +124,18 @@
       <a:buClr>
         <a:srgbClr val="000000"/>
       </a:buClr>
-      <a:buFont typeface="Arial"/>
-      <a:defRPr b="0" i="0" sz="1400" u="none" cap="none" strike="noStrike">
+      <a:buFont typeface="Arial" panose="020B0604020202020204"/>
+      <a:defRPr sz="1400" b="0" i="0" u="none" strike="noStrike" cap="none">
         <a:solidFill>
           <a:srgbClr val="000000"/>
         </a:solidFill>
-        <a:latin typeface="Arial"/>
-        <a:ea typeface="Arial"/>
-        <a:cs typeface="Arial"/>
-        <a:sym typeface="Arial"/>
+        <a:latin typeface="Arial" panose="020B0604020202020204"/>
+        <a:ea typeface="Arial" panose="020B0604020202020204"/>
+        <a:cs typeface="Arial" panose="020B0604020202020204"/>
+        <a:sym typeface="Arial" panose="020B0604020202020204"/>
       </a:defRPr>
     </a:lvl4pPr>
-    <a:lvl5pPr lvl="4" marR="0" rtl="0" algn="l">
+    <a:lvl5pPr marR="0" lvl="4" algn="l" rtl="0">
       <a:lnSpc>
         <a:spcPct val="100000"/>
       </a:lnSpc>
@@ -151,18 +148,18 @@
       <a:buClr>
         <a:srgbClr val="000000"/>
       </a:buClr>
-      <a:buFont typeface="Arial"/>
-      <a:defRPr b="0" i="0" sz="1400" u="none" cap="none" strike="noStrike">
+      <a:buFont typeface="Arial" panose="020B0604020202020204"/>
+      <a:defRPr sz="1400" b="0" i="0" u="none" strike="noStrike" cap="none">
         <a:solidFill>
           <a:srgbClr val="000000"/>
         </a:solidFill>
-        <a:latin typeface="Arial"/>
-        <a:ea typeface="Arial"/>
-        <a:cs typeface="Arial"/>
-        <a:sym typeface="Arial"/>
+        <a:latin typeface="Arial" panose="020B0604020202020204"/>
+        <a:ea typeface="Arial" panose="020B0604020202020204"/>
+        <a:cs typeface="Arial" panose="020B0604020202020204"/>
+        <a:sym typeface="Arial" panose="020B0604020202020204"/>
       </a:defRPr>
     </a:lvl5pPr>
-    <a:lvl6pPr lvl="5" marR="0" rtl="0" algn="l">
+    <a:lvl6pPr marR="0" lvl="5" algn="l" rtl="0">
       <a:lnSpc>
         <a:spcPct val="100000"/>
       </a:lnSpc>
@@ -175,18 +172,18 @@
       <a:buClr>
         <a:srgbClr val="000000"/>
       </a:buClr>
-      <a:buFont typeface="Arial"/>
-      <a:defRPr b="0" i="0" sz="1400" u="none" cap="none" strike="noStrike">
+      <a:buFont typeface="Arial" panose="020B0604020202020204"/>
+      <a:defRPr sz="1400" b="0" i="0" u="none" strike="noStrike" cap="none">
         <a:solidFill>
           <a:srgbClr val="000000"/>
         </a:solidFill>
-        <a:latin typeface="Arial"/>
-        <a:ea typeface="Arial"/>
-        <a:cs typeface="Arial"/>
-        <a:sym typeface="Arial"/>
+        <a:latin typeface="Arial" panose="020B0604020202020204"/>
+        <a:ea typeface="Arial" panose="020B0604020202020204"/>
+        <a:cs typeface="Arial" panose="020B0604020202020204"/>
+        <a:sym typeface="Arial" panose="020B0604020202020204"/>
       </a:defRPr>
     </a:lvl6pPr>
-    <a:lvl7pPr lvl="6" marR="0" rtl="0" algn="l">
+    <a:lvl7pPr marR="0" lvl="6" algn="l" rtl="0">
       <a:lnSpc>
         <a:spcPct val="100000"/>
       </a:lnSpc>
@@ -199,18 +196,18 @@
       <a:buClr>
         <a:srgbClr val="000000"/>
       </a:buClr>
-      <a:buFont typeface="Arial"/>
-      <a:defRPr b="0" i="0" sz="1400" u="none" cap="none" strike="noStrike">
+      <a:buFont typeface="Arial" panose="020B0604020202020204"/>
+      <a:defRPr sz="1400" b="0" i="0" u="none" strike="noStrike" cap="none">
         <a:solidFill>
           <a:srgbClr val="000000"/>
         </a:solidFill>
-        <a:latin typeface="Arial"/>
-        <a:ea typeface="Arial"/>
-        <a:cs typeface="Arial"/>
-        <a:sym typeface="Arial"/>
+        <a:latin typeface="Arial" panose="020B0604020202020204"/>
+        <a:ea typeface="Arial" panose="020B0604020202020204"/>
+        <a:cs typeface="Arial" panose="020B0604020202020204"/>
+        <a:sym typeface="Arial" panose="020B0604020202020204"/>
       </a:defRPr>
     </a:lvl7pPr>
-    <a:lvl8pPr lvl="7" marR="0" rtl="0" algn="l">
+    <a:lvl8pPr marR="0" lvl="7" algn="l" rtl="0">
       <a:lnSpc>
         <a:spcPct val="100000"/>
       </a:lnSpc>
@@ -223,18 +220,18 @@
       <a:buClr>
         <a:srgbClr val="000000"/>
       </a:buClr>
-      <a:buFont typeface="Arial"/>
-      <a:defRPr b="0" i="0" sz="1400" u="none" cap="none" strike="noStrike">
+      <a:buFont typeface="Arial" panose="020B0604020202020204"/>
+      <a:defRPr sz="1400" b="0" i="0" u="none" strike="noStrike" cap="none">
         <a:solidFill>
           <a:srgbClr val="000000"/>
         </a:solidFill>
-        <a:latin typeface="Arial"/>
-        <a:ea typeface="Arial"/>
-        <a:cs typeface="Arial"/>
-        <a:sym typeface="Arial"/>
+        <a:latin typeface="Arial" panose="020B0604020202020204"/>
+        <a:ea typeface="Arial" panose="020B0604020202020204"/>
+        <a:cs typeface="Arial" panose="020B0604020202020204"/>
+        <a:sym typeface="Arial" panose="020B0604020202020204"/>
       </a:defRPr>
     </a:lvl8pPr>
-    <a:lvl9pPr lvl="8" marR="0" rtl="0" algn="l">
+    <a:lvl9pPr marR="0" lvl="8" algn="l" rtl="0">
       <a:lnSpc>
         <a:spcPct val="100000"/>
       </a:lnSpc>
@@ -247,40 +244,29 @@
       <a:buClr>
         <a:srgbClr val="000000"/>
       </a:buClr>
-      <a:buFont typeface="Arial"/>
-      <a:defRPr b="0" i="0" sz="1400" u="none" cap="none" strike="noStrike">
+      <a:buFont typeface="Arial" panose="020B0604020202020204"/>
+      <a:defRPr sz="1400" b="0" i="0" u="none" strike="noStrike" cap="none">
         <a:solidFill>
           <a:srgbClr val="000000"/>
         </a:solidFill>
-        <a:latin typeface="Arial"/>
-        <a:ea typeface="Arial"/>
-        <a:cs typeface="Arial"/>
-        <a:sym typeface="Arial"/>
+        <a:latin typeface="Arial" panose="020B0604020202020204"/>
+        <a:ea typeface="Arial" panose="020B0604020202020204"/>
+        <a:cs typeface="Arial" panose="020B0604020202020204"/>
+        <a:sym typeface="Arial" panose="020B0604020202020204"/>
       </a:defRPr>
     </a:lvl9pPr>
   </p:defaultTextStyle>
-  <p:extLst>
-    <p:ext uri="{EFAFB233-063F-42B5-8137-9DF3F51BA10A}">
-      <p15:sldGuideLst>
-        <p15:guide id="1" orient="horz" pos="1620">
-          <p15:clr>
-            <a:srgbClr val="A4A3A4"/>
-          </p15:clr>
-        </p15:guide>
-        <p15:guide id="2" pos="2880">
-          <p15:clr>
-            <a:srgbClr val="A4A3A4"/>
-          </p15:clr>
-        </p15:guide>
-      </p15:sldGuideLst>
-    </p:ext>
-  </p:extLst>
 </p:presentation>
 </file>
 
 <file path=ppt/notesMasters/notesMaster1.xml><?xml version="1.0" encoding="utf-8"?>
-<p:notesMaster xmlns:a="http://schemas.openxmlformats.org/drawingml/2006/main" xmlns:r="http://schemas.openxmlformats.org/officeDocument/2006/relationships" xmlns:mc="http://schemas.openxmlformats.org/markup-compatibility/2006" xmlns:mv="urn:schemas-microsoft-com:mac:vml" xmlns:p="http://schemas.openxmlformats.org/presentationml/2006/main" xmlns:c="http://schemas.openxmlformats.org/drawingml/2006/chart" xmlns:dgm="http://schemas.openxmlformats.org/drawingml/2006/diagram" xmlns:o="urn:schemas-microsoft-com:office:office" xmlns:v="urn:schemas-microsoft-com:vml" xmlns:pvml="urn:schemas-microsoft-com:office:powerpoint" xmlns:com="http://schemas.openxmlformats.org/drawingml/2006/compatibility" xmlns:p14="http://schemas.microsoft.com/office/powerpoint/2010/main" xmlns:p15="http://schemas.microsoft.com/office/powerpoint/2012/main">
+<p:notesMaster xmlns:a="http://schemas.openxmlformats.org/drawingml/2006/main" xmlns:r="http://schemas.openxmlformats.org/officeDocument/2006/relationships" xmlns:p="http://schemas.openxmlformats.org/presentationml/2006/main">
   <p:cSld>
+    <p:bg>
+      <p:bgRef idx="1001">
+        <a:schemeClr val="bg1"/>
+      </p:bgRef>
+    </p:bg>
     <p:spTree>
       <p:nvGrpSpPr>
         <p:cNvPr id="2" name="Shape 2"/>
@@ -300,7 +286,7 @@
           <p:cNvPr id="3" name="Google Shape;3;n"/>
           <p:cNvSpPr/>
           <p:nvPr>
-            <p:ph idx="2" type="sldImg"/>
+            <p:ph type="sldImg" idx="2"/>
           </p:nvPr>
         </p:nvSpPr>
         <p:spPr>
@@ -309,9 +295,13 @@
             <a:ext cx="6096075" cy="3429000"/>
           </a:xfrm>
           <a:custGeom>
-            <a:rect b="b" l="l" r="r" t="t"/>
+            <a:avLst/>
+            <a:gdLst/>
+            <a:ahLst/>
+            <a:cxnLst/>
+            <a:rect l="l" t="t" r="r" b="b"/>
             <a:pathLst>
-              <a:path extrusionOk="0" h="120000" w="120000">
+              <a:path w="120000" h="120000" extrusionOk="0">
                 <a:moveTo>
                   <a:pt x="0" y="0"/>
                 </a:moveTo>
@@ -329,14 +319,14 @@
             </a:pathLst>
           </a:custGeom>
           <a:noFill/>
-          <a:ln cap="flat" cmpd="sng" w="9525">
+          <a:ln w="9525" cap="flat" cmpd="sng">
             <a:solidFill>
               <a:srgbClr val="000000"/>
             </a:solidFill>
             <a:prstDash val="solid"/>
             <a:round/>
-            <a:headEnd len="sm" w="sm" type="none"/>
-            <a:tailEnd len="sm" w="sm" type="none"/>
+            <a:headEnd type="none" w="sm" len="sm"/>
+            <a:tailEnd type="none" w="sm" len="sm"/>
           </a:ln>
         </p:spPr>
       </p:sp>
@@ -345,7 +335,7 @@
           <p:cNvPr id="4" name="Google Shape;4;n"/>
           <p:cNvSpPr txBox="1"/>
           <p:nvPr>
-            <p:ph idx="1" type="body"/>
+            <p:ph type="body" idx="1"/>
           </p:nvPr>
         </p:nvSpPr>
         <p:spPr>
@@ -362,9 +352,9 @@
           </a:ln>
         </p:spPr>
         <p:txBody>
-          <a:bodyPr anchorCtr="0" anchor="t" bIns="91425" lIns="91425" spcFirstLastPara="1" rIns="91425" wrap="square" tIns="91425"/>
+          <a:bodyPr spcFirstLastPara="1" wrap="square" lIns="91425" tIns="91425" rIns="91425" bIns="91425" anchor="t" anchorCtr="0"/>
           <a:lstStyle>
-            <a:lvl1pPr indent="-298450" lvl="0" marL="457200">
+            <a:lvl1pPr marL="457200" lvl="0" indent="-298450">
               <a:spcBef>
                 <a:spcPts val="0"/>
               </a:spcBef>
@@ -375,7 +365,7 @@
               <a:buChar char="●"/>
               <a:defRPr sz="1100"/>
             </a:lvl1pPr>
-            <a:lvl2pPr indent="-298450" lvl="1" marL="914400">
+            <a:lvl2pPr marL="914400" lvl="1" indent="-298450">
               <a:spcBef>
                 <a:spcPts val="0"/>
               </a:spcBef>
@@ -386,7 +376,7 @@
               <a:buChar char="○"/>
               <a:defRPr sz="1100"/>
             </a:lvl2pPr>
-            <a:lvl3pPr indent="-298450" lvl="2" marL="1371600">
+            <a:lvl3pPr marL="1371600" lvl="2" indent="-298450">
               <a:spcBef>
                 <a:spcPts val="0"/>
               </a:spcBef>
@@ -397,7 +387,7 @@
               <a:buChar char="■"/>
               <a:defRPr sz="1100"/>
             </a:lvl3pPr>
-            <a:lvl4pPr indent="-298450" lvl="3" marL="1828800">
+            <a:lvl4pPr marL="1828800" lvl="3" indent="-298450">
               <a:spcBef>
                 <a:spcPts val="0"/>
               </a:spcBef>
@@ -408,7 +398,7 @@
               <a:buChar char="●"/>
               <a:defRPr sz="1100"/>
             </a:lvl4pPr>
-            <a:lvl5pPr indent="-298450" lvl="4" marL="2286000">
+            <a:lvl5pPr marL="2286000" lvl="4" indent="-298450">
               <a:spcBef>
                 <a:spcPts val="0"/>
               </a:spcBef>
@@ -419,7 +409,7 @@
               <a:buChar char="○"/>
               <a:defRPr sz="1100"/>
             </a:lvl5pPr>
-            <a:lvl6pPr indent="-298450" lvl="5" marL="2743200">
+            <a:lvl6pPr marL="2743200" lvl="5" indent="-298450">
               <a:spcBef>
                 <a:spcPts val="0"/>
               </a:spcBef>
@@ -430,7 +420,7 @@
               <a:buChar char="■"/>
               <a:defRPr sz="1100"/>
             </a:lvl6pPr>
-            <a:lvl7pPr indent="-298450" lvl="6" marL="3200400">
+            <a:lvl7pPr marL="3200400" lvl="6" indent="-298450">
               <a:spcBef>
                 <a:spcPts val="0"/>
               </a:spcBef>
@@ -441,7 +431,7 @@
               <a:buChar char="●"/>
               <a:defRPr sz="1100"/>
             </a:lvl7pPr>
-            <a:lvl8pPr indent="-298450" lvl="7" marL="3657600">
+            <a:lvl8pPr marL="3657600" lvl="7" indent="-298450">
               <a:spcBef>
                 <a:spcPts val="0"/>
               </a:spcBef>
@@ -452,7 +442,7 @@
               <a:buChar char="○"/>
               <a:defRPr sz="1100"/>
             </a:lvl8pPr>
-            <a:lvl9pPr indent="-298450" lvl="8" marL="4114800">
+            <a:lvl9pPr marL="4114800" lvl="8" indent="-298450">
               <a:spcBef>
                 <a:spcPts val="0"/>
               </a:spcBef>
@@ -469,9 +459,9 @@
       </p:sp>
     </p:spTree>
   </p:cSld>
-  <p:clrMap accent1="accent1" accent2="accent2" accent3="accent3" accent4="accent4" accent5="accent5" accent6="accent6" bg1="lt1" bg2="dk2" tx1="dk1" tx2="lt2" folHlink="folHlink" hlink="hlink"/>
+  <p:clrMap bg1="lt1" tx1="dk1" bg2="dk2" tx2="lt2" accent1="accent1" accent2="accent2" accent3="accent3" accent4="accent4" accent5="accent5" accent6="accent6" hlink="hlink" folHlink="folHlink"/>
   <p:notesStyle>
-    <a:defPPr lvl="0" marR="0" rtl="0" algn="l">
+    <a:defPPr marR="0" lvl="0" algn="l" rtl="0">
       <a:lnSpc>
         <a:spcPct val="100000"/>
       </a:lnSpc>
@@ -482,7 +472,7 @@
         <a:spcPts val="0"/>
       </a:spcAft>
     </a:defPPr>
-    <a:lvl1pPr lvl="0" marR="0" rtl="0" algn="l">
+    <a:lvl1pPr marR="0" lvl="0" algn="l" rtl="0">
       <a:lnSpc>
         <a:spcPct val="100000"/>
       </a:lnSpc>
@@ -495,18 +485,18 @@
       <a:buClr>
         <a:srgbClr val="000000"/>
       </a:buClr>
-      <a:buFont typeface="Arial"/>
-      <a:defRPr b="0" i="0" sz="1400" u="none" cap="none" strike="noStrike">
+      <a:buFont typeface="Arial" panose="020B0604020202020204"/>
+      <a:defRPr sz="1400" b="0" i="0" u="none" strike="noStrike" cap="none">
         <a:solidFill>
           <a:srgbClr val="000000"/>
         </a:solidFill>
-        <a:latin typeface="Arial"/>
-        <a:ea typeface="Arial"/>
-        <a:cs typeface="Arial"/>
-        <a:sym typeface="Arial"/>
+        <a:latin typeface="Arial" panose="020B0604020202020204"/>
+        <a:ea typeface="Arial" panose="020B0604020202020204"/>
+        <a:cs typeface="Arial" panose="020B0604020202020204"/>
+        <a:sym typeface="Arial" panose="020B0604020202020204"/>
       </a:defRPr>
     </a:lvl1pPr>
-    <a:lvl2pPr lvl="1" marR="0" rtl="0" algn="l">
+    <a:lvl2pPr marR="0" lvl="1" algn="l" rtl="0">
       <a:lnSpc>
         <a:spcPct val="100000"/>
       </a:lnSpc>
@@ -519,18 +509,18 @@
       <a:buClr>
         <a:srgbClr val="000000"/>
       </a:buClr>
-      <a:buFont typeface="Arial"/>
-      <a:defRPr b="0" i="0" sz="1400" u="none" cap="none" strike="noStrike">
+      <a:buFont typeface="Arial" panose="020B0604020202020204"/>
+      <a:defRPr sz="1400" b="0" i="0" u="none" strike="noStrike" cap="none">
         <a:solidFill>
           <a:srgbClr val="000000"/>
         </a:solidFill>
-        <a:latin typeface="Arial"/>
-        <a:ea typeface="Arial"/>
-        <a:cs typeface="Arial"/>
-        <a:sym typeface="Arial"/>
+        <a:latin typeface="Arial" panose="020B0604020202020204"/>
+        <a:ea typeface="Arial" panose="020B0604020202020204"/>
+        <a:cs typeface="Arial" panose="020B0604020202020204"/>
+        <a:sym typeface="Arial" panose="020B0604020202020204"/>
       </a:defRPr>
     </a:lvl2pPr>
-    <a:lvl3pPr lvl="2" marR="0" rtl="0" algn="l">
+    <a:lvl3pPr marR="0" lvl="2" algn="l" rtl="0">
       <a:lnSpc>
         <a:spcPct val="100000"/>
       </a:lnSpc>
@@ -543,18 +533,18 @@
       <a:buClr>
         <a:srgbClr val="000000"/>
       </a:buClr>
-      <a:buFont typeface="Arial"/>
-      <a:defRPr b="0" i="0" sz="1400" u="none" cap="none" strike="noStrike">
+      <a:buFont typeface="Arial" panose="020B0604020202020204"/>
+      <a:defRPr sz="1400" b="0" i="0" u="none" strike="noStrike" cap="none">
         <a:solidFill>
           <a:srgbClr val="000000"/>
         </a:solidFill>
-        <a:latin typeface="Arial"/>
-        <a:ea typeface="Arial"/>
-        <a:cs typeface="Arial"/>
-        <a:sym typeface="Arial"/>
+        <a:latin typeface="Arial" panose="020B0604020202020204"/>
+        <a:ea typeface="Arial" panose="020B0604020202020204"/>
+        <a:cs typeface="Arial" panose="020B0604020202020204"/>
+        <a:sym typeface="Arial" panose="020B0604020202020204"/>
       </a:defRPr>
     </a:lvl3pPr>
-    <a:lvl4pPr lvl="3" marR="0" rtl="0" algn="l">
+    <a:lvl4pPr marR="0" lvl="3" algn="l" rtl="0">
       <a:lnSpc>
         <a:spcPct val="100000"/>
       </a:lnSpc>
@@ -567,18 +557,18 @@
       <a:buClr>
         <a:srgbClr val="000000"/>
       </a:buClr>
-      <a:buFont typeface="Arial"/>
-      <a:defRPr b="0" i="0" sz="1400" u="none" cap="none" strike="noStrike">
+      <a:buFont typeface="Arial" panose="020B0604020202020204"/>
+      <a:defRPr sz="1400" b="0" i="0" u="none" strike="noStrike" cap="none">
         <a:solidFill>
           <a:srgbClr val="000000"/>
         </a:solidFill>
-        <a:latin typeface="Arial"/>
-        <a:ea typeface="Arial"/>
-        <a:cs typeface="Arial"/>
-        <a:sym typeface="Arial"/>
+        <a:latin typeface="Arial" panose="020B0604020202020204"/>
+        <a:ea typeface="Arial" panose="020B0604020202020204"/>
+        <a:cs typeface="Arial" panose="020B0604020202020204"/>
+        <a:sym typeface="Arial" panose="020B0604020202020204"/>
       </a:defRPr>
     </a:lvl4pPr>
-    <a:lvl5pPr lvl="4" marR="0" rtl="0" algn="l">
+    <a:lvl5pPr marR="0" lvl="4" algn="l" rtl="0">
       <a:lnSpc>
         <a:spcPct val="100000"/>
       </a:lnSpc>
@@ -591,18 +581,18 @@
       <a:buClr>
         <a:srgbClr val="000000"/>
       </a:buClr>
-      <a:buFont typeface="Arial"/>
-      <a:defRPr b="0" i="0" sz="1400" u="none" cap="none" strike="noStrike">
+      <a:buFont typeface="Arial" panose="020B0604020202020204"/>
+      <a:defRPr sz="1400" b="0" i="0" u="none" strike="noStrike" cap="none">
         <a:solidFill>
           <a:srgbClr val="000000"/>
         </a:solidFill>
-        <a:latin typeface="Arial"/>
-        <a:ea typeface="Arial"/>
-        <a:cs typeface="Arial"/>
-        <a:sym typeface="Arial"/>
+        <a:latin typeface="Arial" panose="020B0604020202020204"/>
+        <a:ea typeface="Arial" panose="020B0604020202020204"/>
+        <a:cs typeface="Arial" panose="020B0604020202020204"/>
+        <a:sym typeface="Arial" panose="020B0604020202020204"/>
       </a:defRPr>
     </a:lvl5pPr>
-    <a:lvl6pPr lvl="5" marR="0" rtl="0" algn="l">
+    <a:lvl6pPr marR="0" lvl="5" algn="l" rtl="0">
       <a:lnSpc>
         <a:spcPct val="100000"/>
       </a:lnSpc>
@@ -615,18 +605,18 @@
       <a:buClr>
         <a:srgbClr val="000000"/>
       </a:buClr>
-      <a:buFont typeface="Arial"/>
-      <a:defRPr b="0" i="0" sz="1400" u="none" cap="none" strike="noStrike">
+      <a:buFont typeface="Arial" panose="020B0604020202020204"/>
+      <a:defRPr sz="1400" b="0" i="0" u="none" strike="noStrike" cap="none">
         <a:solidFill>
           <a:srgbClr val="000000"/>
         </a:solidFill>
-        <a:latin typeface="Arial"/>
-        <a:ea typeface="Arial"/>
-        <a:cs typeface="Arial"/>
-        <a:sym typeface="Arial"/>
+        <a:latin typeface="Arial" panose="020B0604020202020204"/>
+        <a:ea typeface="Arial" panose="020B0604020202020204"/>
+        <a:cs typeface="Arial" panose="020B0604020202020204"/>
+        <a:sym typeface="Arial" panose="020B0604020202020204"/>
       </a:defRPr>
     </a:lvl6pPr>
-    <a:lvl7pPr lvl="6" marR="0" rtl="0" algn="l">
+    <a:lvl7pPr marR="0" lvl="6" algn="l" rtl="0">
       <a:lnSpc>
         <a:spcPct val="100000"/>
       </a:lnSpc>
@@ -639,18 +629,18 @@
       <a:buClr>
         <a:srgbClr val="000000"/>
       </a:buClr>
-      <a:buFont typeface="Arial"/>
-      <a:defRPr b="0" i="0" sz="1400" u="none" cap="none" strike="noStrike">
+      <a:buFont typeface="Arial" panose="020B0604020202020204"/>
+      <a:defRPr sz="1400" b="0" i="0" u="none" strike="noStrike" cap="none">
         <a:solidFill>
           <a:srgbClr val="000000"/>
         </a:solidFill>
-        <a:latin typeface="Arial"/>
-        <a:ea typeface="Arial"/>
-        <a:cs typeface="Arial"/>
-        <a:sym typeface="Arial"/>
+        <a:latin typeface="Arial" panose="020B0604020202020204"/>
+        <a:ea typeface="Arial" panose="020B0604020202020204"/>
+        <a:cs typeface="Arial" panose="020B0604020202020204"/>
+        <a:sym typeface="Arial" panose="020B0604020202020204"/>
       </a:defRPr>
     </a:lvl7pPr>
-    <a:lvl8pPr lvl="7" marR="0" rtl="0" algn="l">
+    <a:lvl8pPr marR="0" lvl="7" algn="l" rtl="0">
       <a:lnSpc>
         <a:spcPct val="100000"/>
       </a:lnSpc>
@@ -663,18 +653,18 @@
       <a:buClr>
         <a:srgbClr val="000000"/>
       </a:buClr>
-      <a:buFont typeface="Arial"/>
-      <a:defRPr b="0" i="0" sz="1400" u="none" cap="none" strike="noStrike">
+      <a:buFont typeface="Arial" panose="020B0604020202020204"/>
+      <a:defRPr sz="1400" b="0" i="0" u="none" strike="noStrike" cap="none">
         <a:solidFill>
           <a:srgbClr val="000000"/>
         </a:solidFill>
-        <a:latin typeface="Arial"/>
-        <a:ea typeface="Arial"/>
-        <a:cs typeface="Arial"/>
-        <a:sym typeface="Arial"/>
+        <a:latin typeface="Arial" panose="020B0604020202020204"/>
+        <a:ea typeface="Arial" panose="020B0604020202020204"/>
+        <a:cs typeface="Arial" panose="020B0604020202020204"/>
+        <a:sym typeface="Arial" panose="020B0604020202020204"/>
       </a:defRPr>
     </a:lvl8pPr>
-    <a:lvl9pPr lvl="8" marR="0" rtl="0" algn="l">
+    <a:lvl9pPr marR="0" lvl="8" algn="l" rtl="0">
       <a:lnSpc>
         <a:spcPct val="100000"/>
       </a:lnSpc>
@@ -687,15 +677,15 @@
       <a:buClr>
         <a:srgbClr val="000000"/>
       </a:buClr>
-      <a:buFont typeface="Arial"/>
-      <a:defRPr b="0" i="0" sz="1400" u="none" cap="none" strike="noStrike">
+      <a:buFont typeface="Arial" panose="020B0604020202020204"/>
+      <a:defRPr sz="1400" b="0" i="0" u="none" strike="noStrike" cap="none">
         <a:solidFill>
           <a:srgbClr val="000000"/>
         </a:solidFill>
-        <a:latin typeface="Arial"/>
-        <a:ea typeface="Arial"/>
-        <a:cs typeface="Arial"/>
-        <a:sym typeface="Arial"/>
+        <a:latin typeface="Arial" panose="020B0604020202020204"/>
+        <a:ea typeface="Arial" panose="020B0604020202020204"/>
+        <a:cs typeface="Arial" panose="020B0604020202020204"/>
+        <a:sym typeface="Arial" panose="020B0604020202020204"/>
       </a:defRPr>
     </a:lvl9pPr>
   </p:notesStyle>
@@ -703,7 +693,7 @@
 </file>
 
 <file path=ppt/notesSlides/notesSlide1.xml><?xml version="1.0" encoding="utf-8"?>
-<p:notes xmlns:a="http://schemas.openxmlformats.org/drawingml/2006/main" xmlns:r="http://schemas.openxmlformats.org/officeDocument/2006/relationships" xmlns:mc="http://schemas.openxmlformats.org/markup-compatibility/2006" xmlns:mv="urn:schemas-microsoft-com:mac:vml" xmlns:p="http://schemas.openxmlformats.org/presentationml/2006/main" xmlns:c="http://schemas.openxmlformats.org/drawingml/2006/chart" xmlns:dgm="http://schemas.openxmlformats.org/drawingml/2006/diagram" xmlns:o="urn:schemas-microsoft-com:office:office" xmlns:v="urn:schemas-microsoft-com:vml" xmlns:pvml="urn:schemas-microsoft-com:office:powerpoint" xmlns:com="http://schemas.openxmlformats.org/drawingml/2006/compatibility" xmlns:p14="http://schemas.microsoft.com/office/powerpoint/2010/main" xmlns:p15="http://schemas.microsoft.com/office/powerpoint/2012/main" showMasterPhAnim="0" showMasterSp="0">
+<p:notes xmlns:a="http://schemas.openxmlformats.org/drawingml/2006/main" xmlns:r="http://schemas.openxmlformats.org/officeDocument/2006/relationships" xmlns:p="http://schemas.openxmlformats.org/presentationml/2006/main" showMasterPhAnim="0" showMasterSp="0">
   <p:cSld>
     <p:spTree>
       <p:nvGrpSpPr>
@@ -724,7 +714,7 @@
           <p:cNvPr id="64" name="Google Shape;64;p:notes"/>
           <p:cNvSpPr/>
           <p:nvPr>
-            <p:ph idx="2" type="sldImg"/>
+            <p:ph type="sldImg" idx="2"/>
           </p:nvPr>
         </p:nvSpPr>
         <p:spPr>
@@ -733,9 +723,13 @@
             <a:ext cx="6096075" cy="3429000"/>
           </a:xfrm>
           <a:custGeom>
-            <a:rect b="b" l="l" r="r" t="t"/>
+            <a:avLst/>
+            <a:gdLst/>
+            <a:ahLst/>
+            <a:cxnLst/>
+            <a:rect l="l" t="t" r="r" b="b"/>
             <a:pathLst>
-              <a:path extrusionOk="0" h="120000" w="120000">
+              <a:path w="120000" h="120000" extrusionOk="0">
                 <a:moveTo>
                   <a:pt x="0" y="0"/>
                 </a:moveTo>
@@ -759,7 +753,7 @@
           <p:cNvPr id="65" name="Google Shape;65;p:notes"/>
           <p:cNvSpPr txBox="1"/>
           <p:nvPr>
-            <p:ph idx="1" type="body"/>
+            <p:ph type="body" idx="1"/>
           </p:nvPr>
         </p:nvSpPr>
         <p:spPr>
@@ -772,12 +766,12 @@
           </a:prstGeom>
         </p:spPr>
         <p:txBody>
-          <a:bodyPr anchorCtr="0" anchor="t" bIns="91425" lIns="91425" spcFirstLastPara="1" rIns="91425" wrap="square" tIns="91425">
+          <a:bodyPr spcFirstLastPara="1" wrap="square" lIns="91425" tIns="91425" rIns="91425" bIns="91425" anchor="t" anchorCtr="0">
             <a:noAutofit/>
           </a:bodyPr>
           <a:lstStyle/>
           <a:p>
-            <a:pPr indent="0" lvl="0" marL="0" rtl="0" algn="l">
+            <a:pPr marL="0" lvl="0" indent="0" algn="l" rtl="0">
               <a:spcBef>
                 <a:spcPts val="0"/>
               </a:spcBef>
@@ -786,10 +780,6 @@
               </a:spcAft>
               <a:buNone/>
             </a:pPr>
-            <a:r>
-              <a:t/>
-            </a:r>
-            <a:endParaRPr/>
           </a:p>
         </p:txBody>
       </p:sp>
@@ -802,7 +792,7 @@
 </file>
 
 <file path=ppt/notesSlides/notesSlide10.xml><?xml version="1.0" encoding="utf-8"?>
-<p:notes xmlns:a="http://schemas.openxmlformats.org/drawingml/2006/main" xmlns:r="http://schemas.openxmlformats.org/officeDocument/2006/relationships" xmlns:mc="http://schemas.openxmlformats.org/markup-compatibility/2006" xmlns:mv="urn:schemas-microsoft-com:mac:vml" xmlns:p="http://schemas.openxmlformats.org/presentationml/2006/main" xmlns:c="http://schemas.openxmlformats.org/drawingml/2006/chart" xmlns:dgm="http://schemas.openxmlformats.org/drawingml/2006/diagram" xmlns:o="urn:schemas-microsoft-com:office:office" xmlns:v="urn:schemas-microsoft-com:vml" xmlns:pvml="urn:schemas-microsoft-com:office:powerpoint" xmlns:com="http://schemas.openxmlformats.org/drawingml/2006/compatibility" xmlns:p14="http://schemas.microsoft.com/office/powerpoint/2010/main" xmlns:p15="http://schemas.microsoft.com/office/powerpoint/2012/main" showMasterPhAnim="0" showMasterSp="0">
+<p:notes xmlns:a="http://schemas.openxmlformats.org/drawingml/2006/main" xmlns:r="http://schemas.openxmlformats.org/officeDocument/2006/relationships" xmlns:p="http://schemas.openxmlformats.org/presentationml/2006/main" showMasterPhAnim="0" showMasterSp="0">
   <p:cSld>
     <p:spTree>
       <p:nvGrpSpPr>
@@ -823,7 +813,7 @@
           <p:cNvPr id="123" name="Google Shape;123;g4845ab5fd4_0_119:notes"/>
           <p:cNvSpPr/>
           <p:nvPr>
-            <p:ph idx="2" type="sldImg"/>
+            <p:ph type="sldImg" idx="2"/>
           </p:nvPr>
         </p:nvSpPr>
         <p:spPr>
@@ -832,9 +822,13 @@
             <a:ext cx="6096000" cy="3429000"/>
           </a:xfrm>
           <a:custGeom>
-            <a:rect b="b" l="l" r="r" t="t"/>
+            <a:avLst/>
+            <a:gdLst/>
+            <a:ahLst/>
+            <a:cxnLst/>
+            <a:rect l="l" t="t" r="r" b="b"/>
             <a:pathLst>
-              <a:path extrusionOk="0" h="120000" w="120000">
+              <a:path w="120000" h="120000" extrusionOk="0">
                 <a:moveTo>
                   <a:pt x="0" y="0"/>
                 </a:moveTo>
@@ -858,7 +852,7 @@
           <p:cNvPr id="124" name="Google Shape;124;g4845ab5fd4_0_119:notes"/>
           <p:cNvSpPr txBox="1"/>
           <p:nvPr>
-            <p:ph idx="1" type="body"/>
+            <p:ph type="body" idx="1"/>
           </p:nvPr>
         </p:nvSpPr>
         <p:spPr>
@@ -871,12 +865,12 @@
           </a:prstGeom>
         </p:spPr>
         <p:txBody>
-          <a:bodyPr anchorCtr="0" anchor="t" bIns="91425" lIns="91425" spcFirstLastPara="1" rIns="91425" wrap="square" tIns="91425">
+          <a:bodyPr spcFirstLastPara="1" wrap="square" lIns="91425" tIns="91425" rIns="91425" bIns="91425" anchor="t" anchorCtr="0">
             <a:noAutofit/>
           </a:bodyPr>
           <a:lstStyle/>
           <a:p>
-            <a:pPr indent="0" lvl="0" marL="0" rtl="0" algn="l">
+            <a:pPr marL="0" lvl="0" indent="0" algn="l" rtl="0">
               <a:spcBef>
                 <a:spcPts val="0"/>
               </a:spcBef>
@@ -885,10 +879,6 @@
               </a:spcAft>
               <a:buNone/>
             </a:pPr>
-            <a:r>
-              <a:t/>
-            </a:r>
-            <a:endParaRPr/>
           </a:p>
         </p:txBody>
       </p:sp>
@@ -901,7 +891,7 @@
 </file>
 
 <file path=ppt/notesSlides/notesSlide2.xml><?xml version="1.0" encoding="utf-8"?>
-<p:notes xmlns:a="http://schemas.openxmlformats.org/drawingml/2006/main" xmlns:r="http://schemas.openxmlformats.org/officeDocument/2006/relationships" xmlns:mc="http://schemas.openxmlformats.org/markup-compatibility/2006" xmlns:mv="urn:schemas-microsoft-com:mac:vml" xmlns:p="http://schemas.openxmlformats.org/presentationml/2006/main" xmlns:c="http://schemas.openxmlformats.org/drawingml/2006/chart" xmlns:dgm="http://schemas.openxmlformats.org/drawingml/2006/diagram" xmlns:o="urn:schemas-microsoft-com:office:office" xmlns:v="urn:schemas-microsoft-com:vml" xmlns:pvml="urn:schemas-microsoft-com:office:powerpoint" xmlns:com="http://schemas.openxmlformats.org/drawingml/2006/compatibility" xmlns:p14="http://schemas.microsoft.com/office/powerpoint/2010/main" xmlns:p15="http://schemas.microsoft.com/office/powerpoint/2012/main" showMasterPhAnim="0" showMasterSp="0">
+<p:notes xmlns:a="http://schemas.openxmlformats.org/drawingml/2006/main" xmlns:r="http://schemas.openxmlformats.org/officeDocument/2006/relationships" xmlns:p="http://schemas.openxmlformats.org/presentationml/2006/main" showMasterPhAnim="0" showMasterSp="0">
   <p:cSld>
     <p:spTree>
       <p:nvGrpSpPr>
@@ -922,7 +912,7 @@
           <p:cNvPr id="71" name="Google Shape;71;g4845ab5fd4_0_71:notes"/>
           <p:cNvSpPr/>
           <p:nvPr>
-            <p:ph idx="2" type="sldImg"/>
+            <p:ph type="sldImg" idx="2"/>
           </p:nvPr>
         </p:nvSpPr>
         <p:spPr>
@@ -931,9 +921,13 @@
             <a:ext cx="6096000" cy="3429000"/>
           </a:xfrm>
           <a:custGeom>
-            <a:rect b="b" l="l" r="r" t="t"/>
+            <a:avLst/>
+            <a:gdLst/>
+            <a:ahLst/>
+            <a:cxnLst/>
+            <a:rect l="l" t="t" r="r" b="b"/>
             <a:pathLst>
-              <a:path extrusionOk="0" h="120000" w="120000">
+              <a:path w="120000" h="120000" extrusionOk="0">
                 <a:moveTo>
                   <a:pt x="0" y="0"/>
                 </a:moveTo>
@@ -957,7 +951,7 @@
           <p:cNvPr id="72" name="Google Shape;72;g4845ab5fd4_0_71:notes"/>
           <p:cNvSpPr txBox="1"/>
           <p:nvPr>
-            <p:ph idx="1" type="body"/>
+            <p:ph type="body" idx="1"/>
           </p:nvPr>
         </p:nvSpPr>
         <p:spPr>
@@ -970,12 +964,12 @@
           </a:prstGeom>
         </p:spPr>
         <p:txBody>
-          <a:bodyPr anchorCtr="0" anchor="t" bIns="91425" lIns="91425" spcFirstLastPara="1" rIns="91425" wrap="square" tIns="91425">
+          <a:bodyPr spcFirstLastPara="1" wrap="square" lIns="91425" tIns="91425" rIns="91425" bIns="91425" anchor="t" anchorCtr="0">
             <a:noAutofit/>
           </a:bodyPr>
           <a:lstStyle/>
           <a:p>
-            <a:pPr indent="0" lvl="0" marL="0" rtl="0" algn="l">
+            <a:pPr marL="0" lvl="0" indent="0" algn="l" rtl="0">
               <a:spcBef>
                 <a:spcPts val="0"/>
               </a:spcBef>
@@ -984,10 +978,6 @@
               </a:spcAft>
               <a:buNone/>
             </a:pPr>
-            <a:r>
-              <a:t/>
-            </a:r>
-            <a:endParaRPr/>
           </a:p>
         </p:txBody>
       </p:sp>
@@ -1000,7 +990,7 @@
 </file>
 
 <file path=ppt/notesSlides/notesSlide3.xml><?xml version="1.0" encoding="utf-8"?>
-<p:notes xmlns:a="http://schemas.openxmlformats.org/drawingml/2006/main" xmlns:r="http://schemas.openxmlformats.org/officeDocument/2006/relationships" xmlns:mc="http://schemas.openxmlformats.org/markup-compatibility/2006" xmlns:mv="urn:schemas-microsoft-com:mac:vml" xmlns:p="http://schemas.openxmlformats.org/presentationml/2006/main" xmlns:c="http://schemas.openxmlformats.org/drawingml/2006/chart" xmlns:dgm="http://schemas.openxmlformats.org/drawingml/2006/diagram" xmlns:o="urn:schemas-microsoft-com:office:office" xmlns:v="urn:schemas-microsoft-com:vml" xmlns:pvml="urn:schemas-microsoft-com:office:powerpoint" xmlns:com="http://schemas.openxmlformats.org/drawingml/2006/compatibility" xmlns:p14="http://schemas.microsoft.com/office/powerpoint/2010/main" xmlns:p15="http://schemas.microsoft.com/office/powerpoint/2012/main" showMasterPhAnim="0" showMasterSp="0">
+<p:notes xmlns:a="http://schemas.openxmlformats.org/drawingml/2006/main" xmlns:r="http://schemas.openxmlformats.org/officeDocument/2006/relationships" xmlns:p="http://schemas.openxmlformats.org/presentationml/2006/main" showMasterPhAnim="0" showMasterSp="0">
   <p:cSld>
     <p:spTree>
       <p:nvGrpSpPr>
@@ -1021,7 +1011,7 @@
           <p:cNvPr id="77" name="Google Shape;77;g4845ab5fd4_0_58:notes"/>
           <p:cNvSpPr/>
           <p:nvPr>
-            <p:ph idx="2" type="sldImg"/>
+            <p:ph type="sldImg" idx="2"/>
           </p:nvPr>
         </p:nvSpPr>
         <p:spPr>
@@ -1030,9 +1020,13 @@
             <a:ext cx="6096000" cy="3429000"/>
           </a:xfrm>
           <a:custGeom>
-            <a:rect b="b" l="l" r="r" t="t"/>
+            <a:avLst/>
+            <a:gdLst/>
+            <a:ahLst/>
+            <a:cxnLst/>
+            <a:rect l="l" t="t" r="r" b="b"/>
             <a:pathLst>
-              <a:path extrusionOk="0" h="120000" w="120000">
+              <a:path w="120000" h="120000" extrusionOk="0">
                 <a:moveTo>
                   <a:pt x="0" y="0"/>
                 </a:moveTo>
@@ -1056,7 +1050,7 @@
           <p:cNvPr id="78" name="Google Shape;78;g4845ab5fd4_0_58:notes"/>
           <p:cNvSpPr txBox="1"/>
           <p:nvPr>
-            <p:ph idx="1" type="body"/>
+            <p:ph type="body" idx="1"/>
           </p:nvPr>
         </p:nvSpPr>
         <p:spPr>
@@ -1069,12 +1063,12 @@
           </a:prstGeom>
         </p:spPr>
         <p:txBody>
-          <a:bodyPr anchorCtr="0" anchor="t" bIns="91425" lIns="91425" spcFirstLastPara="1" rIns="91425" wrap="square" tIns="91425">
+          <a:bodyPr spcFirstLastPara="1" wrap="square" lIns="91425" tIns="91425" rIns="91425" bIns="91425" anchor="t" anchorCtr="0">
             <a:noAutofit/>
           </a:bodyPr>
           <a:lstStyle/>
           <a:p>
-            <a:pPr indent="0" lvl="0" marL="0" rtl="0" algn="l">
+            <a:pPr marL="0" lvl="0" indent="0" algn="l" rtl="0">
               <a:spcBef>
                 <a:spcPts val="0"/>
               </a:spcBef>
@@ -1083,10 +1077,6 @@
               </a:spcAft>
               <a:buNone/>
             </a:pPr>
-            <a:r>
-              <a:t/>
-            </a:r>
-            <a:endParaRPr/>
           </a:p>
         </p:txBody>
       </p:sp>
@@ -1099,7 +1089,7 @@
 </file>
 
 <file path=ppt/notesSlides/notesSlide4.xml><?xml version="1.0" encoding="utf-8"?>
-<p:notes xmlns:a="http://schemas.openxmlformats.org/drawingml/2006/main" xmlns:r="http://schemas.openxmlformats.org/officeDocument/2006/relationships" xmlns:mc="http://schemas.openxmlformats.org/markup-compatibility/2006" xmlns:mv="urn:schemas-microsoft-com:mac:vml" xmlns:p="http://schemas.openxmlformats.org/presentationml/2006/main" xmlns:c="http://schemas.openxmlformats.org/drawingml/2006/chart" xmlns:dgm="http://schemas.openxmlformats.org/drawingml/2006/diagram" xmlns:o="urn:schemas-microsoft-com:office:office" xmlns:v="urn:schemas-microsoft-com:vml" xmlns:pvml="urn:schemas-microsoft-com:office:powerpoint" xmlns:com="http://schemas.openxmlformats.org/drawingml/2006/compatibility" xmlns:p14="http://schemas.microsoft.com/office/powerpoint/2010/main" xmlns:p15="http://schemas.microsoft.com/office/powerpoint/2012/main" showMasterPhAnim="0" showMasterSp="0">
+<p:notes xmlns:a="http://schemas.openxmlformats.org/drawingml/2006/main" xmlns:r="http://schemas.openxmlformats.org/officeDocument/2006/relationships" xmlns:p="http://schemas.openxmlformats.org/presentationml/2006/main" showMasterPhAnim="0" showMasterSp="0">
   <p:cSld>
     <p:spTree>
       <p:nvGrpSpPr>
@@ -1120,7 +1110,7 @@
           <p:cNvPr id="83" name="Google Shape;83;g4845ab5fd4_0_64:notes"/>
           <p:cNvSpPr/>
           <p:nvPr>
-            <p:ph idx="2" type="sldImg"/>
+            <p:ph type="sldImg" idx="2"/>
           </p:nvPr>
         </p:nvSpPr>
         <p:spPr>
@@ -1129,9 +1119,13 @@
             <a:ext cx="6096000" cy="3429000"/>
           </a:xfrm>
           <a:custGeom>
-            <a:rect b="b" l="l" r="r" t="t"/>
+            <a:avLst/>
+            <a:gdLst/>
+            <a:ahLst/>
+            <a:cxnLst/>
+            <a:rect l="l" t="t" r="r" b="b"/>
             <a:pathLst>
-              <a:path extrusionOk="0" h="120000" w="120000">
+              <a:path w="120000" h="120000" extrusionOk="0">
                 <a:moveTo>
                   <a:pt x="0" y="0"/>
                 </a:moveTo>
@@ -1155,7 +1149,7 @@
           <p:cNvPr id="84" name="Google Shape;84;g4845ab5fd4_0_64:notes"/>
           <p:cNvSpPr txBox="1"/>
           <p:nvPr>
-            <p:ph idx="1" type="body"/>
+            <p:ph type="body" idx="1"/>
           </p:nvPr>
         </p:nvSpPr>
         <p:spPr>
@@ -1168,12 +1162,12 @@
           </a:prstGeom>
         </p:spPr>
         <p:txBody>
-          <a:bodyPr anchorCtr="0" anchor="t" bIns="91425" lIns="91425" spcFirstLastPara="1" rIns="91425" wrap="square" tIns="91425">
+          <a:bodyPr spcFirstLastPara="1" wrap="square" lIns="91425" tIns="91425" rIns="91425" bIns="91425" anchor="t" anchorCtr="0">
             <a:noAutofit/>
           </a:bodyPr>
           <a:lstStyle/>
           <a:p>
-            <a:pPr indent="0" lvl="0" marL="0" rtl="0" algn="l">
+            <a:pPr marL="0" lvl="0" indent="0" algn="l" rtl="0">
               <a:spcBef>
                 <a:spcPts val="0"/>
               </a:spcBef>
@@ -1182,10 +1176,6 @@
               </a:spcAft>
               <a:buNone/>
             </a:pPr>
-            <a:r>
-              <a:t/>
-            </a:r>
-            <a:endParaRPr/>
           </a:p>
         </p:txBody>
       </p:sp>
@@ -1198,7 +1188,7 @@
 </file>
 
 <file path=ppt/notesSlides/notesSlide5.xml><?xml version="1.0" encoding="utf-8"?>
-<p:notes xmlns:a="http://schemas.openxmlformats.org/drawingml/2006/main" xmlns:r="http://schemas.openxmlformats.org/officeDocument/2006/relationships" xmlns:mc="http://schemas.openxmlformats.org/markup-compatibility/2006" xmlns:mv="urn:schemas-microsoft-com:mac:vml" xmlns:p="http://schemas.openxmlformats.org/presentationml/2006/main" xmlns:c="http://schemas.openxmlformats.org/drawingml/2006/chart" xmlns:dgm="http://schemas.openxmlformats.org/drawingml/2006/diagram" xmlns:o="urn:schemas-microsoft-com:office:office" xmlns:v="urn:schemas-microsoft-com:vml" xmlns:pvml="urn:schemas-microsoft-com:office:powerpoint" xmlns:com="http://schemas.openxmlformats.org/drawingml/2006/compatibility" xmlns:p14="http://schemas.microsoft.com/office/powerpoint/2010/main" xmlns:p15="http://schemas.microsoft.com/office/powerpoint/2012/main" showMasterPhAnim="0" showMasterSp="0">
+<p:notes xmlns:a="http://schemas.openxmlformats.org/drawingml/2006/main" xmlns:r="http://schemas.openxmlformats.org/officeDocument/2006/relationships" xmlns:p="http://schemas.openxmlformats.org/presentationml/2006/main" showMasterPhAnim="0" showMasterSp="0">
   <p:cSld>
     <p:spTree>
       <p:nvGrpSpPr>
@@ -1219,7 +1209,7 @@
           <p:cNvPr id="89" name="Google Shape;89;g4845ab5fd4_0_83:notes"/>
           <p:cNvSpPr/>
           <p:nvPr>
-            <p:ph idx="2" type="sldImg"/>
+            <p:ph type="sldImg" idx="2"/>
           </p:nvPr>
         </p:nvSpPr>
         <p:spPr>
@@ -1228,9 +1218,13 @@
             <a:ext cx="6096000" cy="3429000"/>
           </a:xfrm>
           <a:custGeom>
-            <a:rect b="b" l="l" r="r" t="t"/>
+            <a:avLst/>
+            <a:gdLst/>
+            <a:ahLst/>
+            <a:cxnLst/>
+            <a:rect l="l" t="t" r="r" b="b"/>
             <a:pathLst>
-              <a:path extrusionOk="0" h="120000" w="120000">
+              <a:path w="120000" h="120000" extrusionOk="0">
                 <a:moveTo>
                   <a:pt x="0" y="0"/>
                 </a:moveTo>
@@ -1254,7 +1248,7 @@
           <p:cNvPr id="90" name="Google Shape;90;g4845ab5fd4_0_83:notes"/>
           <p:cNvSpPr txBox="1"/>
           <p:nvPr>
-            <p:ph idx="1" type="body"/>
+            <p:ph type="body" idx="1"/>
           </p:nvPr>
         </p:nvSpPr>
         <p:spPr>
@@ -1267,12 +1261,12 @@
           </a:prstGeom>
         </p:spPr>
         <p:txBody>
-          <a:bodyPr anchorCtr="0" anchor="t" bIns="91425" lIns="91425" spcFirstLastPara="1" rIns="91425" wrap="square" tIns="91425">
+          <a:bodyPr spcFirstLastPara="1" wrap="square" lIns="91425" tIns="91425" rIns="91425" bIns="91425" anchor="t" anchorCtr="0">
             <a:noAutofit/>
           </a:bodyPr>
           <a:lstStyle/>
           <a:p>
-            <a:pPr indent="0" lvl="0" marL="0" rtl="0" algn="l">
+            <a:pPr marL="0" lvl="0" indent="0" algn="l" rtl="0">
               <a:spcBef>
                 <a:spcPts val="0"/>
               </a:spcBef>
@@ -1281,10 +1275,6 @@
               </a:spcAft>
               <a:buNone/>
             </a:pPr>
-            <a:r>
-              <a:t/>
-            </a:r>
-            <a:endParaRPr/>
           </a:p>
         </p:txBody>
       </p:sp>
@@ -1297,7 +1287,7 @@
 </file>
 
 <file path=ppt/notesSlides/notesSlide6.xml><?xml version="1.0" encoding="utf-8"?>
-<p:notes xmlns:a="http://schemas.openxmlformats.org/drawingml/2006/main" xmlns:r="http://schemas.openxmlformats.org/officeDocument/2006/relationships" xmlns:mc="http://schemas.openxmlformats.org/markup-compatibility/2006" xmlns:mv="urn:schemas-microsoft-com:mac:vml" xmlns:p="http://schemas.openxmlformats.org/presentationml/2006/main" xmlns:c="http://schemas.openxmlformats.org/drawingml/2006/chart" xmlns:dgm="http://schemas.openxmlformats.org/drawingml/2006/diagram" xmlns:o="urn:schemas-microsoft-com:office:office" xmlns:v="urn:schemas-microsoft-com:vml" xmlns:pvml="urn:schemas-microsoft-com:office:powerpoint" xmlns:com="http://schemas.openxmlformats.org/drawingml/2006/compatibility" xmlns:p14="http://schemas.microsoft.com/office/powerpoint/2010/main" xmlns:p15="http://schemas.microsoft.com/office/powerpoint/2012/main" showMasterPhAnim="0" showMasterSp="0">
+<p:notes xmlns:a="http://schemas.openxmlformats.org/drawingml/2006/main" xmlns:r="http://schemas.openxmlformats.org/officeDocument/2006/relationships" xmlns:p="http://schemas.openxmlformats.org/presentationml/2006/main" showMasterPhAnim="0" showMasterSp="0">
   <p:cSld>
     <p:spTree>
       <p:nvGrpSpPr>
@@ -1318,7 +1308,7 @@
           <p:cNvPr id="95" name="Google Shape;95;g4845ab5fd4_0_91:notes"/>
           <p:cNvSpPr/>
           <p:nvPr>
-            <p:ph idx="2" type="sldImg"/>
+            <p:ph type="sldImg" idx="2"/>
           </p:nvPr>
         </p:nvSpPr>
         <p:spPr>
@@ -1327,9 +1317,13 @@
             <a:ext cx="6096000" cy="3429000"/>
           </a:xfrm>
           <a:custGeom>
-            <a:rect b="b" l="l" r="r" t="t"/>
+            <a:avLst/>
+            <a:gdLst/>
+            <a:ahLst/>
+            <a:cxnLst/>
+            <a:rect l="l" t="t" r="r" b="b"/>
             <a:pathLst>
-              <a:path extrusionOk="0" h="120000" w="120000">
+              <a:path w="120000" h="120000" extrusionOk="0">
                 <a:moveTo>
                   <a:pt x="0" y="0"/>
                 </a:moveTo>
@@ -1353,7 +1347,7 @@
           <p:cNvPr id="96" name="Google Shape;96;g4845ab5fd4_0_91:notes"/>
           <p:cNvSpPr txBox="1"/>
           <p:nvPr>
-            <p:ph idx="1" type="body"/>
+            <p:ph type="body" idx="1"/>
           </p:nvPr>
         </p:nvSpPr>
         <p:spPr>
@@ -1366,12 +1360,12 @@
           </a:prstGeom>
         </p:spPr>
         <p:txBody>
-          <a:bodyPr anchorCtr="0" anchor="t" bIns="91425" lIns="91425" spcFirstLastPara="1" rIns="91425" wrap="square" tIns="91425">
+          <a:bodyPr spcFirstLastPara="1" wrap="square" lIns="91425" tIns="91425" rIns="91425" bIns="91425" anchor="t" anchorCtr="0">
             <a:noAutofit/>
           </a:bodyPr>
           <a:lstStyle/>
           <a:p>
-            <a:pPr indent="0" lvl="0" marL="0" rtl="0" algn="l">
+            <a:pPr marL="0" lvl="0" indent="0" algn="l" rtl="0">
               <a:spcBef>
                 <a:spcPts val="0"/>
               </a:spcBef>
@@ -1380,10 +1374,6 @@
               </a:spcAft>
               <a:buNone/>
             </a:pPr>
-            <a:r>
-              <a:t/>
-            </a:r>
-            <a:endParaRPr/>
           </a:p>
         </p:txBody>
       </p:sp>
@@ -1396,7 +1386,7 @@
 </file>
 
 <file path=ppt/notesSlides/notesSlide7.xml><?xml version="1.0" encoding="utf-8"?>
-<p:notes xmlns:a="http://schemas.openxmlformats.org/drawingml/2006/main" xmlns:r="http://schemas.openxmlformats.org/officeDocument/2006/relationships" xmlns:mc="http://schemas.openxmlformats.org/markup-compatibility/2006" xmlns:mv="urn:schemas-microsoft-com:mac:vml" xmlns:p="http://schemas.openxmlformats.org/presentationml/2006/main" xmlns:c="http://schemas.openxmlformats.org/drawingml/2006/chart" xmlns:dgm="http://schemas.openxmlformats.org/drawingml/2006/diagram" xmlns:o="urn:schemas-microsoft-com:office:office" xmlns:v="urn:schemas-microsoft-com:vml" xmlns:pvml="urn:schemas-microsoft-com:office:powerpoint" xmlns:com="http://schemas.openxmlformats.org/drawingml/2006/compatibility" xmlns:p14="http://schemas.microsoft.com/office/powerpoint/2010/main" xmlns:p15="http://schemas.microsoft.com/office/powerpoint/2012/main" showMasterPhAnim="0" showMasterSp="0">
+<p:notes xmlns:a="http://schemas.openxmlformats.org/drawingml/2006/main" xmlns:r="http://schemas.openxmlformats.org/officeDocument/2006/relationships" xmlns:p="http://schemas.openxmlformats.org/presentationml/2006/main" showMasterPhAnim="0" showMasterSp="0">
   <p:cSld>
     <p:spTree>
       <p:nvGrpSpPr>
@@ -1417,7 +1407,7 @@
           <p:cNvPr id="102" name="Google Shape;102;g4845ab5fd4_0_97:notes"/>
           <p:cNvSpPr/>
           <p:nvPr>
-            <p:ph idx="2" type="sldImg"/>
+            <p:ph type="sldImg" idx="2"/>
           </p:nvPr>
         </p:nvSpPr>
         <p:spPr>
@@ -1426,9 +1416,13 @@
             <a:ext cx="6096000" cy="3429000"/>
           </a:xfrm>
           <a:custGeom>
-            <a:rect b="b" l="l" r="r" t="t"/>
+            <a:avLst/>
+            <a:gdLst/>
+            <a:ahLst/>
+            <a:cxnLst/>
+            <a:rect l="l" t="t" r="r" b="b"/>
             <a:pathLst>
-              <a:path extrusionOk="0" h="120000" w="120000">
+              <a:path w="120000" h="120000" extrusionOk="0">
                 <a:moveTo>
                   <a:pt x="0" y="0"/>
                 </a:moveTo>
@@ -1452,7 +1446,7 @@
           <p:cNvPr id="103" name="Google Shape;103;g4845ab5fd4_0_97:notes"/>
           <p:cNvSpPr txBox="1"/>
           <p:nvPr>
-            <p:ph idx="1" type="body"/>
+            <p:ph type="body" idx="1"/>
           </p:nvPr>
         </p:nvSpPr>
         <p:spPr>
@@ -1465,12 +1459,12 @@
           </a:prstGeom>
         </p:spPr>
         <p:txBody>
-          <a:bodyPr anchorCtr="0" anchor="t" bIns="91425" lIns="91425" spcFirstLastPara="1" rIns="91425" wrap="square" tIns="91425">
+          <a:bodyPr spcFirstLastPara="1" wrap="square" lIns="91425" tIns="91425" rIns="91425" bIns="91425" anchor="t" anchorCtr="0">
             <a:noAutofit/>
           </a:bodyPr>
           <a:lstStyle/>
           <a:p>
-            <a:pPr indent="0" lvl="0" marL="0" rtl="0" algn="l">
+            <a:pPr marL="0" lvl="0" indent="0" algn="l" rtl="0">
               <a:spcBef>
                 <a:spcPts val="0"/>
               </a:spcBef>
@@ -1479,10 +1473,6 @@
               </a:spcAft>
               <a:buNone/>
             </a:pPr>
-            <a:r>
-              <a:t/>
-            </a:r>
-            <a:endParaRPr/>
           </a:p>
         </p:txBody>
       </p:sp>
@@ -1495,7 +1485,7 @@
 </file>
 
 <file path=ppt/notesSlides/notesSlide8.xml><?xml version="1.0" encoding="utf-8"?>
-<p:notes xmlns:a="http://schemas.openxmlformats.org/drawingml/2006/main" xmlns:r="http://schemas.openxmlformats.org/officeDocument/2006/relationships" xmlns:mc="http://schemas.openxmlformats.org/markup-compatibility/2006" xmlns:mv="urn:schemas-microsoft-com:mac:vml" xmlns:p="http://schemas.openxmlformats.org/presentationml/2006/main" xmlns:c="http://schemas.openxmlformats.org/drawingml/2006/chart" xmlns:dgm="http://schemas.openxmlformats.org/drawingml/2006/diagram" xmlns:o="urn:schemas-microsoft-com:office:office" xmlns:v="urn:schemas-microsoft-com:vml" xmlns:pvml="urn:schemas-microsoft-com:office:powerpoint" xmlns:com="http://schemas.openxmlformats.org/drawingml/2006/compatibility" xmlns:p14="http://schemas.microsoft.com/office/powerpoint/2010/main" xmlns:p15="http://schemas.microsoft.com/office/powerpoint/2012/main" showMasterPhAnim="0" showMasterSp="0">
+<p:notes xmlns:a="http://schemas.openxmlformats.org/drawingml/2006/main" xmlns:r="http://schemas.openxmlformats.org/officeDocument/2006/relationships" xmlns:p="http://schemas.openxmlformats.org/presentationml/2006/main" showMasterPhAnim="0" showMasterSp="0">
   <p:cSld>
     <p:spTree>
       <p:nvGrpSpPr>
@@ -1516,7 +1506,7 @@
           <p:cNvPr id="110" name="Google Shape;110;g4845ab5fd4_0_104:notes"/>
           <p:cNvSpPr/>
           <p:nvPr>
-            <p:ph idx="2" type="sldImg"/>
+            <p:ph type="sldImg" idx="2"/>
           </p:nvPr>
         </p:nvSpPr>
         <p:spPr>
@@ -1525,9 +1515,13 @@
             <a:ext cx="6096000" cy="3429000"/>
           </a:xfrm>
           <a:custGeom>
-            <a:rect b="b" l="l" r="r" t="t"/>
+            <a:avLst/>
+            <a:gdLst/>
+            <a:ahLst/>
+            <a:cxnLst/>
+            <a:rect l="l" t="t" r="r" b="b"/>
             <a:pathLst>
-              <a:path extrusionOk="0" h="120000" w="120000">
+              <a:path w="120000" h="120000" extrusionOk="0">
                 <a:moveTo>
                   <a:pt x="0" y="0"/>
                 </a:moveTo>
@@ -1551,7 +1545,7 @@
           <p:cNvPr id="111" name="Google Shape;111;g4845ab5fd4_0_104:notes"/>
           <p:cNvSpPr txBox="1"/>
           <p:nvPr>
-            <p:ph idx="1" type="body"/>
+            <p:ph type="body" idx="1"/>
           </p:nvPr>
         </p:nvSpPr>
         <p:spPr>
@@ -1564,12 +1558,12 @@
           </a:prstGeom>
         </p:spPr>
         <p:txBody>
-          <a:bodyPr anchorCtr="0" anchor="t" bIns="91425" lIns="91425" spcFirstLastPara="1" rIns="91425" wrap="square" tIns="91425">
+          <a:bodyPr spcFirstLastPara="1" wrap="square" lIns="91425" tIns="91425" rIns="91425" bIns="91425" anchor="t" anchorCtr="0">
             <a:noAutofit/>
           </a:bodyPr>
           <a:lstStyle/>
           <a:p>
-            <a:pPr indent="0" lvl="0" marL="0" rtl="0" algn="l">
+            <a:pPr marL="0" lvl="0" indent="0" algn="l" rtl="0">
               <a:spcBef>
                 <a:spcPts val="0"/>
               </a:spcBef>
@@ -1578,10 +1572,6 @@
               </a:spcAft>
               <a:buNone/>
             </a:pPr>
-            <a:r>
-              <a:t/>
-            </a:r>
-            <a:endParaRPr/>
           </a:p>
         </p:txBody>
       </p:sp>
@@ -1594,7 +1584,7 @@
 </file>
 
 <file path=ppt/notesSlides/notesSlide9.xml><?xml version="1.0" encoding="utf-8"?>
-<p:notes xmlns:a="http://schemas.openxmlformats.org/drawingml/2006/main" xmlns:r="http://schemas.openxmlformats.org/officeDocument/2006/relationships" xmlns:mc="http://schemas.openxmlformats.org/markup-compatibility/2006" xmlns:mv="urn:schemas-microsoft-com:mac:vml" xmlns:p="http://schemas.openxmlformats.org/presentationml/2006/main" xmlns:c="http://schemas.openxmlformats.org/drawingml/2006/chart" xmlns:dgm="http://schemas.openxmlformats.org/drawingml/2006/diagram" xmlns:o="urn:schemas-microsoft-com:office:office" xmlns:v="urn:schemas-microsoft-com:vml" xmlns:pvml="urn:schemas-microsoft-com:office:powerpoint" xmlns:com="http://schemas.openxmlformats.org/drawingml/2006/compatibility" xmlns:p14="http://schemas.microsoft.com/office/powerpoint/2010/main" xmlns:p15="http://schemas.microsoft.com/office/powerpoint/2012/main" showMasterPhAnim="0" showMasterSp="0">
+<p:notes xmlns:a="http://schemas.openxmlformats.org/drawingml/2006/main" xmlns:r="http://schemas.openxmlformats.org/officeDocument/2006/relationships" xmlns:p="http://schemas.openxmlformats.org/presentationml/2006/main" showMasterPhAnim="0" showMasterSp="0">
   <p:cSld>
     <p:spTree>
       <p:nvGrpSpPr>
@@ -1615,7 +1605,7 @@
           <p:cNvPr id="117" name="Google Shape;117;g4845ab5fd4_0_110:notes"/>
           <p:cNvSpPr/>
           <p:nvPr>
-            <p:ph idx="2" type="sldImg"/>
+            <p:ph type="sldImg" idx="2"/>
           </p:nvPr>
         </p:nvSpPr>
         <p:spPr>
@@ -1624,9 +1614,13 @@
             <a:ext cx="6096000" cy="3429000"/>
           </a:xfrm>
           <a:custGeom>
-            <a:rect b="b" l="l" r="r" t="t"/>
+            <a:avLst/>
+            <a:gdLst/>
+            <a:ahLst/>
+            <a:cxnLst/>
+            <a:rect l="l" t="t" r="r" b="b"/>
             <a:pathLst>
-              <a:path extrusionOk="0" h="120000" w="120000">
+              <a:path w="120000" h="120000" extrusionOk="0">
                 <a:moveTo>
                   <a:pt x="0" y="0"/>
                 </a:moveTo>
@@ -1650,7 +1644,7 @@
           <p:cNvPr id="118" name="Google Shape;118;g4845ab5fd4_0_110:notes"/>
           <p:cNvSpPr txBox="1"/>
           <p:nvPr>
-            <p:ph idx="1" type="body"/>
+            <p:ph type="body" idx="1"/>
           </p:nvPr>
         </p:nvSpPr>
         <p:spPr>
@@ -1663,12 +1657,12 @@
           </a:prstGeom>
         </p:spPr>
         <p:txBody>
-          <a:bodyPr anchorCtr="0" anchor="t" bIns="91425" lIns="91425" spcFirstLastPara="1" rIns="91425" wrap="square" tIns="91425">
+          <a:bodyPr spcFirstLastPara="1" wrap="square" lIns="91425" tIns="91425" rIns="91425" bIns="91425" anchor="t" anchorCtr="0">
             <a:noAutofit/>
           </a:bodyPr>
           <a:lstStyle/>
           <a:p>
-            <a:pPr indent="0" lvl="0" marL="0" rtl="0" algn="l">
+            <a:pPr marL="0" lvl="0" indent="0" algn="l" rtl="0">
               <a:spcBef>
                 <a:spcPts val="0"/>
               </a:spcBef>
@@ -1677,10 +1671,6 @@
               </a:spcAft>
               <a:buNone/>
             </a:pPr>
-            <a:r>
-              <a:t/>
-            </a:r>
-            <a:endParaRPr/>
           </a:p>
         </p:txBody>
       </p:sp>
@@ -1693,7 +1683,7 @@
 </file>
 
 <file path=ppt/slideLayouts/slideLayout1.xml><?xml version="1.0" encoding="utf-8"?>
-<p:sldLayout xmlns:a="http://schemas.openxmlformats.org/drawingml/2006/main" xmlns:r="http://schemas.openxmlformats.org/officeDocument/2006/relationships" xmlns:mc="http://schemas.openxmlformats.org/markup-compatibility/2006" xmlns:mv="urn:schemas-microsoft-com:mac:vml" xmlns:p="http://schemas.openxmlformats.org/presentationml/2006/main" xmlns:c="http://schemas.openxmlformats.org/drawingml/2006/chart" xmlns:dgm="http://schemas.openxmlformats.org/drawingml/2006/diagram" xmlns:o="urn:schemas-microsoft-com:office:office" xmlns:v="urn:schemas-microsoft-com:vml" xmlns:pvml="urn:schemas-microsoft-com:office:powerpoint" xmlns:com="http://schemas.openxmlformats.org/drawingml/2006/compatibility" xmlns:p14="http://schemas.microsoft.com/office/powerpoint/2010/main" xmlns:p15="http://schemas.microsoft.com/office/powerpoint/2012/main" matchingName="Title slide" type="title">
+<p:sldLayout xmlns:a="http://schemas.openxmlformats.org/drawingml/2006/main" xmlns:r="http://schemas.openxmlformats.org/officeDocument/2006/relationships" xmlns:p="http://schemas.openxmlformats.org/presentationml/2006/main" type="title" matchingName="Title slide">
   <p:cSld name="TITLE">
     <p:spTree>
       <p:nvGrpSpPr>
@@ -1731,12 +1721,12 @@
           </a:ln>
         </p:spPr>
         <p:txBody>
-          <a:bodyPr anchorCtr="0" anchor="ctr" bIns="91425" lIns="91425" spcFirstLastPara="1" rIns="91425" wrap="square" tIns="91425">
+          <a:bodyPr spcFirstLastPara="1" wrap="square" lIns="91425" tIns="91425" rIns="91425" bIns="91425" anchor="ctr" anchorCtr="0">
             <a:noAutofit/>
           </a:bodyPr>
           <a:lstStyle/>
           <a:p>
-            <a:pPr indent="0" lvl="0" marL="0" rtl="0" algn="l">
+            <a:pPr marL="0" lvl="0" indent="0" algn="l" rtl="0">
               <a:spcBef>
                 <a:spcPts val="0"/>
               </a:spcBef>
@@ -1745,10 +1735,6 @@
               </a:spcAft>
               <a:buNone/>
             </a:pPr>
-            <a:r>
-              <a:t/>
-            </a:r>
-            <a:endParaRPr/>
           </a:p>
         </p:txBody>
       </p:sp>
@@ -1765,7 +1751,7 @@
           </a:xfrm>
           <a:prstGeom prst="round1Rect">
             <a:avLst>
-              <a:gd fmla="val 16667" name="adj"/>
+              <a:gd name="adj" fmla="val 16667"/>
             </a:avLst>
           </a:prstGeom>
           <a:solidFill>
@@ -1778,12 +1764,12 @@
           </a:ln>
         </p:spPr>
         <p:txBody>
-          <a:bodyPr anchorCtr="0" anchor="ctr" bIns="91425" lIns="91425" spcFirstLastPara="1" rIns="91425" wrap="square" tIns="91425">
+          <a:bodyPr spcFirstLastPara="1" wrap="square" lIns="91425" tIns="91425" rIns="91425" bIns="91425" anchor="ctr" anchorCtr="0">
             <a:noAutofit/>
           </a:bodyPr>
           <a:lstStyle/>
           <a:p>
-            <a:pPr indent="0" lvl="0" marL="0" rtl="0" algn="l">
+            <a:pPr marL="0" lvl="0" indent="0" algn="l" rtl="0">
               <a:spcBef>
                 <a:spcPts val="0"/>
               </a:spcBef>
@@ -1792,10 +1778,6 @@
               </a:spcAft>
               <a:buNone/>
             </a:pPr>
-            <a:r>
-              <a:t/>
-            </a:r>
-            <a:endParaRPr/>
           </a:p>
         </p:txBody>
       </p:sp>
@@ -1817,7 +1799,7 @@
           </a:prstGeom>
         </p:spPr>
         <p:txBody>
-          <a:bodyPr anchorCtr="0" anchor="b" bIns="91425" lIns="91425" spcFirstLastPara="1" rIns="91425" wrap="square" tIns="91425"/>
+          <a:bodyPr spcFirstLastPara="1" wrap="square" lIns="91425" tIns="91425" rIns="91425" bIns="91425" anchor="b" anchorCtr="0"/>
           <a:lstStyle>
             <a:lvl1pPr lvl="0">
               <a:spcBef>
@@ -1927,7 +1909,7 @@
           <p:cNvPr id="13" name="Google Shape;13;p2"/>
           <p:cNvSpPr txBox="1"/>
           <p:nvPr>
-            <p:ph idx="1" type="subTitle"/>
+            <p:ph type="subTitle" idx="1"/>
           </p:nvPr>
         </p:nvSpPr>
         <p:spPr>
@@ -1940,7 +1922,7 @@
           </a:prstGeom>
         </p:spPr>
         <p:txBody>
-          <a:bodyPr anchorCtr="0" anchor="t" bIns="91425" lIns="91425" spcFirstLastPara="1" rIns="91425" wrap="square" tIns="91425"/>
+          <a:bodyPr spcFirstLastPara="1" wrap="square" lIns="91425" tIns="91425" rIns="91425" bIns="91425" anchor="t" anchorCtr="0"/>
           <a:lstStyle>
             <a:lvl1pPr lvl="0">
               <a:lnSpc>
@@ -2140,7 +2122,7 @@
           <p:cNvPr id="14" name="Google Shape;14;p2"/>
           <p:cNvSpPr txBox="1"/>
           <p:nvPr>
-            <p:ph idx="12" type="sldNum"/>
+            <p:ph type="sldNum" idx="12"/>
           </p:nvPr>
         </p:nvSpPr>
         <p:spPr>
@@ -2153,7 +2135,7 @@
           </a:prstGeom>
         </p:spPr>
         <p:txBody>
-          <a:bodyPr anchorCtr="0" anchor="ctr" bIns="91425" lIns="91425" spcFirstLastPara="1" rIns="91425" wrap="square" tIns="91425">
+          <a:bodyPr spcFirstLastPara="1" wrap="square" lIns="91425" tIns="91425" rIns="91425" bIns="91425" anchor="ctr" anchorCtr="0">
             <a:noAutofit/>
           </a:bodyPr>
           <a:lstStyle>
@@ -2195,7 +2177,7 @@
             </a:lvl9pPr>
           </a:lstStyle>
           <a:p>
-            <a:pPr indent="0" lvl="0" marL="0" rtl="0" algn="r">
+            <a:pPr marL="0" lvl="0" indent="0" algn="r" rtl="0">
               <a:spcBef>
                 <a:spcPts val="0"/>
               </a:spcBef>
@@ -2205,10 +2187,9 @@
               <a:buNone/>
             </a:pPr>
             <a:fld id="{00000000-1234-1234-1234-123412341234}" type="slidenum">
-              <a:rPr lang="en"/>
-              <a:t>‹#›</a:t>
+              <a:rPr lang="en-GB"/>
             </a:fld>
-            <a:endParaRPr/>
+            <a:endParaRPr lang="en-GB"/>
           </a:p>
         </p:txBody>
       </p:sp>
@@ -2221,13 +2202,14 @@
 </file>
 
 <file path=ppt/slideLayouts/slideLayout10.xml><?xml version="1.0" encoding="utf-8"?>
-<p:sldLayout xmlns:a="http://schemas.openxmlformats.org/drawingml/2006/main" xmlns:r="http://schemas.openxmlformats.org/officeDocument/2006/relationships" xmlns:mc="http://schemas.openxmlformats.org/markup-compatibility/2006" xmlns:mv="urn:schemas-microsoft-com:mac:vml" xmlns:p="http://schemas.openxmlformats.org/presentationml/2006/main" xmlns:c="http://schemas.openxmlformats.org/drawingml/2006/chart" xmlns:dgm="http://schemas.openxmlformats.org/drawingml/2006/diagram" xmlns:o="urn:schemas-microsoft-com:office:office" xmlns:v="urn:schemas-microsoft-com:vml" xmlns:pvml="urn:schemas-microsoft-com:office:powerpoint" xmlns:com="http://schemas.openxmlformats.org/drawingml/2006/compatibility" xmlns:p14="http://schemas.microsoft.com/office/powerpoint/2010/main" xmlns:p15="http://schemas.microsoft.com/office/powerpoint/2012/main" matchingName="Big number">
+<p:sldLayout xmlns:a="http://schemas.openxmlformats.org/drawingml/2006/main" xmlns:r="http://schemas.openxmlformats.org/officeDocument/2006/relationships" xmlns:p="http://schemas.openxmlformats.org/presentationml/2006/main" matchingName="Big number">
   <p:cSld name="BIG_NUMBER">
     <p:bg>
       <p:bgPr>
         <a:solidFill>
           <a:schemeClr val="accent4"/>
         </a:solidFill>
+        <a:effectLst/>
       </p:bgPr>
     </p:bg>
     <p:spTree>
@@ -2249,7 +2231,7 @@
           <p:cNvPr id="58" name="Google Shape;58;p11"/>
           <p:cNvSpPr txBox="1"/>
           <p:nvPr>
-            <p:ph hasCustomPrompt="1" type="title"/>
+            <p:ph type="title" hasCustomPrompt="1"/>
           </p:nvPr>
         </p:nvSpPr>
         <p:spPr>
@@ -2262,7 +2244,7 @@
           </a:prstGeom>
         </p:spPr>
         <p:txBody>
-          <a:bodyPr anchorCtr="0" anchor="b" bIns="91425" lIns="91425" spcFirstLastPara="1" rIns="91425" wrap="square" tIns="91425"/>
+          <a:bodyPr spcFirstLastPara="1" wrap="square" lIns="91425" tIns="91425" rIns="91425" bIns="91425" anchor="b" anchorCtr="0"/>
           <a:lstStyle>
             <a:lvl1pPr lvl="0" algn="ctr">
               <a:spcBef>
@@ -2439,7 +2421,7 @@
           <p:cNvPr id="59" name="Google Shape;59;p11"/>
           <p:cNvSpPr txBox="1"/>
           <p:nvPr>
-            <p:ph idx="1" type="body"/>
+            <p:ph type="body" idx="1"/>
           </p:nvPr>
         </p:nvSpPr>
         <p:spPr>
@@ -2452,9 +2434,9 @@
           </a:prstGeom>
         </p:spPr>
         <p:txBody>
-          <a:bodyPr anchorCtr="0" anchor="t" bIns="91425" lIns="91425" spcFirstLastPara="1" rIns="91425" wrap="square" tIns="91425"/>
+          <a:bodyPr spcFirstLastPara="1" wrap="square" lIns="91425" tIns="91425" rIns="91425" bIns="91425" anchor="t" anchorCtr="0"/>
           <a:lstStyle>
-            <a:lvl1pPr indent="-342900" lvl="0" marL="457200" algn="ctr">
+            <a:lvl1pPr marL="457200" lvl="0" indent="-342900" algn="ctr">
               <a:spcBef>
                 <a:spcPts val="0"/>
               </a:spcBef>
@@ -2465,7 +2447,7 @@
               <a:buChar char="●"/>
               <a:defRPr/>
             </a:lvl1pPr>
-            <a:lvl2pPr indent="-317500" lvl="1" marL="914400" algn="ctr">
+            <a:lvl2pPr marL="914400" lvl="1" indent="-317500" algn="ctr">
               <a:spcBef>
                 <a:spcPts val="1600"/>
               </a:spcBef>
@@ -2476,7 +2458,7 @@
               <a:buChar char="○"/>
               <a:defRPr/>
             </a:lvl2pPr>
-            <a:lvl3pPr indent="-317500" lvl="2" marL="1371600" algn="ctr">
+            <a:lvl3pPr marL="1371600" lvl="2" indent="-317500" algn="ctr">
               <a:spcBef>
                 <a:spcPts val="1600"/>
               </a:spcBef>
@@ -2487,7 +2469,7 @@
               <a:buChar char="■"/>
               <a:defRPr/>
             </a:lvl3pPr>
-            <a:lvl4pPr indent="-317500" lvl="3" marL="1828800" algn="ctr">
+            <a:lvl4pPr marL="1828800" lvl="3" indent="-317500" algn="ctr">
               <a:spcBef>
                 <a:spcPts val="1600"/>
               </a:spcBef>
@@ -2498,7 +2480,7 @@
               <a:buChar char="●"/>
               <a:defRPr/>
             </a:lvl4pPr>
-            <a:lvl5pPr indent="-317500" lvl="4" marL="2286000" algn="ctr">
+            <a:lvl5pPr marL="2286000" lvl="4" indent="-317500" algn="ctr">
               <a:spcBef>
                 <a:spcPts val="1600"/>
               </a:spcBef>
@@ -2509,7 +2491,7 @@
               <a:buChar char="○"/>
               <a:defRPr/>
             </a:lvl5pPr>
-            <a:lvl6pPr indent="-317500" lvl="5" marL="2743200" algn="ctr">
+            <a:lvl6pPr marL="2743200" lvl="5" indent="-317500" algn="ctr">
               <a:spcBef>
                 <a:spcPts val="1600"/>
               </a:spcBef>
@@ -2520,7 +2502,7 @@
               <a:buChar char="■"/>
               <a:defRPr/>
             </a:lvl6pPr>
-            <a:lvl7pPr indent="-317500" lvl="6" marL="3200400" algn="ctr">
+            <a:lvl7pPr marL="3200400" lvl="6" indent="-317500" algn="ctr">
               <a:spcBef>
                 <a:spcPts val="1600"/>
               </a:spcBef>
@@ -2531,7 +2513,7 @@
               <a:buChar char="●"/>
               <a:defRPr/>
             </a:lvl7pPr>
-            <a:lvl8pPr indent="-317500" lvl="7" marL="3657600" algn="ctr">
+            <a:lvl8pPr marL="3657600" lvl="7" indent="-317500" algn="ctr">
               <a:spcBef>
                 <a:spcPts val="1600"/>
               </a:spcBef>
@@ -2542,7 +2524,7 @@
               <a:buChar char="○"/>
               <a:defRPr/>
             </a:lvl8pPr>
-            <a:lvl9pPr indent="-317500" lvl="8" marL="4114800" algn="ctr">
+            <a:lvl9pPr marL="4114800" lvl="8" indent="-317500" algn="ctr">
               <a:spcBef>
                 <a:spcPts val="1600"/>
               </a:spcBef>
@@ -2562,7 +2544,7 @@
           <p:cNvPr id="60" name="Google Shape;60;p11"/>
           <p:cNvSpPr txBox="1"/>
           <p:nvPr>
-            <p:ph idx="12" type="sldNum"/>
+            <p:ph type="sldNum" idx="12"/>
           </p:nvPr>
         </p:nvSpPr>
         <p:spPr>
@@ -2575,7 +2557,7 @@
           </a:prstGeom>
         </p:spPr>
         <p:txBody>
-          <a:bodyPr anchorCtr="0" anchor="ctr" bIns="91425" lIns="91425" spcFirstLastPara="1" rIns="91425" wrap="square" tIns="91425">
+          <a:bodyPr spcFirstLastPara="1" wrap="square" lIns="91425" tIns="91425" rIns="91425" bIns="91425" anchor="ctr" anchorCtr="0">
             <a:noAutofit/>
           </a:bodyPr>
           <a:lstStyle>
@@ -2617,7 +2599,7 @@
             </a:lvl9pPr>
           </a:lstStyle>
           <a:p>
-            <a:pPr indent="0" lvl="0" marL="0" rtl="0" algn="r">
+            <a:pPr marL="0" lvl="0" indent="0" algn="r" rtl="0">
               <a:spcBef>
                 <a:spcPts val="0"/>
               </a:spcBef>
@@ -2627,10 +2609,9 @@
               <a:buNone/>
             </a:pPr>
             <a:fld id="{00000000-1234-1234-1234-123412341234}" type="slidenum">
-              <a:rPr lang="en"/>
-              <a:t>‹#›</a:t>
+              <a:rPr lang="en-GB"/>
             </a:fld>
-            <a:endParaRPr/>
+            <a:endParaRPr lang="en-GB"/>
           </a:p>
         </p:txBody>
       </p:sp>
@@ -2643,13 +2624,14 @@
 </file>
 
 <file path=ppt/slideLayouts/slideLayout11.xml><?xml version="1.0" encoding="utf-8"?>
-<p:sldLayout xmlns:a="http://schemas.openxmlformats.org/drawingml/2006/main" xmlns:r="http://schemas.openxmlformats.org/officeDocument/2006/relationships" xmlns:mc="http://schemas.openxmlformats.org/markup-compatibility/2006" xmlns:mv="urn:schemas-microsoft-com:mac:vml" xmlns:p="http://schemas.openxmlformats.org/presentationml/2006/main" xmlns:c="http://schemas.openxmlformats.org/drawingml/2006/chart" xmlns:dgm="http://schemas.openxmlformats.org/drawingml/2006/diagram" xmlns:o="urn:schemas-microsoft-com:office:office" xmlns:v="urn:schemas-microsoft-com:vml" xmlns:pvml="urn:schemas-microsoft-com:office:powerpoint" xmlns:com="http://schemas.openxmlformats.org/drawingml/2006/compatibility" xmlns:p14="http://schemas.microsoft.com/office/powerpoint/2010/main" xmlns:p15="http://schemas.microsoft.com/office/powerpoint/2012/main" matchingName="Blank" type="blank">
+<p:sldLayout xmlns:a="http://schemas.openxmlformats.org/drawingml/2006/main" xmlns:r="http://schemas.openxmlformats.org/officeDocument/2006/relationships" xmlns:p="http://schemas.openxmlformats.org/presentationml/2006/main" type="blank" matchingName="Blank">
   <p:cSld name="BLANK">
     <p:bg>
       <p:bgPr>
         <a:solidFill>
           <a:schemeClr val="accent4"/>
         </a:solidFill>
+        <a:effectLst/>
       </p:bgPr>
     </p:bg>
     <p:spTree>
@@ -2671,7 +2653,7 @@
           <p:cNvPr id="62" name="Google Shape;62;p12"/>
           <p:cNvSpPr txBox="1"/>
           <p:nvPr>
-            <p:ph idx="12" type="sldNum"/>
+            <p:ph type="sldNum" idx="12"/>
           </p:nvPr>
         </p:nvSpPr>
         <p:spPr>
@@ -2684,7 +2666,7 @@
           </a:prstGeom>
         </p:spPr>
         <p:txBody>
-          <a:bodyPr anchorCtr="0" anchor="ctr" bIns="91425" lIns="91425" spcFirstLastPara="1" rIns="91425" wrap="square" tIns="91425">
+          <a:bodyPr spcFirstLastPara="1" wrap="square" lIns="91425" tIns="91425" rIns="91425" bIns="91425" anchor="ctr" anchorCtr="0">
             <a:noAutofit/>
           </a:bodyPr>
           <a:lstStyle>
@@ -2726,7 +2708,7 @@
             </a:lvl9pPr>
           </a:lstStyle>
           <a:p>
-            <a:pPr indent="0" lvl="0" marL="0" rtl="0" algn="r">
+            <a:pPr marL="0" lvl="0" indent="0" algn="r" rtl="0">
               <a:spcBef>
                 <a:spcPts val="0"/>
               </a:spcBef>
@@ -2736,10 +2718,9 @@
               <a:buNone/>
             </a:pPr>
             <a:fld id="{00000000-1234-1234-1234-123412341234}" type="slidenum">
-              <a:rPr lang="en"/>
-              <a:t>‹#›</a:t>
+              <a:rPr lang="en-GB"/>
             </a:fld>
-            <a:endParaRPr/>
+            <a:endParaRPr lang="en-GB"/>
           </a:p>
         </p:txBody>
       </p:sp>
@@ -2752,7 +2733,7 @@
 </file>
 
 <file path=ppt/slideLayouts/slideLayout2.xml><?xml version="1.0" encoding="utf-8"?>
-<p:sldLayout xmlns:a="http://schemas.openxmlformats.org/drawingml/2006/main" xmlns:r="http://schemas.openxmlformats.org/officeDocument/2006/relationships" xmlns:mc="http://schemas.openxmlformats.org/markup-compatibility/2006" xmlns:mv="urn:schemas-microsoft-com:mac:vml" xmlns:p="http://schemas.openxmlformats.org/presentationml/2006/main" xmlns:c="http://schemas.openxmlformats.org/drawingml/2006/chart" xmlns:dgm="http://schemas.openxmlformats.org/drawingml/2006/diagram" xmlns:o="urn:schemas-microsoft-com:office:office" xmlns:v="urn:schemas-microsoft-com:vml" xmlns:pvml="urn:schemas-microsoft-com:office:powerpoint" xmlns:com="http://schemas.openxmlformats.org/drawingml/2006/compatibility" xmlns:p14="http://schemas.microsoft.com/office/powerpoint/2010/main" xmlns:p15="http://schemas.microsoft.com/office/powerpoint/2012/main" matchingName="Section header" type="secHead">
+<p:sldLayout xmlns:a="http://schemas.openxmlformats.org/drawingml/2006/main" xmlns:r="http://schemas.openxmlformats.org/officeDocument/2006/relationships" xmlns:p="http://schemas.openxmlformats.org/presentationml/2006/main" type="secHead" matchingName="Section header">
   <p:cSld name="SECTION_HEADER">
     <p:spTree>
       <p:nvGrpSpPr>
@@ -2786,7 +2767,7 @@
           </a:prstGeom>
         </p:spPr>
         <p:txBody>
-          <a:bodyPr anchorCtr="0" anchor="ctr" bIns="91425" lIns="91425" spcFirstLastPara="1" rIns="91425" wrap="square" tIns="91425"/>
+          <a:bodyPr spcFirstLastPara="1" wrap="square" lIns="91425" tIns="91425" rIns="91425" bIns="91425" anchor="ctr" anchorCtr="0"/>
           <a:lstStyle>
             <a:lvl1pPr lvl="0">
               <a:spcBef>
@@ -2896,7 +2877,7 @@
           <p:cNvPr id="17" name="Google Shape;17;p3"/>
           <p:cNvSpPr txBox="1"/>
           <p:nvPr>
-            <p:ph idx="12" type="sldNum"/>
+            <p:ph type="sldNum" idx="12"/>
           </p:nvPr>
         </p:nvSpPr>
         <p:spPr>
@@ -2909,7 +2890,7 @@
           </a:prstGeom>
         </p:spPr>
         <p:txBody>
-          <a:bodyPr anchorCtr="0" anchor="ctr" bIns="91425" lIns="91425" spcFirstLastPara="1" rIns="91425" wrap="square" tIns="91425">
+          <a:bodyPr spcFirstLastPara="1" wrap="square" lIns="91425" tIns="91425" rIns="91425" bIns="91425" anchor="ctr" anchorCtr="0">
             <a:noAutofit/>
           </a:bodyPr>
           <a:lstStyle>
@@ -2987,7 +2968,7 @@
             </a:lvl9pPr>
           </a:lstStyle>
           <a:p>
-            <a:pPr indent="0" lvl="0" marL="0" rtl="0" algn="r">
+            <a:pPr marL="0" lvl="0" indent="0" algn="r" rtl="0">
               <a:spcBef>
                 <a:spcPts val="0"/>
               </a:spcBef>
@@ -2997,10 +2978,9 @@
               <a:buNone/>
             </a:pPr>
             <a:fld id="{00000000-1234-1234-1234-123412341234}" type="slidenum">
-              <a:rPr lang="en"/>
-              <a:t>‹#›</a:t>
+              <a:rPr lang="en-GB"/>
             </a:fld>
-            <a:endParaRPr/>
+            <a:endParaRPr lang="en-GB"/>
           </a:p>
         </p:txBody>
       </p:sp>
@@ -3013,7 +2993,7 @@
 </file>
 
 <file path=ppt/slideLayouts/slideLayout3.xml><?xml version="1.0" encoding="utf-8"?>
-<p:sldLayout xmlns:a="http://schemas.openxmlformats.org/drawingml/2006/main" xmlns:r="http://schemas.openxmlformats.org/officeDocument/2006/relationships" xmlns:mc="http://schemas.openxmlformats.org/markup-compatibility/2006" xmlns:mv="urn:schemas-microsoft-com:mac:vml" xmlns:p="http://schemas.openxmlformats.org/presentationml/2006/main" xmlns:c="http://schemas.openxmlformats.org/drawingml/2006/chart" xmlns:dgm="http://schemas.openxmlformats.org/drawingml/2006/diagram" xmlns:o="urn:schemas-microsoft-com:office:office" xmlns:v="urn:schemas-microsoft-com:vml" xmlns:pvml="urn:schemas-microsoft-com:office:powerpoint" xmlns:com="http://schemas.openxmlformats.org/drawingml/2006/compatibility" xmlns:p14="http://schemas.microsoft.com/office/powerpoint/2010/main" xmlns:p15="http://schemas.microsoft.com/office/powerpoint/2012/main" matchingName="Title and body" type="tx">
+<p:sldLayout xmlns:a="http://schemas.openxmlformats.org/drawingml/2006/main" xmlns:r="http://schemas.openxmlformats.org/officeDocument/2006/relationships" xmlns:p="http://schemas.openxmlformats.org/presentationml/2006/main" type="tx" matchingName="Title and body">
   <p:cSld name="TITLE_AND_BODY">
     <p:spTree>
       <p:nvGrpSpPr>
@@ -3036,7 +3016,7 @@
           <p:nvPr/>
         </p:nvSpPr>
         <p:spPr>
-          <a:xfrm flipH="1" rot="10800000">
+          <a:xfrm rot="10800000" flipH="1">
             <a:off x="0" y="1686000"/>
             <a:ext cx="9144000" cy="3457500"/>
           </a:xfrm>
@@ -3051,12 +3031,12 @@
           </a:ln>
         </p:spPr>
         <p:txBody>
-          <a:bodyPr anchorCtr="0" anchor="ctr" bIns="91425" lIns="91425" spcFirstLastPara="1" rIns="91425" wrap="square" tIns="91425">
+          <a:bodyPr spcFirstLastPara="1" wrap="square" lIns="91425" tIns="91425" rIns="91425" bIns="91425" anchor="ctr" anchorCtr="0">
             <a:noAutofit/>
           </a:bodyPr>
           <a:lstStyle/>
           <a:p>
-            <a:pPr indent="0" lvl="0" marL="0" rtl="0" algn="l">
+            <a:pPr marL="0" lvl="0" indent="0" algn="l" rtl="0">
               <a:spcBef>
                 <a:spcPts val="0"/>
               </a:spcBef>
@@ -3065,10 +3045,6 @@
               </a:spcAft>
               <a:buNone/>
             </a:pPr>
-            <a:r>
-              <a:t/>
-            </a:r>
-            <a:endParaRPr/>
           </a:p>
         </p:txBody>
       </p:sp>
@@ -3108,12 +3084,12 @@
           </a:ln>
         </p:spPr>
         <p:txBody>
-          <a:bodyPr anchorCtr="0" anchor="ctr" bIns="91425" lIns="91425" spcFirstLastPara="1" rIns="91425" wrap="square" tIns="91425">
+          <a:bodyPr spcFirstLastPara="1" wrap="square" lIns="91425" tIns="91425" rIns="91425" bIns="91425" anchor="ctr" anchorCtr="0">
             <a:noAutofit/>
           </a:bodyPr>
           <a:lstStyle/>
           <a:p>
-            <a:pPr indent="0" lvl="0" marL="0" rtl="0" algn="l">
+            <a:pPr marL="0" lvl="0" indent="0" algn="l" rtl="0">
               <a:spcBef>
                 <a:spcPts val="0"/>
               </a:spcBef>
@@ -3122,10 +3098,6 @@
               </a:spcAft>
               <a:buNone/>
             </a:pPr>
-            <a:r>
-              <a:t/>
-            </a:r>
-            <a:endParaRPr/>
           </a:p>
         </p:txBody>
       </p:sp>
@@ -3147,7 +3119,7 @@
           </a:prstGeom>
         </p:spPr>
         <p:txBody>
-          <a:bodyPr anchorCtr="0" anchor="b" bIns="91425" lIns="91425" spcFirstLastPara="1" rIns="91425" wrap="square" tIns="91425"/>
+          <a:bodyPr spcFirstLastPara="1" wrap="square" lIns="91425" tIns="91425" rIns="91425" bIns="91425" anchor="b" anchorCtr="0"/>
           <a:lstStyle>
             <a:lvl1pPr lvl="0">
               <a:spcBef>
@@ -3257,7 +3229,7 @@
           <p:cNvPr id="22" name="Google Shape;22;p4"/>
           <p:cNvSpPr txBox="1"/>
           <p:nvPr>
-            <p:ph idx="1" type="body"/>
+            <p:ph type="body" idx="1"/>
           </p:nvPr>
         </p:nvSpPr>
         <p:spPr>
@@ -3270,9 +3242,9 @@
           </a:prstGeom>
         </p:spPr>
         <p:txBody>
-          <a:bodyPr anchorCtr="0" anchor="t" bIns="91425" lIns="91425" spcFirstLastPara="1" rIns="91425" wrap="square" tIns="91425"/>
+          <a:bodyPr spcFirstLastPara="1" wrap="square" lIns="91425" tIns="91425" rIns="91425" bIns="91425" anchor="t" anchorCtr="0"/>
           <a:lstStyle>
-            <a:lvl1pPr indent="-342900" lvl="0" marL="457200">
+            <a:lvl1pPr marL="457200" lvl="0" indent="-342900">
               <a:spcBef>
                 <a:spcPts val="0"/>
               </a:spcBef>
@@ -3283,7 +3255,7 @@
               <a:buChar char="●"/>
               <a:defRPr/>
             </a:lvl1pPr>
-            <a:lvl2pPr indent="-317500" lvl="1" marL="914400">
+            <a:lvl2pPr marL="914400" lvl="1" indent="-317500">
               <a:spcBef>
                 <a:spcPts val="1600"/>
               </a:spcBef>
@@ -3294,7 +3266,7 @@
               <a:buChar char="○"/>
               <a:defRPr/>
             </a:lvl2pPr>
-            <a:lvl3pPr indent="-317500" lvl="2" marL="1371600">
+            <a:lvl3pPr marL="1371600" lvl="2" indent="-317500">
               <a:spcBef>
                 <a:spcPts val="1600"/>
               </a:spcBef>
@@ -3305,7 +3277,7 @@
               <a:buChar char="■"/>
               <a:defRPr/>
             </a:lvl3pPr>
-            <a:lvl4pPr indent="-317500" lvl="3" marL="1828800">
+            <a:lvl4pPr marL="1828800" lvl="3" indent="-317500">
               <a:spcBef>
                 <a:spcPts val="1600"/>
               </a:spcBef>
@@ -3316,7 +3288,7 @@
               <a:buChar char="●"/>
               <a:defRPr/>
             </a:lvl4pPr>
-            <a:lvl5pPr indent="-317500" lvl="4" marL="2286000">
+            <a:lvl5pPr marL="2286000" lvl="4" indent="-317500">
               <a:spcBef>
                 <a:spcPts val="1600"/>
               </a:spcBef>
@@ -3327,7 +3299,7 @@
               <a:buChar char="○"/>
               <a:defRPr/>
             </a:lvl5pPr>
-            <a:lvl6pPr indent="-317500" lvl="5" marL="2743200">
+            <a:lvl6pPr marL="2743200" lvl="5" indent="-317500">
               <a:spcBef>
                 <a:spcPts val="1600"/>
               </a:spcBef>
@@ -3338,7 +3310,7 @@
               <a:buChar char="■"/>
               <a:defRPr/>
             </a:lvl6pPr>
-            <a:lvl7pPr indent="-317500" lvl="6" marL="3200400">
+            <a:lvl7pPr marL="3200400" lvl="6" indent="-317500">
               <a:spcBef>
                 <a:spcPts val="1600"/>
               </a:spcBef>
@@ -3349,7 +3321,7 @@
               <a:buChar char="●"/>
               <a:defRPr/>
             </a:lvl7pPr>
-            <a:lvl8pPr indent="-317500" lvl="7" marL="3657600">
+            <a:lvl8pPr marL="3657600" lvl="7" indent="-317500">
               <a:spcBef>
                 <a:spcPts val="1600"/>
               </a:spcBef>
@@ -3360,7 +3332,7 @@
               <a:buChar char="○"/>
               <a:defRPr/>
             </a:lvl8pPr>
-            <a:lvl9pPr indent="-317500" lvl="8" marL="4114800">
+            <a:lvl9pPr marL="4114800" lvl="8" indent="-317500">
               <a:spcBef>
                 <a:spcPts val="1600"/>
               </a:spcBef>
@@ -3380,7 +3352,7 @@
           <p:cNvPr id="23" name="Google Shape;23;p4"/>
           <p:cNvSpPr txBox="1"/>
           <p:nvPr>
-            <p:ph idx="12" type="sldNum"/>
+            <p:ph type="sldNum" idx="12"/>
           </p:nvPr>
         </p:nvSpPr>
         <p:spPr>
@@ -3393,7 +3365,7 @@
           </a:prstGeom>
         </p:spPr>
         <p:txBody>
-          <a:bodyPr anchorCtr="0" anchor="ctr" bIns="91425" lIns="91425" spcFirstLastPara="1" rIns="91425" wrap="square" tIns="91425">
+          <a:bodyPr spcFirstLastPara="1" wrap="square" lIns="91425" tIns="91425" rIns="91425" bIns="91425" anchor="ctr" anchorCtr="0">
             <a:noAutofit/>
           </a:bodyPr>
           <a:lstStyle>
@@ -3435,7 +3407,7 @@
             </a:lvl9pPr>
           </a:lstStyle>
           <a:p>
-            <a:pPr indent="0" lvl="0" marL="0" rtl="0" algn="r">
+            <a:pPr marL="0" lvl="0" indent="0" algn="r" rtl="0">
               <a:spcBef>
                 <a:spcPts val="0"/>
               </a:spcBef>
@@ -3445,10 +3417,9 @@
               <a:buNone/>
             </a:pPr>
             <a:fld id="{00000000-1234-1234-1234-123412341234}" type="slidenum">
-              <a:rPr lang="en"/>
-              <a:t>‹#›</a:t>
+              <a:rPr lang="en-GB"/>
             </a:fld>
-            <a:endParaRPr/>
+            <a:endParaRPr lang="en-GB"/>
           </a:p>
         </p:txBody>
       </p:sp>
@@ -3461,7 +3432,7 @@
 </file>
 
 <file path=ppt/slideLayouts/slideLayout4.xml><?xml version="1.0" encoding="utf-8"?>
-<p:sldLayout xmlns:a="http://schemas.openxmlformats.org/drawingml/2006/main" xmlns:r="http://schemas.openxmlformats.org/officeDocument/2006/relationships" xmlns:mc="http://schemas.openxmlformats.org/markup-compatibility/2006" xmlns:mv="urn:schemas-microsoft-com:mac:vml" xmlns:p="http://schemas.openxmlformats.org/presentationml/2006/main" xmlns:c="http://schemas.openxmlformats.org/drawingml/2006/chart" xmlns:dgm="http://schemas.openxmlformats.org/drawingml/2006/diagram" xmlns:o="urn:schemas-microsoft-com:office:office" xmlns:v="urn:schemas-microsoft-com:vml" xmlns:pvml="urn:schemas-microsoft-com:office:powerpoint" xmlns:com="http://schemas.openxmlformats.org/drawingml/2006/compatibility" xmlns:p14="http://schemas.microsoft.com/office/powerpoint/2010/main" xmlns:p15="http://schemas.microsoft.com/office/powerpoint/2012/main" matchingName="Title and two columns" type="twoColTx">
+<p:sldLayout xmlns:a="http://schemas.openxmlformats.org/drawingml/2006/main" xmlns:r="http://schemas.openxmlformats.org/officeDocument/2006/relationships" xmlns:p="http://schemas.openxmlformats.org/presentationml/2006/main" type="twoColTx" matchingName="Title and two columns">
   <p:cSld name="TITLE_AND_TWO_COLUMNS">
     <p:spTree>
       <p:nvGrpSpPr>
@@ -3484,7 +3455,7 @@
           <p:nvPr/>
         </p:nvSpPr>
         <p:spPr>
-          <a:xfrm flipH="1" rot="10800000">
+          <a:xfrm rot="10800000" flipH="1">
             <a:off x="0" y="1686000"/>
             <a:ext cx="9144000" cy="3457500"/>
           </a:xfrm>
@@ -3499,12 +3470,12 @@
           </a:ln>
         </p:spPr>
         <p:txBody>
-          <a:bodyPr anchorCtr="0" anchor="ctr" bIns="91425" lIns="91425" spcFirstLastPara="1" rIns="91425" wrap="square" tIns="91425">
+          <a:bodyPr spcFirstLastPara="1" wrap="square" lIns="91425" tIns="91425" rIns="91425" bIns="91425" anchor="ctr" anchorCtr="0">
             <a:noAutofit/>
           </a:bodyPr>
           <a:lstStyle/>
           <a:p>
-            <a:pPr indent="0" lvl="0" marL="0" rtl="0" algn="l">
+            <a:pPr marL="0" lvl="0" indent="0" algn="l" rtl="0">
               <a:spcBef>
                 <a:spcPts val="0"/>
               </a:spcBef>
@@ -3513,10 +3484,6 @@
               </a:spcAft>
               <a:buNone/>
             </a:pPr>
-            <a:r>
-              <a:t/>
-            </a:r>
-            <a:endParaRPr/>
           </a:p>
         </p:txBody>
       </p:sp>
@@ -3556,12 +3523,12 @@
           </a:ln>
         </p:spPr>
         <p:txBody>
-          <a:bodyPr anchorCtr="0" anchor="ctr" bIns="91425" lIns="91425" spcFirstLastPara="1" rIns="91425" wrap="square" tIns="91425">
+          <a:bodyPr spcFirstLastPara="1" wrap="square" lIns="91425" tIns="91425" rIns="91425" bIns="91425" anchor="ctr" anchorCtr="0">
             <a:noAutofit/>
           </a:bodyPr>
           <a:lstStyle/>
           <a:p>
-            <a:pPr indent="0" lvl="0" marL="0" rtl="0" algn="l">
+            <a:pPr marL="0" lvl="0" indent="0" algn="l" rtl="0">
               <a:spcBef>
                 <a:spcPts val="0"/>
               </a:spcBef>
@@ -3570,10 +3537,6 @@
               </a:spcAft>
               <a:buNone/>
             </a:pPr>
-            <a:r>
-              <a:t/>
-            </a:r>
-            <a:endParaRPr/>
           </a:p>
         </p:txBody>
       </p:sp>
@@ -3595,7 +3558,7 @@
           </a:prstGeom>
         </p:spPr>
         <p:txBody>
-          <a:bodyPr anchorCtr="0" anchor="b" bIns="91425" lIns="91425" spcFirstLastPara="1" rIns="91425" wrap="square" tIns="91425"/>
+          <a:bodyPr spcFirstLastPara="1" wrap="square" lIns="91425" tIns="91425" rIns="91425" bIns="91425" anchor="b" anchorCtr="0"/>
           <a:lstStyle>
             <a:lvl1pPr lvl="0">
               <a:spcBef>
@@ -3705,7 +3668,7 @@
           <p:cNvPr id="28" name="Google Shape;28;p5"/>
           <p:cNvSpPr txBox="1"/>
           <p:nvPr>
-            <p:ph idx="1" type="body"/>
+            <p:ph type="body" idx="1"/>
           </p:nvPr>
         </p:nvSpPr>
         <p:spPr>
@@ -3718,9 +3681,9 @@
           </a:prstGeom>
         </p:spPr>
         <p:txBody>
-          <a:bodyPr anchorCtr="0" anchor="t" bIns="91425" lIns="91425" spcFirstLastPara="1" rIns="91425" wrap="square" tIns="91425"/>
+          <a:bodyPr spcFirstLastPara="1" wrap="square" lIns="91425" tIns="91425" rIns="91425" bIns="91425" anchor="t" anchorCtr="0"/>
           <a:lstStyle>
-            <a:lvl1pPr indent="-317500" lvl="0" marL="457200">
+            <a:lvl1pPr marL="457200" lvl="0" indent="-317500">
               <a:spcBef>
                 <a:spcPts val="0"/>
               </a:spcBef>
@@ -3731,7 +3694,7 @@
               <a:buChar char="●"/>
               <a:defRPr sz="1400"/>
             </a:lvl1pPr>
-            <a:lvl2pPr indent="-304800" lvl="1" marL="914400">
+            <a:lvl2pPr marL="914400" lvl="1" indent="-304800">
               <a:spcBef>
                 <a:spcPts val="1600"/>
               </a:spcBef>
@@ -3742,7 +3705,7 @@
               <a:buChar char="○"/>
               <a:defRPr sz="1200"/>
             </a:lvl2pPr>
-            <a:lvl3pPr indent="-304800" lvl="2" marL="1371600">
+            <a:lvl3pPr marL="1371600" lvl="2" indent="-304800">
               <a:spcBef>
                 <a:spcPts val="1600"/>
               </a:spcBef>
@@ -3753,7 +3716,7 @@
               <a:buChar char="■"/>
               <a:defRPr sz="1200"/>
             </a:lvl3pPr>
-            <a:lvl4pPr indent="-304800" lvl="3" marL="1828800">
+            <a:lvl4pPr marL="1828800" lvl="3" indent="-304800">
               <a:spcBef>
                 <a:spcPts val="1600"/>
               </a:spcBef>
@@ -3764,7 +3727,7 @@
               <a:buChar char="●"/>
               <a:defRPr sz="1200"/>
             </a:lvl4pPr>
-            <a:lvl5pPr indent="-304800" lvl="4" marL="2286000">
+            <a:lvl5pPr marL="2286000" lvl="4" indent="-304800">
               <a:spcBef>
                 <a:spcPts val="1600"/>
               </a:spcBef>
@@ -3775,7 +3738,7 @@
               <a:buChar char="○"/>
               <a:defRPr sz="1200"/>
             </a:lvl5pPr>
-            <a:lvl6pPr indent="-304800" lvl="5" marL="2743200">
+            <a:lvl6pPr marL="2743200" lvl="5" indent="-304800">
               <a:spcBef>
                 <a:spcPts val="1600"/>
               </a:spcBef>
@@ -3786,7 +3749,7 @@
               <a:buChar char="■"/>
               <a:defRPr sz="1200"/>
             </a:lvl6pPr>
-            <a:lvl7pPr indent="-304800" lvl="6" marL="3200400">
+            <a:lvl7pPr marL="3200400" lvl="6" indent="-304800">
               <a:spcBef>
                 <a:spcPts val="1600"/>
               </a:spcBef>
@@ -3797,7 +3760,7 @@
               <a:buChar char="●"/>
               <a:defRPr sz="1200"/>
             </a:lvl7pPr>
-            <a:lvl8pPr indent="-304800" lvl="7" marL="3657600">
+            <a:lvl8pPr marL="3657600" lvl="7" indent="-304800">
               <a:spcBef>
                 <a:spcPts val="1600"/>
               </a:spcBef>
@@ -3808,7 +3771,7 @@
               <a:buChar char="○"/>
               <a:defRPr sz="1200"/>
             </a:lvl8pPr>
-            <a:lvl9pPr indent="-304800" lvl="8" marL="4114800">
+            <a:lvl9pPr marL="4114800" lvl="8" indent="-304800">
               <a:spcBef>
                 <a:spcPts val="1600"/>
               </a:spcBef>
@@ -3828,7 +3791,7 @@
           <p:cNvPr id="29" name="Google Shape;29;p5"/>
           <p:cNvSpPr txBox="1"/>
           <p:nvPr>
-            <p:ph idx="2" type="body"/>
+            <p:ph type="body" idx="2"/>
           </p:nvPr>
         </p:nvSpPr>
         <p:spPr>
@@ -3841,9 +3804,9 @@
           </a:prstGeom>
         </p:spPr>
         <p:txBody>
-          <a:bodyPr anchorCtr="0" anchor="t" bIns="91425" lIns="91425" spcFirstLastPara="1" rIns="91425" wrap="square" tIns="91425"/>
+          <a:bodyPr spcFirstLastPara="1" wrap="square" lIns="91425" tIns="91425" rIns="91425" bIns="91425" anchor="t" anchorCtr="0"/>
           <a:lstStyle>
-            <a:lvl1pPr indent="-317500" lvl="0" marL="457200">
+            <a:lvl1pPr marL="457200" lvl="0" indent="-317500">
               <a:spcBef>
                 <a:spcPts val="0"/>
               </a:spcBef>
@@ -3854,7 +3817,7 @@
               <a:buChar char="●"/>
               <a:defRPr sz="1400"/>
             </a:lvl1pPr>
-            <a:lvl2pPr indent="-304800" lvl="1" marL="914400">
+            <a:lvl2pPr marL="914400" lvl="1" indent="-304800">
               <a:spcBef>
                 <a:spcPts val="1600"/>
               </a:spcBef>
@@ -3865,7 +3828,7 @@
               <a:buChar char="○"/>
               <a:defRPr sz="1200"/>
             </a:lvl2pPr>
-            <a:lvl3pPr indent="-304800" lvl="2" marL="1371600">
+            <a:lvl3pPr marL="1371600" lvl="2" indent="-304800">
               <a:spcBef>
                 <a:spcPts val="1600"/>
               </a:spcBef>
@@ -3876,7 +3839,7 @@
               <a:buChar char="■"/>
               <a:defRPr sz="1200"/>
             </a:lvl3pPr>
-            <a:lvl4pPr indent="-304800" lvl="3" marL="1828800">
+            <a:lvl4pPr marL="1828800" lvl="3" indent="-304800">
               <a:spcBef>
                 <a:spcPts val="1600"/>
               </a:spcBef>
@@ -3887,7 +3850,7 @@
               <a:buChar char="●"/>
               <a:defRPr sz="1200"/>
             </a:lvl4pPr>
-            <a:lvl5pPr indent="-304800" lvl="4" marL="2286000">
+            <a:lvl5pPr marL="2286000" lvl="4" indent="-304800">
               <a:spcBef>
                 <a:spcPts val="1600"/>
               </a:spcBef>
@@ -3898,7 +3861,7 @@
               <a:buChar char="○"/>
               <a:defRPr sz="1200"/>
             </a:lvl5pPr>
-            <a:lvl6pPr indent="-304800" lvl="5" marL="2743200">
+            <a:lvl6pPr marL="2743200" lvl="5" indent="-304800">
               <a:spcBef>
                 <a:spcPts val="1600"/>
               </a:spcBef>
@@ -3909,7 +3872,7 @@
               <a:buChar char="■"/>
               <a:defRPr sz="1200"/>
             </a:lvl6pPr>
-            <a:lvl7pPr indent="-304800" lvl="6" marL="3200400">
+            <a:lvl7pPr marL="3200400" lvl="6" indent="-304800">
               <a:spcBef>
                 <a:spcPts val="1600"/>
               </a:spcBef>
@@ -3920,7 +3883,7 @@
               <a:buChar char="●"/>
               <a:defRPr sz="1200"/>
             </a:lvl7pPr>
-            <a:lvl8pPr indent="-304800" lvl="7" marL="3657600">
+            <a:lvl8pPr marL="3657600" lvl="7" indent="-304800">
               <a:spcBef>
                 <a:spcPts val="1600"/>
               </a:spcBef>
@@ -3931,7 +3894,7 @@
               <a:buChar char="○"/>
               <a:defRPr sz="1200"/>
             </a:lvl8pPr>
-            <a:lvl9pPr indent="-304800" lvl="8" marL="4114800">
+            <a:lvl9pPr marL="4114800" lvl="8" indent="-304800">
               <a:spcBef>
                 <a:spcPts val="1600"/>
               </a:spcBef>
@@ -3951,7 +3914,7 @@
           <p:cNvPr id="30" name="Google Shape;30;p5"/>
           <p:cNvSpPr txBox="1"/>
           <p:nvPr>
-            <p:ph idx="12" type="sldNum"/>
+            <p:ph type="sldNum" idx="12"/>
           </p:nvPr>
         </p:nvSpPr>
         <p:spPr>
@@ -3964,7 +3927,7 @@
           </a:prstGeom>
         </p:spPr>
         <p:txBody>
-          <a:bodyPr anchorCtr="0" anchor="ctr" bIns="91425" lIns="91425" spcFirstLastPara="1" rIns="91425" wrap="square" tIns="91425">
+          <a:bodyPr spcFirstLastPara="1" wrap="square" lIns="91425" tIns="91425" rIns="91425" bIns="91425" anchor="ctr" anchorCtr="0">
             <a:noAutofit/>
           </a:bodyPr>
           <a:lstStyle>
@@ -4006,7 +3969,7 @@
             </a:lvl9pPr>
           </a:lstStyle>
           <a:p>
-            <a:pPr indent="0" lvl="0" marL="0" rtl="0" algn="r">
+            <a:pPr marL="0" lvl="0" indent="0" algn="r" rtl="0">
               <a:spcBef>
                 <a:spcPts val="0"/>
               </a:spcBef>
@@ -4016,10 +3979,9 @@
               <a:buNone/>
             </a:pPr>
             <a:fld id="{00000000-1234-1234-1234-123412341234}" type="slidenum">
-              <a:rPr lang="en"/>
-              <a:t>‹#›</a:t>
+              <a:rPr lang="en-GB"/>
             </a:fld>
-            <a:endParaRPr/>
+            <a:endParaRPr lang="en-GB"/>
           </a:p>
         </p:txBody>
       </p:sp>
@@ -4032,7 +3994,7 @@
 </file>
 
 <file path=ppt/slideLayouts/slideLayout5.xml><?xml version="1.0" encoding="utf-8"?>
-<p:sldLayout xmlns:a="http://schemas.openxmlformats.org/drawingml/2006/main" xmlns:r="http://schemas.openxmlformats.org/officeDocument/2006/relationships" xmlns:mc="http://schemas.openxmlformats.org/markup-compatibility/2006" xmlns:mv="urn:schemas-microsoft-com:mac:vml" xmlns:p="http://schemas.openxmlformats.org/presentationml/2006/main" xmlns:c="http://schemas.openxmlformats.org/drawingml/2006/chart" xmlns:dgm="http://schemas.openxmlformats.org/drawingml/2006/diagram" xmlns:o="urn:schemas-microsoft-com:office:office" xmlns:v="urn:schemas-microsoft-com:vml" xmlns:pvml="urn:schemas-microsoft-com:office:powerpoint" xmlns:com="http://schemas.openxmlformats.org/drawingml/2006/compatibility" xmlns:p14="http://schemas.microsoft.com/office/powerpoint/2010/main" xmlns:p15="http://schemas.microsoft.com/office/powerpoint/2012/main" matchingName="Title only" type="titleOnly">
+<p:sldLayout xmlns:a="http://schemas.openxmlformats.org/drawingml/2006/main" xmlns:r="http://schemas.openxmlformats.org/officeDocument/2006/relationships" xmlns:p="http://schemas.openxmlformats.org/presentationml/2006/main" type="titleOnly" matchingName="Title only">
   <p:cSld name="TITLE_ONLY">
     <p:spTree>
       <p:nvGrpSpPr>
@@ -4055,7 +4017,7 @@
           <p:nvPr/>
         </p:nvSpPr>
         <p:spPr>
-          <a:xfrm flipH="1" rot="10800000">
+          <a:xfrm rot="10800000" flipH="1">
             <a:off x="0" y="656400"/>
             <a:ext cx="9144000" cy="4487100"/>
           </a:xfrm>
@@ -4070,12 +4032,12 @@
           </a:ln>
         </p:spPr>
         <p:txBody>
-          <a:bodyPr anchorCtr="0" anchor="ctr" bIns="91425" lIns="91425" spcFirstLastPara="1" rIns="91425" wrap="square" tIns="91425">
+          <a:bodyPr spcFirstLastPara="1" wrap="square" lIns="91425" tIns="91425" rIns="91425" bIns="91425" anchor="ctr" anchorCtr="0">
             <a:noAutofit/>
           </a:bodyPr>
           <a:lstStyle/>
           <a:p>
-            <a:pPr indent="0" lvl="0" marL="0" rtl="0" algn="l">
+            <a:pPr marL="0" lvl="0" indent="0" algn="l" rtl="0">
               <a:spcBef>
                 <a:spcPts val="0"/>
               </a:spcBef>
@@ -4084,10 +4046,6 @@
               </a:spcAft>
               <a:buNone/>
             </a:pPr>
-            <a:r>
-              <a:t/>
-            </a:r>
-            <a:endParaRPr/>
           </a:p>
         </p:txBody>
       </p:sp>
@@ -4127,12 +4085,12 @@
           </a:ln>
         </p:spPr>
         <p:txBody>
-          <a:bodyPr anchorCtr="0" anchor="ctr" bIns="91425" lIns="91425" spcFirstLastPara="1" rIns="91425" wrap="square" tIns="91425">
+          <a:bodyPr spcFirstLastPara="1" wrap="square" lIns="91425" tIns="91425" rIns="91425" bIns="91425" anchor="ctr" anchorCtr="0">
             <a:noAutofit/>
           </a:bodyPr>
           <a:lstStyle/>
           <a:p>
-            <a:pPr indent="0" lvl="0" marL="0" rtl="0" algn="l">
+            <a:pPr marL="0" lvl="0" indent="0" algn="l" rtl="0">
               <a:spcBef>
                 <a:spcPts val="0"/>
               </a:spcBef>
@@ -4141,10 +4099,6 @@
               </a:spcAft>
               <a:buNone/>
             </a:pPr>
-            <a:r>
-              <a:t/>
-            </a:r>
-            <a:endParaRPr/>
           </a:p>
         </p:txBody>
       </p:sp>
@@ -4166,7 +4120,7 @@
           </a:prstGeom>
         </p:spPr>
         <p:txBody>
-          <a:bodyPr anchorCtr="0" anchor="ctr" bIns="91425" lIns="91425" spcFirstLastPara="1" rIns="91425" wrap="square" tIns="91425"/>
+          <a:bodyPr spcFirstLastPara="1" wrap="square" lIns="91425" tIns="91425" rIns="91425" bIns="91425" anchor="ctr" anchorCtr="0"/>
           <a:lstStyle>
             <a:lvl1pPr lvl="0">
               <a:spcBef>
@@ -4276,7 +4230,7 @@
           <p:cNvPr id="35" name="Google Shape;35;p6"/>
           <p:cNvSpPr txBox="1"/>
           <p:nvPr>
-            <p:ph idx="12" type="sldNum"/>
+            <p:ph type="sldNum" idx="12"/>
           </p:nvPr>
         </p:nvSpPr>
         <p:spPr>
@@ -4289,7 +4243,7 @@
           </a:prstGeom>
         </p:spPr>
         <p:txBody>
-          <a:bodyPr anchorCtr="0" anchor="ctr" bIns="91425" lIns="91425" spcFirstLastPara="1" rIns="91425" wrap="square" tIns="91425">
+          <a:bodyPr spcFirstLastPara="1" wrap="square" lIns="91425" tIns="91425" rIns="91425" bIns="91425" anchor="ctr" anchorCtr="0">
             <a:noAutofit/>
           </a:bodyPr>
           <a:lstStyle>
@@ -4331,7 +4285,7 @@
             </a:lvl9pPr>
           </a:lstStyle>
           <a:p>
-            <a:pPr indent="0" lvl="0" marL="0" rtl="0" algn="r">
+            <a:pPr marL="0" lvl="0" indent="0" algn="r" rtl="0">
               <a:spcBef>
                 <a:spcPts val="0"/>
               </a:spcBef>
@@ -4341,10 +4295,9 @@
               <a:buNone/>
             </a:pPr>
             <a:fld id="{00000000-1234-1234-1234-123412341234}" type="slidenum">
-              <a:rPr lang="en"/>
-              <a:t>‹#›</a:t>
+              <a:rPr lang="en-GB"/>
             </a:fld>
-            <a:endParaRPr/>
+            <a:endParaRPr lang="en-GB"/>
           </a:p>
         </p:txBody>
       </p:sp>
@@ -4357,7 +4310,7 @@
 </file>
 
 <file path=ppt/slideLayouts/slideLayout6.xml><?xml version="1.0" encoding="utf-8"?>
-<p:sldLayout xmlns:a="http://schemas.openxmlformats.org/drawingml/2006/main" xmlns:r="http://schemas.openxmlformats.org/officeDocument/2006/relationships" xmlns:mc="http://schemas.openxmlformats.org/markup-compatibility/2006" xmlns:mv="urn:schemas-microsoft-com:mac:vml" xmlns:p="http://schemas.openxmlformats.org/presentationml/2006/main" xmlns:c="http://schemas.openxmlformats.org/drawingml/2006/chart" xmlns:dgm="http://schemas.openxmlformats.org/drawingml/2006/diagram" xmlns:o="urn:schemas-microsoft-com:office:office" xmlns:v="urn:schemas-microsoft-com:vml" xmlns:pvml="urn:schemas-microsoft-com:office:powerpoint" xmlns:com="http://schemas.openxmlformats.org/drawingml/2006/compatibility" xmlns:p14="http://schemas.microsoft.com/office/powerpoint/2010/main" xmlns:p15="http://schemas.microsoft.com/office/powerpoint/2012/main" matchingName="One column text">
+<p:sldLayout xmlns:a="http://schemas.openxmlformats.org/drawingml/2006/main" xmlns:r="http://schemas.openxmlformats.org/officeDocument/2006/relationships" xmlns:p="http://schemas.openxmlformats.org/presentationml/2006/main" matchingName="One column text">
   <p:cSld name="ONE_COLUMN_TEXT">
     <p:spTree>
       <p:nvGrpSpPr>
@@ -4380,7 +4333,7 @@
           <p:nvPr/>
         </p:nvSpPr>
         <p:spPr>
-          <a:xfrm flipH="1" rot="10800000">
+          <a:xfrm rot="10800000" flipH="1">
             <a:off x="3276600" y="25"/>
             <a:ext cx="5867400" cy="5143500"/>
           </a:xfrm>
@@ -4395,12 +4348,12 @@
           </a:ln>
         </p:spPr>
         <p:txBody>
-          <a:bodyPr anchorCtr="0" anchor="ctr" bIns="91425" lIns="91425" spcFirstLastPara="1" rIns="91425" wrap="square" tIns="91425">
+          <a:bodyPr spcFirstLastPara="1" wrap="square" lIns="91425" tIns="91425" rIns="91425" bIns="91425" anchor="ctr" anchorCtr="0">
             <a:noAutofit/>
           </a:bodyPr>
           <a:lstStyle/>
           <a:p>
-            <a:pPr indent="0" lvl="0" marL="0" rtl="0" algn="l">
+            <a:pPr marL="0" lvl="0" indent="0" algn="l" rtl="0">
               <a:spcBef>
                 <a:spcPts val="0"/>
               </a:spcBef>
@@ -4409,10 +4362,6 @@
               </a:spcAft>
               <a:buNone/>
             </a:pPr>
-            <a:r>
-              <a:t/>
-            </a:r>
-            <a:endParaRPr/>
           </a:p>
         </p:txBody>
       </p:sp>
@@ -4452,12 +4401,12 @@
           </a:ln>
         </p:spPr>
         <p:txBody>
-          <a:bodyPr anchorCtr="0" anchor="ctr" bIns="91425" lIns="91425" spcFirstLastPara="1" rIns="91425" wrap="square" tIns="91425">
+          <a:bodyPr spcFirstLastPara="1" wrap="square" lIns="91425" tIns="91425" rIns="91425" bIns="91425" anchor="ctr" anchorCtr="0">
             <a:noAutofit/>
           </a:bodyPr>
           <a:lstStyle/>
           <a:p>
-            <a:pPr indent="0" lvl="0" marL="0" rtl="0" algn="l">
+            <a:pPr marL="0" lvl="0" indent="0" algn="l" rtl="0">
               <a:spcBef>
                 <a:spcPts val="0"/>
               </a:spcBef>
@@ -4466,10 +4415,6 @@
               </a:spcAft>
               <a:buNone/>
             </a:pPr>
-            <a:r>
-              <a:t/>
-            </a:r>
-            <a:endParaRPr/>
           </a:p>
         </p:txBody>
       </p:sp>
@@ -4491,7 +4436,7 @@
           </a:prstGeom>
         </p:spPr>
         <p:txBody>
-          <a:bodyPr anchorCtr="0" anchor="b" bIns="91425" lIns="91425" spcFirstLastPara="1" rIns="91425" wrap="square" tIns="91425"/>
+          <a:bodyPr spcFirstLastPara="1" wrap="square" lIns="91425" tIns="91425" rIns="91425" bIns="91425" anchor="b" anchorCtr="0"/>
           <a:lstStyle>
             <a:lvl1pPr lvl="0">
               <a:spcBef>
@@ -4601,7 +4546,7 @@
           <p:cNvPr id="40" name="Google Shape;40;p7"/>
           <p:cNvSpPr txBox="1"/>
           <p:nvPr>
-            <p:ph idx="1" type="body"/>
+            <p:ph type="body" idx="1"/>
           </p:nvPr>
         </p:nvSpPr>
         <p:spPr>
@@ -4614,9 +4559,9 @@
           </a:prstGeom>
         </p:spPr>
         <p:txBody>
-          <a:bodyPr anchorCtr="0" anchor="t" bIns="91425" lIns="91425" spcFirstLastPara="1" rIns="91425" wrap="square" tIns="91425"/>
+          <a:bodyPr spcFirstLastPara="1" wrap="square" lIns="91425" tIns="91425" rIns="91425" bIns="91425" anchor="t" anchorCtr="0"/>
           <a:lstStyle>
-            <a:lvl1pPr indent="-304800" lvl="0" marL="457200">
+            <a:lvl1pPr marL="457200" lvl="0" indent="-304800">
               <a:spcBef>
                 <a:spcPts val="0"/>
               </a:spcBef>
@@ -4634,7 +4579,7 @@
                 </a:solidFill>
               </a:defRPr>
             </a:lvl1pPr>
-            <a:lvl2pPr indent="-304800" lvl="1" marL="914400">
+            <a:lvl2pPr marL="914400" lvl="1" indent="-304800">
               <a:spcBef>
                 <a:spcPts val="1600"/>
               </a:spcBef>
@@ -4652,7 +4597,7 @@
                 </a:solidFill>
               </a:defRPr>
             </a:lvl2pPr>
-            <a:lvl3pPr indent="-304800" lvl="2" marL="1371600">
+            <a:lvl3pPr marL="1371600" lvl="2" indent="-304800">
               <a:spcBef>
                 <a:spcPts val="1600"/>
               </a:spcBef>
@@ -4670,7 +4615,7 @@
                 </a:solidFill>
               </a:defRPr>
             </a:lvl3pPr>
-            <a:lvl4pPr indent="-304800" lvl="3" marL="1828800">
+            <a:lvl4pPr marL="1828800" lvl="3" indent="-304800">
               <a:spcBef>
                 <a:spcPts val="1600"/>
               </a:spcBef>
@@ -4688,7 +4633,7 @@
                 </a:solidFill>
               </a:defRPr>
             </a:lvl4pPr>
-            <a:lvl5pPr indent="-304800" lvl="4" marL="2286000">
+            <a:lvl5pPr marL="2286000" lvl="4" indent="-304800">
               <a:spcBef>
                 <a:spcPts val="1600"/>
               </a:spcBef>
@@ -4706,7 +4651,7 @@
                 </a:solidFill>
               </a:defRPr>
             </a:lvl5pPr>
-            <a:lvl6pPr indent="-304800" lvl="5" marL="2743200">
+            <a:lvl6pPr marL="2743200" lvl="5" indent="-304800">
               <a:spcBef>
                 <a:spcPts val="1600"/>
               </a:spcBef>
@@ -4724,7 +4669,7 @@
                 </a:solidFill>
               </a:defRPr>
             </a:lvl6pPr>
-            <a:lvl7pPr indent="-304800" lvl="6" marL="3200400">
+            <a:lvl7pPr marL="3200400" lvl="6" indent="-304800">
               <a:spcBef>
                 <a:spcPts val="1600"/>
               </a:spcBef>
@@ -4742,7 +4687,7 @@
                 </a:solidFill>
               </a:defRPr>
             </a:lvl7pPr>
-            <a:lvl8pPr indent="-304800" lvl="7" marL="3657600">
+            <a:lvl8pPr marL="3657600" lvl="7" indent="-304800">
               <a:spcBef>
                 <a:spcPts val="1600"/>
               </a:spcBef>
@@ -4760,7 +4705,7 @@
                 </a:solidFill>
               </a:defRPr>
             </a:lvl8pPr>
-            <a:lvl9pPr indent="-304800" lvl="8" marL="4114800">
+            <a:lvl9pPr marL="4114800" lvl="8" indent="-304800">
               <a:spcBef>
                 <a:spcPts val="1600"/>
               </a:spcBef>
@@ -4787,7 +4732,7 @@
           <p:cNvPr id="41" name="Google Shape;41;p7"/>
           <p:cNvSpPr txBox="1"/>
           <p:nvPr>
-            <p:ph idx="12" type="sldNum"/>
+            <p:ph type="sldNum" idx="12"/>
           </p:nvPr>
         </p:nvSpPr>
         <p:spPr>
@@ -4800,7 +4745,7 @@
           </a:prstGeom>
         </p:spPr>
         <p:txBody>
-          <a:bodyPr anchorCtr="0" anchor="ctr" bIns="91425" lIns="91425" spcFirstLastPara="1" rIns="91425" wrap="square" tIns="91425">
+          <a:bodyPr spcFirstLastPara="1" wrap="square" lIns="91425" tIns="91425" rIns="91425" bIns="91425" anchor="ctr" anchorCtr="0">
             <a:noAutofit/>
           </a:bodyPr>
           <a:lstStyle>
@@ -4842,7 +4787,7 @@
             </a:lvl9pPr>
           </a:lstStyle>
           <a:p>
-            <a:pPr indent="0" lvl="0" marL="0" rtl="0" algn="r">
+            <a:pPr marL="0" lvl="0" indent="0" algn="r" rtl="0">
               <a:spcBef>
                 <a:spcPts val="0"/>
               </a:spcBef>
@@ -4852,10 +4797,9 @@
               <a:buNone/>
             </a:pPr>
             <a:fld id="{00000000-1234-1234-1234-123412341234}" type="slidenum">
-              <a:rPr lang="en"/>
-              <a:t>‹#›</a:t>
+              <a:rPr lang="en-GB"/>
             </a:fld>
-            <a:endParaRPr/>
+            <a:endParaRPr lang="en-GB"/>
           </a:p>
         </p:txBody>
       </p:sp>
@@ -4868,7 +4812,7 @@
 </file>
 
 <file path=ppt/slideLayouts/slideLayout7.xml><?xml version="1.0" encoding="utf-8"?>
-<p:sldLayout xmlns:a="http://schemas.openxmlformats.org/drawingml/2006/main" xmlns:r="http://schemas.openxmlformats.org/officeDocument/2006/relationships" xmlns:mc="http://schemas.openxmlformats.org/markup-compatibility/2006" xmlns:mv="urn:schemas-microsoft-com:mac:vml" xmlns:p="http://schemas.openxmlformats.org/presentationml/2006/main" xmlns:c="http://schemas.openxmlformats.org/drawingml/2006/chart" xmlns:dgm="http://schemas.openxmlformats.org/drawingml/2006/diagram" xmlns:o="urn:schemas-microsoft-com:office:office" xmlns:v="urn:schemas-microsoft-com:vml" xmlns:pvml="urn:schemas-microsoft-com:office:powerpoint" xmlns:com="http://schemas.openxmlformats.org/drawingml/2006/compatibility" xmlns:p14="http://schemas.microsoft.com/office/powerpoint/2010/main" xmlns:p15="http://schemas.microsoft.com/office/powerpoint/2012/main" matchingName="Main point">
+<p:sldLayout xmlns:a="http://schemas.openxmlformats.org/drawingml/2006/main" xmlns:r="http://schemas.openxmlformats.org/officeDocument/2006/relationships" xmlns:p="http://schemas.openxmlformats.org/presentationml/2006/main" matchingName="Main point">
   <p:cSld name="MAIN_POINT">
     <p:spTree>
       <p:nvGrpSpPr>
@@ -4902,7 +4846,7 @@
           </a:prstGeom>
         </p:spPr>
         <p:txBody>
-          <a:bodyPr anchorCtr="0" anchor="ctr" bIns="91425" lIns="91425" spcFirstLastPara="1" rIns="91425" wrap="square" tIns="91425"/>
+          <a:bodyPr spcFirstLastPara="1" wrap="square" lIns="91425" tIns="91425" rIns="91425" bIns="91425" anchor="ctr" anchorCtr="0"/>
           <a:lstStyle>
             <a:lvl1pPr lvl="0">
               <a:spcBef>
@@ -5012,7 +4956,7 @@
           <p:cNvPr id="44" name="Google Shape;44;p8"/>
           <p:cNvSpPr txBox="1"/>
           <p:nvPr>
-            <p:ph idx="12" type="sldNum"/>
+            <p:ph type="sldNum" idx="12"/>
           </p:nvPr>
         </p:nvSpPr>
         <p:spPr>
@@ -5025,7 +4969,7 @@
           </a:prstGeom>
         </p:spPr>
         <p:txBody>
-          <a:bodyPr anchorCtr="0" anchor="ctr" bIns="91425" lIns="91425" spcFirstLastPara="1" rIns="91425" wrap="square" tIns="91425">
+          <a:bodyPr spcFirstLastPara="1" wrap="square" lIns="91425" tIns="91425" rIns="91425" bIns="91425" anchor="ctr" anchorCtr="0">
             <a:noAutofit/>
           </a:bodyPr>
           <a:lstStyle>
@@ -5103,7 +5047,7 @@
             </a:lvl9pPr>
           </a:lstStyle>
           <a:p>
-            <a:pPr indent="0" lvl="0" marL="0" rtl="0" algn="r">
+            <a:pPr marL="0" lvl="0" indent="0" algn="r" rtl="0">
               <a:spcBef>
                 <a:spcPts val="0"/>
               </a:spcBef>
@@ -5113,10 +5057,9 @@
               <a:buNone/>
             </a:pPr>
             <a:fld id="{00000000-1234-1234-1234-123412341234}" type="slidenum">
-              <a:rPr lang="en"/>
-              <a:t>‹#›</a:t>
+              <a:rPr lang="en-GB"/>
             </a:fld>
-            <a:endParaRPr/>
+            <a:endParaRPr lang="en-GB"/>
           </a:p>
         </p:txBody>
       </p:sp>
@@ -5129,7 +5072,7 @@
 </file>
 
 <file path=ppt/slideLayouts/slideLayout8.xml><?xml version="1.0" encoding="utf-8"?>
-<p:sldLayout xmlns:a="http://schemas.openxmlformats.org/drawingml/2006/main" xmlns:r="http://schemas.openxmlformats.org/officeDocument/2006/relationships" xmlns:mc="http://schemas.openxmlformats.org/markup-compatibility/2006" xmlns:mv="urn:schemas-microsoft-com:mac:vml" xmlns:p="http://schemas.openxmlformats.org/presentationml/2006/main" xmlns:c="http://schemas.openxmlformats.org/drawingml/2006/chart" xmlns:dgm="http://schemas.openxmlformats.org/drawingml/2006/diagram" xmlns:o="urn:schemas-microsoft-com:office:office" xmlns:v="urn:schemas-microsoft-com:vml" xmlns:pvml="urn:schemas-microsoft-com:office:powerpoint" xmlns:com="http://schemas.openxmlformats.org/drawingml/2006/compatibility" xmlns:p14="http://schemas.microsoft.com/office/powerpoint/2010/main" xmlns:p15="http://schemas.microsoft.com/office/powerpoint/2012/main" matchingName="Section title and description">
+<p:sldLayout xmlns:a="http://schemas.openxmlformats.org/drawingml/2006/main" xmlns:r="http://schemas.openxmlformats.org/officeDocument/2006/relationships" xmlns:p="http://schemas.openxmlformats.org/presentationml/2006/main" matchingName="Section title and description">
   <p:cSld name="SECTION_TITLE_AND_DESCRIPTION">
     <p:spTree>
       <p:nvGrpSpPr>
@@ -5167,12 +5110,12 @@
           </a:ln>
         </p:spPr>
         <p:txBody>
-          <a:bodyPr anchorCtr="0" anchor="ctr" bIns="91425" lIns="91425" spcFirstLastPara="1" rIns="91425" wrap="square" tIns="91425">
+          <a:bodyPr spcFirstLastPara="1" wrap="square" lIns="91425" tIns="91425" rIns="91425" bIns="91425" anchor="ctr" anchorCtr="0">
             <a:noAutofit/>
           </a:bodyPr>
           <a:lstStyle/>
           <a:p>
-            <a:pPr indent="0" lvl="0" marL="0" rtl="0" algn="l">
+            <a:pPr marL="0" lvl="0" indent="0" algn="l" rtl="0">
               <a:spcBef>
                 <a:spcPts val="0"/>
               </a:spcBef>
@@ -5181,10 +5124,6 @@
               </a:spcAft>
               <a:buNone/>
             </a:pPr>
-            <a:r>
-              <a:t/>
-            </a:r>
-            <a:endParaRPr/>
           </a:p>
         </p:txBody>
       </p:sp>
@@ -5224,12 +5163,12 @@
           </a:ln>
         </p:spPr>
         <p:txBody>
-          <a:bodyPr anchorCtr="0" anchor="ctr" bIns="91425" lIns="91425" spcFirstLastPara="1" rIns="91425" wrap="square" tIns="91425">
+          <a:bodyPr spcFirstLastPara="1" wrap="square" lIns="91425" tIns="91425" rIns="91425" bIns="91425" anchor="ctr" anchorCtr="0">
             <a:noAutofit/>
           </a:bodyPr>
           <a:lstStyle/>
           <a:p>
-            <a:pPr indent="0" lvl="0" marL="0" rtl="0" algn="l">
+            <a:pPr marL="0" lvl="0" indent="0" algn="l" rtl="0">
               <a:spcBef>
                 <a:spcPts val="0"/>
               </a:spcBef>
@@ -5238,10 +5177,6 @@
               </a:spcAft>
               <a:buNone/>
             </a:pPr>
-            <a:r>
-              <a:t/>
-            </a:r>
-            <a:endParaRPr/>
           </a:p>
         </p:txBody>
       </p:sp>
@@ -5263,7 +5198,7 @@
           </a:prstGeom>
         </p:spPr>
         <p:txBody>
-          <a:bodyPr anchorCtr="0" anchor="b" bIns="91425" lIns="91425" spcFirstLastPara="1" rIns="91425" wrap="square" tIns="91425"/>
+          <a:bodyPr spcFirstLastPara="1" wrap="square" lIns="91425" tIns="91425" rIns="91425" bIns="91425" anchor="b" anchorCtr="0"/>
           <a:lstStyle>
             <a:lvl1pPr lvl="0" algn="ctr">
               <a:spcBef>
@@ -5436,7 +5371,7 @@
           <p:cNvPr id="49" name="Google Shape;49;p9"/>
           <p:cNvSpPr txBox="1"/>
           <p:nvPr>
-            <p:ph idx="1" type="subTitle"/>
+            <p:ph type="subTitle" idx="1"/>
           </p:nvPr>
         </p:nvSpPr>
         <p:spPr>
@@ -5449,7 +5384,7 @@
           </a:prstGeom>
         </p:spPr>
         <p:txBody>
-          <a:bodyPr anchorCtr="0" anchor="t" bIns="91425" lIns="91425" spcFirstLastPara="1" rIns="91425" wrap="square" tIns="91425"/>
+          <a:bodyPr spcFirstLastPara="1" wrap="square" lIns="91425" tIns="91425" rIns="91425" bIns="91425" anchor="t" anchorCtr="0"/>
           <a:lstStyle>
             <a:lvl1pPr lvl="0" algn="ctr">
               <a:lnSpc>
@@ -5586,7 +5521,7 @@
           <p:cNvPr id="50" name="Google Shape;50;p9"/>
           <p:cNvSpPr txBox="1"/>
           <p:nvPr>
-            <p:ph idx="2" type="body"/>
+            <p:ph type="body" idx="2"/>
           </p:nvPr>
         </p:nvSpPr>
         <p:spPr>
@@ -5599,9 +5534,9 @@
           </a:prstGeom>
         </p:spPr>
         <p:txBody>
-          <a:bodyPr anchorCtr="0" anchor="ctr" bIns="91425" lIns="91425" spcFirstLastPara="1" rIns="91425" wrap="square" tIns="91425"/>
+          <a:bodyPr spcFirstLastPara="1" wrap="square" lIns="91425" tIns="91425" rIns="91425" bIns="91425" anchor="ctr" anchorCtr="0"/>
           <a:lstStyle>
-            <a:lvl1pPr indent="-342900" lvl="0" marL="457200">
+            <a:lvl1pPr marL="457200" lvl="0" indent="-342900">
               <a:spcBef>
                 <a:spcPts val="0"/>
               </a:spcBef>
@@ -5619,7 +5554,7 @@
                 </a:solidFill>
               </a:defRPr>
             </a:lvl1pPr>
-            <a:lvl2pPr indent="-317500" lvl="1" marL="914400">
+            <a:lvl2pPr marL="914400" lvl="1" indent="-317500">
               <a:spcBef>
                 <a:spcPts val="1600"/>
               </a:spcBef>
@@ -5637,7 +5572,7 @@
                 </a:solidFill>
               </a:defRPr>
             </a:lvl2pPr>
-            <a:lvl3pPr indent="-317500" lvl="2" marL="1371600">
+            <a:lvl3pPr marL="1371600" lvl="2" indent="-317500">
               <a:spcBef>
                 <a:spcPts val="1600"/>
               </a:spcBef>
@@ -5655,7 +5590,7 @@
                 </a:solidFill>
               </a:defRPr>
             </a:lvl3pPr>
-            <a:lvl4pPr indent="-317500" lvl="3" marL="1828800">
+            <a:lvl4pPr marL="1828800" lvl="3" indent="-317500">
               <a:spcBef>
                 <a:spcPts val="1600"/>
               </a:spcBef>
@@ -5673,7 +5608,7 @@
                 </a:solidFill>
               </a:defRPr>
             </a:lvl4pPr>
-            <a:lvl5pPr indent="-317500" lvl="4" marL="2286000">
+            <a:lvl5pPr marL="2286000" lvl="4" indent="-317500">
               <a:spcBef>
                 <a:spcPts val="1600"/>
               </a:spcBef>
@@ -5691,7 +5626,7 @@
                 </a:solidFill>
               </a:defRPr>
             </a:lvl5pPr>
-            <a:lvl6pPr indent="-317500" lvl="5" marL="2743200">
+            <a:lvl6pPr marL="2743200" lvl="5" indent="-317500">
               <a:spcBef>
                 <a:spcPts val="1600"/>
               </a:spcBef>
@@ -5709,7 +5644,7 @@
                 </a:solidFill>
               </a:defRPr>
             </a:lvl6pPr>
-            <a:lvl7pPr indent="-317500" lvl="6" marL="3200400">
+            <a:lvl7pPr marL="3200400" lvl="6" indent="-317500">
               <a:spcBef>
                 <a:spcPts val="1600"/>
               </a:spcBef>
@@ -5727,7 +5662,7 @@
                 </a:solidFill>
               </a:defRPr>
             </a:lvl7pPr>
-            <a:lvl8pPr indent="-317500" lvl="7" marL="3657600">
+            <a:lvl8pPr marL="3657600" lvl="7" indent="-317500">
               <a:spcBef>
                 <a:spcPts val="1600"/>
               </a:spcBef>
@@ -5745,7 +5680,7 @@
                 </a:solidFill>
               </a:defRPr>
             </a:lvl8pPr>
-            <a:lvl9pPr indent="-317500" lvl="8" marL="4114800">
+            <a:lvl9pPr marL="4114800" lvl="8" indent="-317500">
               <a:spcBef>
                 <a:spcPts val="1600"/>
               </a:spcBef>
@@ -5772,7 +5707,7 @@
           <p:cNvPr id="51" name="Google Shape;51;p9"/>
           <p:cNvSpPr txBox="1"/>
           <p:nvPr>
-            <p:ph idx="12" type="sldNum"/>
+            <p:ph type="sldNum" idx="12"/>
           </p:nvPr>
         </p:nvSpPr>
         <p:spPr>
@@ -5785,7 +5720,7 @@
           </a:prstGeom>
         </p:spPr>
         <p:txBody>
-          <a:bodyPr anchorCtr="0" anchor="ctr" bIns="91425" lIns="91425" spcFirstLastPara="1" rIns="91425" wrap="square" tIns="91425">
+          <a:bodyPr spcFirstLastPara="1" wrap="square" lIns="91425" tIns="91425" rIns="91425" bIns="91425" anchor="ctr" anchorCtr="0">
             <a:noAutofit/>
           </a:bodyPr>
           <a:lstStyle>
@@ -5863,7 +5798,7 @@
             </a:lvl9pPr>
           </a:lstStyle>
           <a:p>
-            <a:pPr indent="0" lvl="0" marL="0" rtl="0" algn="r">
+            <a:pPr marL="0" lvl="0" indent="0" algn="r" rtl="0">
               <a:spcBef>
                 <a:spcPts val="0"/>
               </a:spcBef>
@@ -5873,10 +5808,9 @@
               <a:buNone/>
             </a:pPr>
             <a:fld id="{00000000-1234-1234-1234-123412341234}" type="slidenum">
-              <a:rPr lang="en"/>
-              <a:t>‹#›</a:t>
+              <a:rPr lang="en-GB"/>
             </a:fld>
-            <a:endParaRPr/>
+            <a:endParaRPr lang="en-GB"/>
           </a:p>
         </p:txBody>
       </p:sp>
@@ -5889,7 +5823,7 @@
 </file>
 
 <file path=ppt/slideLayouts/slideLayout9.xml><?xml version="1.0" encoding="utf-8"?>
-<p:sldLayout xmlns:a="http://schemas.openxmlformats.org/drawingml/2006/main" xmlns:r="http://schemas.openxmlformats.org/officeDocument/2006/relationships" xmlns:mc="http://schemas.openxmlformats.org/markup-compatibility/2006" xmlns:mv="urn:schemas-microsoft-com:mac:vml" xmlns:p="http://schemas.openxmlformats.org/presentationml/2006/main" xmlns:c="http://schemas.openxmlformats.org/drawingml/2006/chart" xmlns:dgm="http://schemas.openxmlformats.org/drawingml/2006/diagram" xmlns:o="urn:schemas-microsoft-com:office:office" xmlns:v="urn:schemas-microsoft-com:vml" xmlns:pvml="urn:schemas-microsoft-com:office:powerpoint" xmlns:com="http://schemas.openxmlformats.org/drawingml/2006/compatibility" xmlns:p14="http://schemas.microsoft.com/office/powerpoint/2010/main" xmlns:p15="http://schemas.microsoft.com/office/powerpoint/2012/main" matchingName="Caption">
+<p:sldLayout xmlns:a="http://schemas.openxmlformats.org/drawingml/2006/main" xmlns:r="http://schemas.openxmlformats.org/officeDocument/2006/relationships" xmlns:p="http://schemas.openxmlformats.org/presentationml/2006/main" matchingName="Caption">
   <p:cSld name="CAPTION_ONLY">
     <p:spTree>
       <p:nvGrpSpPr>
@@ -5912,7 +5846,7 @@
           <p:nvPr/>
         </p:nvSpPr>
         <p:spPr>
-          <a:xfrm flipH="1" rot="10800000">
+          <a:xfrm rot="10800000" flipH="1">
             <a:off x="0" y="0"/>
             <a:ext cx="9144000" cy="4695900"/>
           </a:xfrm>
@@ -5927,12 +5861,12 @@
           </a:ln>
         </p:spPr>
         <p:txBody>
-          <a:bodyPr anchorCtr="0" anchor="ctr" bIns="91425" lIns="91425" spcFirstLastPara="1" rIns="91425" wrap="square" tIns="91425">
+          <a:bodyPr spcFirstLastPara="1" wrap="square" lIns="91425" tIns="91425" rIns="91425" bIns="91425" anchor="ctr" anchorCtr="0">
             <a:noAutofit/>
           </a:bodyPr>
           <a:lstStyle/>
           <a:p>
-            <a:pPr indent="0" lvl="0" marL="0" rtl="0" algn="l">
+            <a:pPr marL="0" lvl="0" indent="0" algn="l" rtl="0">
               <a:spcBef>
                 <a:spcPts val="0"/>
               </a:spcBef>
@@ -5941,10 +5875,6 @@
               </a:spcAft>
               <a:buNone/>
             </a:pPr>
-            <a:r>
-              <a:t/>
-            </a:r>
-            <a:endParaRPr/>
           </a:p>
         </p:txBody>
       </p:sp>
@@ -5955,7 +5885,7 @@
           <p:nvPr/>
         </p:nvSpPr>
         <p:spPr>
-          <a:xfrm flipH="1" rot="10800000">
+          <a:xfrm rot="10800000" flipH="1">
             <a:off x="0" y="4622725"/>
             <a:ext cx="9144000" cy="74100"/>
           </a:xfrm>
@@ -5984,12 +5914,12 @@
           </a:ln>
         </p:spPr>
         <p:txBody>
-          <a:bodyPr anchorCtr="0" anchor="ctr" bIns="91425" lIns="91425" spcFirstLastPara="1" rIns="91425" wrap="square" tIns="91425">
+          <a:bodyPr spcFirstLastPara="1" wrap="square" lIns="91425" tIns="91425" rIns="91425" bIns="91425" anchor="ctr" anchorCtr="0">
             <a:noAutofit/>
           </a:bodyPr>
           <a:lstStyle/>
           <a:p>
-            <a:pPr indent="0" lvl="0" marL="0" rtl="0" algn="l">
+            <a:pPr marL="0" lvl="0" indent="0" algn="l" rtl="0">
               <a:spcBef>
                 <a:spcPts val="0"/>
               </a:spcBef>
@@ -5998,10 +5928,6 @@
               </a:spcAft>
               <a:buNone/>
             </a:pPr>
-            <a:r>
-              <a:t/>
-            </a:r>
-            <a:endParaRPr/>
           </a:p>
         </p:txBody>
       </p:sp>
@@ -6010,7 +5936,7 @@
           <p:cNvPr id="55" name="Google Shape;55;p10"/>
           <p:cNvSpPr txBox="1"/>
           <p:nvPr>
-            <p:ph idx="1" type="body"/>
+            <p:ph type="body" idx="1"/>
           </p:nvPr>
         </p:nvSpPr>
         <p:spPr>
@@ -6023,9 +5949,9 @@
           </a:prstGeom>
         </p:spPr>
         <p:txBody>
-          <a:bodyPr anchorCtr="0" anchor="ctr" bIns="91425" lIns="91425" spcFirstLastPara="1" rIns="91425" wrap="square" tIns="91425"/>
+          <a:bodyPr spcFirstLastPara="1" wrap="square" lIns="91425" tIns="91425" rIns="91425" bIns="91425" anchor="ctr" anchorCtr="0"/>
           <a:lstStyle>
-            <a:lvl1pPr indent="-228600" lvl="0" marL="457200">
+            <a:lvl1pPr marL="457200" lvl="0" indent="-228600">
               <a:lnSpc>
                 <a:spcPct val="100000"/>
               </a:lnSpc>
@@ -6055,7 +5981,7 @@
           <p:cNvPr id="56" name="Google Shape;56;p10"/>
           <p:cNvSpPr txBox="1"/>
           <p:nvPr>
-            <p:ph idx="12" type="sldNum"/>
+            <p:ph type="sldNum" idx="12"/>
           </p:nvPr>
         </p:nvSpPr>
         <p:spPr>
@@ -6068,7 +5994,7 @@
           </a:prstGeom>
         </p:spPr>
         <p:txBody>
-          <a:bodyPr anchorCtr="0" anchor="ctr" bIns="91425" lIns="91425" spcFirstLastPara="1" rIns="91425" wrap="square" tIns="91425">
+          <a:bodyPr spcFirstLastPara="1" wrap="square" lIns="91425" tIns="91425" rIns="91425" bIns="91425" anchor="ctr" anchorCtr="0">
             <a:noAutofit/>
           </a:bodyPr>
           <a:lstStyle>
@@ -6146,7 +6072,7 @@
             </a:lvl9pPr>
           </a:lstStyle>
           <a:p>
-            <a:pPr indent="0" lvl="0" marL="0" rtl="0" algn="r">
+            <a:pPr marL="0" lvl="0" indent="0" algn="r" rtl="0">
               <a:spcBef>
                 <a:spcPts val="0"/>
               </a:spcBef>
@@ -6156,10 +6082,9 @@
               <a:buNone/>
             </a:pPr>
             <a:fld id="{00000000-1234-1234-1234-123412341234}" type="slidenum">
-              <a:rPr lang="en"/>
-              <a:t>‹#›</a:t>
+              <a:rPr lang="en-GB"/>
             </a:fld>
-            <a:endParaRPr/>
+            <a:endParaRPr lang="en-GB"/>
           </a:p>
         </p:txBody>
       </p:sp>
@@ -6172,13 +6097,14 @@
 </file>
 
 <file path=ppt/slideMasters/slideMaster1.xml><?xml version="1.0" encoding="utf-8"?>
-<p:sldMaster xmlns:a="http://schemas.openxmlformats.org/drawingml/2006/main" xmlns:r="http://schemas.openxmlformats.org/officeDocument/2006/relationships" xmlns:mc="http://schemas.openxmlformats.org/markup-compatibility/2006" xmlns:mv="urn:schemas-microsoft-com:mac:vml" xmlns:p="http://schemas.openxmlformats.org/presentationml/2006/main" xmlns:c="http://schemas.openxmlformats.org/drawingml/2006/chart" xmlns:dgm="http://schemas.openxmlformats.org/drawingml/2006/diagram" xmlns:o="urn:schemas-microsoft-com:office:office" xmlns:v="urn:schemas-microsoft-com:vml" xmlns:pvml="urn:schemas-microsoft-com:office:powerpoint" xmlns:com="http://schemas.openxmlformats.org/drawingml/2006/compatibility" xmlns:p14="http://schemas.microsoft.com/office/powerpoint/2010/main" xmlns:p15="http://schemas.microsoft.com/office/powerpoint/2012/main">
-  <p:cSld name="material">
+<p:sldMaster xmlns:a="http://schemas.openxmlformats.org/drawingml/2006/main" xmlns:r="http://schemas.openxmlformats.org/officeDocument/2006/relationships" xmlns:p="http://schemas.openxmlformats.org/presentationml/2006/main">
+  <p:cSld>
     <p:bg>
       <p:bgPr>
         <a:solidFill>
           <a:schemeClr val="dk1"/>
         </a:solidFill>
+        <a:effectLst/>
       </p:bgPr>
     </p:bg>
     <p:spTree>
@@ -6217,7 +6143,7 @@
           </a:ln>
         </p:spPr>
         <p:txBody>
-          <a:bodyPr anchorCtr="0" anchor="b" bIns="91425" lIns="91425" spcFirstLastPara="1" rIns="91425" wrap="square" tIns="91425"/>
+          <a:bodyPr spcFirstLastPara="1" wrap="square" lIns="91425" tIns="91425" rIns="91425" bIns="91425" anchor="b" anchorCtr="0"/>
           <a:lstStyle>
             <a:lvl1pPr lvl="0">
               <a:spcBef>
@@ -6230,16 +6156,16 @@
                 <a:schemeClr val="lt1"/>
               </a:buClr>
               <a:buSzPts val="3200"/>
-              <a:buFont typeface="Roboto"/>
+              <a:buFont typeface="Roboto" panose="02000000000000000000"/>
               <a:buNone/>
               <a:defRPr sz="3200">
                 <a:solidFill>
                   <a:schemeClr val="lt1"/>
                 </a:solidFill>
-                <a:latin typeface="Roboto"/>
-                <a:ea typeface="Roboto"/>
-                <a:cs typeface="Roboto"/>
-                <a:sym typeface="Roboto"/>
+                <a:latin typeface="Roboto" panose="02000000000000000000"/>
+                <a:ea typeface="Roboto" panose="02000000000000000000"/>
+                <a:cs typeface="Roboto" panose="02000000000000000000"/>
+                <a:sym typeface="Roboto" panose="02000000000000000000"/>
               </a:defRPr>
             </a:lvl1pPr>
             <a:lvl2pPr lvl="1">
@@ -6253,16 +6179,16 @@
                 <a:schemeClr val="lt1"/>
               </a:buClr>
               <a:buSzPts val="3200"/>
-              <a:buFont typeface="Roboto"/>
+              <a:buFont typeface="Roboto" panose="02000000000000000000"/>
               <a:buNone/>
               <a:defRPr sz="3200">
                 <a:solidFill>
                   <a:schemeClr val="lt1"/>
                 </a:solidFill>
-                <a:latin typeface="Roboto"/>
-                <a:ea typeface="Roboto"/>
-                <a:cs typeface="Roboto"/>
-                <a:sym typeface="Roboto"/>
+                <a:latin typeface="Roboto" panose="02000000000000000000"/>
+                <a:ea typeface="Roboto" panose="02000000000000000000"/>
+                <a:cs typeface="Roboto" panose="02000000000000000000"/>
+                <a:sym typeface="Roboto" panose="02000000000000000000"/>
               </a:defRPr>
             </a:lvl2pPr>
             <a:lvl3pPr lvl="2">
@@ -6276,16 +6202,16 @@
                 <a:schemeClr val="lt1"/>
               </a:buClr>
               <a:buSzPts val="3200"/>
-              <a:buFont typeface="Roboto"/>
+              <a:buFont typeface="Roboto" panose="02000000000000000000"/>
               <a:buNone/>
               <a:defRPr sz="3200">
                 <a:solidFill>
                   <a:schemeClr val="lt1"/>
                 </a:solidFill>
-                <a:latin typeface="Roboto"/>
-                <a:ea typeface="Roboto"/>
-                <a:cs typeface="Roboto"/>
-                <a:sym typeface="Roboto"/>
+                <a:latin typeface="Roboto" panose="02000000000000000000"/>
+                <a:ea typeface="Roboto" panose="02000000000000000000"/>
+                <a:cs typeface="Roboto" panose="02000000000000000000"/>
+                <a:sym typeface="Roboto" panose="02000000000000000000"/>
               </a:defRPr>
             </a:lvl3pPr>
             <a:lvl4pPr lvl="3">
@@ -6299,16 +6225,16 @@
                 <a:schemeClr val="lt1"/>
               </a:buClr>
               <a:buSzPts val="3200"/>
-              <a:buFont typeface="Roboto"/>
+              <a:buFont typeface="Roboto" panose="02000000000000000000"/>
               <a:buNone/>
               <a:defRPr sz="3200">
                 <a:solidFill>
                   <a:schemeClr val="lt1"/>
                 </a:solidFill>
-                <a:latin typeface="Roboto"/>
-                <a:ea typeface="Roboto"/>
-                <a:cs typeface="Roboto"/>
-                <a:sym typeface="Roboto"/>
+                <a:latin typeface="Roboto" panose="02000000000000000000"/>
+                <a:ea typeface="Roboto" panose="02000000000000000000"/>
+                <a:cs typeface="Roboto" panose="02000000000000000000"/>
+                <a:sym typeface="Roboto" panose="02000000000000000000"/>
               </a:defRPr>
             </a:lvl4pPr>
             <a:lvl5pPr lvl="4">
@@ -6322,16 +6248,16 @@
                 <a:schemeClr val="lt1"/>
               </a:buClr>
               <a:buSzPts val="3200"/>
-              <a:buFont typeface="Roboto"/>
+              <a:buFont typeface="Roboto" panose="02000000000000000000"/>
               <a:buNone/>
               <a:defRPr sz="3200">
                 <a:solidFill>
                   <a:schemeClr val="lt1"/>
                 </a:solidFill>
-                <a:latin typeface="Roboto"/>
-                <a:ea typeface="Roboto"/>
-                <a:cs typeface="Roboto"/>
-                <a:sym typeface="Roboto"/>
+                <a:latin typeface="Roboto" panose="02000000000000000000"/>
+                <a:ea typeface="Roboto" panose="02000000000000000000"/>
+                <a:cs typeface="Roboto" panose="02000000000000000000"/>
+                <a:sym typeface="Roboto" panose="02000000000000000000"/>
               </a:defRPr>
             </a:lvl5pPr>
             <a:lvl6pPr lvl="5">
@@ -6345,16 +6271,16 @@
                 <a:schemeClr val="lt1"/>
               </a:buClr>
               <a:buSzPts val="3200"/>
-              <a:buFont typeface="Roboto"/>
+              <a:buFont typeface="Roboto" panose="02000000000000000000"/>
               <a:buNone/>
               <a:defRPr sz="3200">
                 <a:solidFill>
                   <a:schemeClr val="lt1"/>
                 </a:solidFill>
-                <a:latin typeface="Roboto"/>
-                <a:ea typeface="Roboto"/>
-                <a:cs typeface="Roboto"/>
-                <a:sym typeface="Roboto"/>
+                <a:latin typeface="Roboto" panose="02000000000000000000"/>
+                <a:ea typeface="Roboto" panose="02000000000000000000"/>
+                <a:cs typeface="Roboto" panose="02000000000000000000"/>
+                <a:sym typeface="Roboto" panose="02000000000000000000"/>
               </a:defRPr>
             </a:lvl6pPr>
             <a:lvl7pPr lvl="6">
@@ -6368,16 +6294,16 @@
                 <a:schemeClr val="lt1"/>
               </a:buClr>
               <a:buSzPts val="3200"/>
-              <a:buFont typeface="Roboto"/>
+              <a:buFont typeface="Roboto" panose="02000000000000000000"/>
               <a:buNone/>
               <a:defRPr sz="3200">
                 <a:solidFill>
                   <a:schemeClr val="lt1"/>
                 </a:solidFill>
-                <a:latin typeface="Roboto"/>
-                <a:ea typeface="Roboto"/>
-                <a:cs typeface="Roboto"/>
-                <a:sym typeface="Roboto"/>
+                <a:latin typeface="Roboto" panose="02000000000000000000"/>
+                <a:ea typeface="Roboto" panose="02000000000000000000"/>
+                <a:cs typeface="Roboto" panose="02000000000000000000"/>
+                <a:sym typeface="Roboto" panose="02000000000000000000"/>
               </a:defRPr>
             </a:lvl7pPr>
             <a:lvl8pPr lvl="7">
@@ -6391,16 +6317,16 @@
                 <a:schemeClr val="lt1"/>
               </a:buClr>
               <a:buSzPts val="3200"/>
-              <a:buFont typeface="Roboto"/>
+              <a:buFont typeface="Roboto" panose="02000000000000000000"/>
               <a:buNone/>
               <a:defRPr sz="3200">
                 <a:solidFill>
                   <a:schemeClr val="lt1"/>
                 </a:solidFill>
-                <a:latin typeface="Roboto"/>
-                <a:ea typeface="Roboto"/>
-                <a:cs typeface="Roboto"/>
-                <a:sym typeface="Roboto"/>
+                <a:latin typeface="Roboto" panose="02000000000000000000"/>
+                <a:ea typeface="Roboto" panose="02000000000000000000"/>
+                <a:cs typeface="Roboto" panose="02000000000000000000"/>
+                <a:sym typeface="Roboto" panose="02000000000000000000"/>
               </a:defRPr>
             </a:lvl8pPr>
             <a:lvl9pPr lvl="8">
@@ -6414,16 +6340,16 @@
                 <a:schemeClr val="lt1"/>
               </a:buClr>
               <a:buSzPts val="3200"/>
-              <a:buFont typeface="Roboto"/>
+              <a:buFont typeface="Roboto" panose="02000000000000000000"/>
               <a:buNone/>
               <a:defRPr sz="3200">
                 <a:solidFill>
                   <a:schemeClr val="lt1"/>
                 </a:solidFill>
-                <a:latin typeface="Roboto"/>
-                <a:ea typeface="Roboto"/>
-                <a:cs typeface="Roboto"/>
-                <a:sym typeface="Roboto"/>
+                <a:latin typeface="Roboto" panose="02000000000000000000"/>
+                <a:ea typeface="Roboto" panose="02000000000000000000"/>
+                <a:cs typeface="Roboto" panose="02000000000000000000"/>
+                <a:sym typeface="Roboto" panose="02000000000000000000"/>
               </a:defRPr>
             </a:lvl9pPr>
           </a:lstStyle>
@@ -6435,7 +6361,7 @@
           <p:cNvPr id="7" name="Google Shape;7;p1"/>
           <p:cNvSpPr txBox="1"/>
           <p:nvPr>
-            <p:ph idx="1" type="body"/>
+            <p:ph type="body" idx="1"/>
           </p:nvPr>
         </p:nvSpPr>
         <p:spPr>
@@ -6452,9 +6378,9 @@
           </a:ln>
         </p:spPr>
         <p:txBody>
-          <a:bodyPr anchorCtr="0" anchor="t" bIns="91425" lIns="91425" spcFirstLastPara="1" rIns="91425" wrap="square" tIns="91425"/>
+          <a:bodyPr spcFirstLastPara="1" wrap="square" lIns="91425" tIns="91425" rIns="91425" bIns="91425" anchor="t" anchorCtr="0"/>
           <a:lstStyle>
-            <a:lvl1pPr indent="-342900" lvl="0" marL="457200">
+            <a:lvl1pPr marL="457200" lvl="0" indent="-342900">
               <a:lnSpc>
                 <a:spcPct val="115000"/>
               </a:lnSpc>
@@ -6468,19 +6394,19 @@
                 <a:schemeClr val="lt2"/>
               </a:buClr>
               <a:buSzPts val="1800"/>
-              <a:buFont typeface="Roboto"/>
+              <a:buFont typeface="Roboto" panose="02000000000000000000"/>
               <a:buChar char="●"/>
               <a:defRPr sz="1800">
                 <a:solidFill>
                   <a:schemeClr val="lt2"/>
                 </a:solidFill>
-                <a:latin typeface="Roboto"/>
-                <a:ea typeface="Roboto"/>
-                <a:cs typeface="Roboto"/>
-                <a:sym typeface="Roboto"/>
+                <a:latin typeface="Roboto" panose="02000000000000000000"/>
+                <a:ea typeface="Roboto" panose="02000000000000000000"/>
+                <a:cs typeface="Roboto" panose="02000000000000000000"/>
+                <a:sym typeface="Roboto" panose="02000000000000000000"/>
               </a:defRPr>
             </a:lvl1pPr>
-            <a:lvl2pPr indent="-317500" lvl="1" marL="914400">
+            <a:lvl2pPr marL="914400" lvl="1" indent="-317500">
               <a:lnSpc>
                 <a:spcPct val="115000"/>
               </a:lnSpc>
@@ -6494,19 +6420,19 @@
                 <a:schemeClr val="lt2"/>
               </a:buClr>
               <a:buSzPts val="1400"/>
-              <a:buFont typeface="Roboto"/>
+              <a:buFont typeface="Roboto" panose="02000000000000000000"/>
               <a:buChar char="○"/>
               <a:defRPr>
                 <a:solidFill>
                   <a:schemeClr val="lt2"/>
                 </a:solidFill>
-                <a:latin typeface="Roboto"/>
-                <a:ea typeface="Roboto"/>
-                <a:cs typeface="Roboto"/>
-                <a:sym typeface="Roboto"/>
+                <a:latin typeface="Roboto" panose="02000000000000000000"/>
+                <a:ea typeface="Roboto" panose="02000000000000000000"/>
+                <a:cs typeface="Roboto" panose="02000000000000000000"/>
+                <a:sym typeface="Roboto" panose="02000000000000000000"/>
               </a:defRPr>
             </a:lvl2pPr>
-            <a:lvl3pPr indent="-317500" lvl="2" marL="1371600">
+            <a:lvl3pPr marL="1371600" lvl="2" indent="-317500">
               <a:lnSpc>
                 <a:spcPct val="115000"/>
               </a:lnSpc>
@@ -6520,19 +6446,19 @@
                 <a:schemeClr val="lt2"/>
               </a:buClr>
               <a:buSzPts val="1400"/>
-              <a:buFont typeface="Roboto"/>
+              <a:buFont typeface="Roboto" panose="02000000000000000000"/>
               <a:buChar char="■"/>
               <a:defRPr>
                 <a:solidFill>
                   <a:schemeClr val="lt2"/>
                 </a:solidFill>
-                <a:latin typeface="Roboto"/>
-                <a:ea typeface="Roboto"/>
-                <a:cs typeface="Roboto"/>
-                <a:sym typeface="Roboto"/>
+                <a:latin typeface="Roboto" panose="02000000000000000000"/>
+                <a:ea typeface="Roboto" panose="02000000000000000000"/>
+                <a:cs typeface="Roboto" panose="02000000000000000000"/>
+                <a:sym typeface="Roboto" panose="02000000000000000000"/>
               </a:defRPr>
             </a:lvl3pPr>
-            <a:lvl4pPr indent="-317500" lvl="3" marL="1828800">
+            <a:lvl4pPr marL="1828800" lvl="3" indent="-317500">
               <a:lnSpc>
                 <a:spcPct val="115000"/>
               </a:lnSpc>
@@ -6546,19 +6472,19 @@
                 <a:schemeClr val="lt2"/>
               </a:buClr>
               <a:buSzPts val="1400"/>
-              <a:buFont typeface="Roboto"/>
+              <a:buFont typeface="Roboto" panose="02000000000000000000"/>
               <a:buChar char="●"/>
               <a:defRPr>
                 <a:solidFill>
                   <a:schemeClr val="lt2"/>
                 </a:solidFill>
-                <a:latin typeface="Roboto"/>
-                <a:ea typeface="Roboto"/>
-                <a:cs typeface="Roboto"/>
-                <a:sym typeface="Roboto"/>
+                <a:latin typeface="Roboto" panose="02000000000000000000"/>
+                <a:ea typeface="Roboto" panose="02000000000000000000"/>
+                <a:cs typeface="Roboto" panose="02000000000000000000"/>
+                <a:sym typeface="Roboto" panose="02000000000000000000"/>
               </a:defRPr>
             </a:lvl4pPr>
-            <a:lvl5pPr indent="-317500" lvl="4" marL="2286000">
+            <a:lvl5pPr marL="2286000" lvl="4" indent="-317500">
               <a:lnSpc>
                 <a:spcPct val="115000"/>
               </a:lnSpc>
@@ -6572,19 +6498,19 @@
                 <a:schemeClr val="lt2"/>
               </a:buClr>
               <a:buSzPts val="1400"/>
-              <a:buFont typeface="Roboto"/>
+              <a:buFont typeface="Roboto" panose="02000000000000000000"/>
               <a:buChar char="○"/>
               <a:defRPr>
                 <a:solidFill>
                   <a:schemeClr val="lt2"/>
                 </a:solidFill>
-                <a:latin typeface="Roboto"/>
-                <a:ea typeface="Roboto"/>
-                <a:cs typeface="Roboto"/>
-                <a:sym typeface="Roboto"/>
+                <a:latin typeface="Roboto" panose="02000000000000000000"/>
+                <a:ea typeface="Roboto" panose="02000000000000000000"/>
+                <a:cs typeface="Roboto" panose="02000000000000000000"/>
+                <a:sym typeface="Roboto" panose="02000000000000000000"/>
               </a:defRPr>
             </a:lvl5pPr>
-            <a:lvl6pPr indent="-317500" lvl="5" marL="2743200">
+            <a:lvl6pPr marL="2743200" lvl="5" indent="-317500">
               <a:lnSpc>
                 <a:spcPct val="115000"/>
               </a:lnSpc>
@@ -6598,19 +6524,19 @@
                 <a:schemeClr val="lt2"/>
               </a:buClr>
               <a:buSzPts val="1400"/>
-              <a:buFont typeface="Roboto"/>
+              <a:buFont typeface="Roboto" panose="02000000000000000000"/>
               <a:buChar char="■"/>
               <a:defRPr>
                 <a:solidFill>
                   <a:schemeClr val="lt2"/>
                 </a:solidFill>
-                <a:latin typeface="Roboto"/>
-                <a:ea typeface="Roboto"/>
-                <a:cs typeface="Roboto"/>
-                <a:sym typeface="Roboto"/>
+                <a:latin typeface="Roboto" panose="02000000000000000000"/>
+                <a:ea typeface="Roboto" panose="02000000000000000000"/>
+                <a:cs typeface="Roboto" panose="02000000000000000000"/>
+                <a:sym typeface="Roboto" panose="02000000000000000000"/>
               </a:defRPr>
             </a:lvl6pPr>
-            <a:lvl7pPr indent="-317500" lvl="6" marL="3200400">
+            <a:lvl7pPr marL="3200400" lvl="6" indent="-317500">
               <a:lnSpc>
                 <a:spcPct val="115000"/>
               </a:lnSpc>
@@ -6624,19 +6550,19 @@
                 <a:schemeClr val="lt2"/>
               </a:buClr>
               <a:buSzPts val="1400"/>
-              <a:buFont typeface="Roboto"/>
+              <a:buFont typeface="Roboto" panose="02000000000000000000"/>
               <a:buChar char="●"/>
               <a:defRPr>
                 <a:solidFill>
                   <a:schemeClr val="lt2"/>
                 </a:solidFill>
-                <a:latin typeface="Roboto"/>
-                <a:ea typeface="Roboto"/>
-                <a:cs typeface="Roboto"/>
-                <a:sym typeface="Roboto"/>
+                <a:latin typeface="Roboto" panose="02000000000000000000"/>
+                <a:ea typeface="Roboto" panose="02000000000000000000"/>
+                <a:cs typeface="Roboto" panose="02000000000000000000"/>
+                <a:sym typeface="Roboto" panose="02000000000000000000"/>
               </a:defRPr>
             </a:lvl7pPr>
-            <a:lvl8pPr indent="-317500" lvl="7" marL="3657600">
+            <a:lvl8pPr marL="3657600" lvl="7" indent="-317500">
               <a:lnSpc>
                 <a:spcPct val="115000"/>
               </a:lnSpc>
@@ -6650,19 +6576,19 @@
                 <a:schemeClr val="lt2"/>
               </a:buClr>
               <a:buSzPts val="1400"/>
-              <a:buFont typeface="Roboto"/>
+              <a:buFont typeface="Roboto" panose="02000000000000000000"/>
               <a:buChar char="○"/>
               <a:defRPr>
                 <a:solidFill>
                   <a:schemeClr val="lt2"/>
                 </a:solidFill>
-                <a:latin typeface="Roboto"/>
-                <a:ea typeface="Roboto"/>
-                <a:cs typeface="Roboto"/>
-                <a:sym typeface="Roboto"/>
+                <a:latin typeface="Roboto" panose="02000000000000000000"/>
+                <a:ea typeface="Roboto" panose="02000000000000000000"/>
+                <a:cs typeface="Roboto" panose="02000000000000000000"/>
+                <a:sym typeface="Roboto" panose="02000000000000000000"/>
               </a:defRPr>
             </a:lvl8pPr>
-            <a:lvl9pPr indent="-317500" lvl="8" marL="4114800">
+            <a:lvl9pPr marL="4114800" lvl="8" indent="-317500">
               <a:lnSpc>
                 <a:spcPct val="115000"/>
               </a:lnSpc>
@@ -6676,16 +6602,16 @@
                 <a:schemeClr val="lt2"/>
               </a:buClr>
               <a:buSzPts val="1400"/>
-              <a:buFont typeface="Roboto"/>
+              <a:buFont typeface="Roboto" panose="02000000000000000000"/>
               <a:buChar char="■"/>
               <a:defRPr>
                 <a:solidFill>
                   <a:schemeClr val="lt2"/>
                 </a:solidFill>
-                <a:latin typeface="Roboto"/>
-                <a:ea typeface="Roboto"/>
-                <a:cs typeface="Roboto"/>
-                <a:sym typeface="Roboto"/>
+                <a:latin typeface="Roboto" panose="02000000000000000000"/>
+                <a:ea typeface="Roboto" panose="02000000000000000000"/>
+                <a:cs typeface="Roboto" panose="02000000000000000000"/>
+                <a:sym typeface="Roboto" panose="02000000000000000000"/>
               </a:defRPr>
             </a:lvl9pPr>
           </a:lstStyle>
@@ -6697,7 +6623,7 @@
           <p:cNvPr id="8" name="Google Shape;8;p1"/>
           <p:cNvSpPr txBox="1"/>
           <p:nvPr>
-            <p:ph idx="12" type="sldNum"/>
+            <p:ph type="sldNum" idx="12"/>
           </p:nvPr>
         </p:nvSpPr>
         <p:spPr>
@@ -6714,7 +6640,7 @@
           </a:ln>
         </p:spPr>
         <p:txBody>
-          <a:bodyPr anchorCtr="0" anchor="ctr" bIns="91425" lIns="91425" spcFirstLastPara="1" rIns="91425" wrap="square" tIns="91425">
+          <a:bodyPr spcFirstLastPara="1" wrap="square" lIns="91425" tIns="91425" rIns="91425" bIns="91425" anchor="ctr" anchorCtr="0">
             <a:noAutofit/>
           </a:bodyPr>
           <a:lstStyle>
@@ -6724,10 +6650,10 @@
                 <a:solidFill>
                   <a:schemeClr val="lt2"/>
                 </a:solidFill>
-                <a:latin typeface="Roboto"/>
-                <a:ea typeface="Roboto"/>
-                <a:cs typeface="Roboto"/>
-                <a:sym typeface="Roboto"/>
+                <a:latin typeface="Roboto" panose="02000000000000000000"/>
+                <a:ea typeface="Roboto" panose="02000000000000000000"/>
+                <a:cs typeface="Roboto" panose="02000000000000000000"/>
+                <a:sym typeface="Roboto" panose="02000000000000000000"/>
               </a:defRPr>
             </a:lvl1pPr>
             <a:lvl2pPr lvl="1" algn="r">
@@ -6736,10 +6662,10 @@
                 <a:solidFill>
                   <a:schemeClr val="lt2"/>
                 </a:solidFill>
-                <a:latin typeface="Roboto"/>
-                <a:ea typeface="Roboto"/>
-                <a:cs typeface="Roboto"/>
-                <a:sym typeface="Roboto"/>
+                <a:latin typeface="Roboto" panose="02000000000000000000"/>
+                <a:ea typeface="Roboto" panose="02000000000000000000"/>
+                <a:cs typeface="Roboto" panose="02000000000000000000"/>
+                <a:sym typeface="Roboto" panose="02000000000000000000"/>
               </a:defRPr>
             </a:lvl2pPr>
             <a:lvl3pPr lvl="2" algn="r">
@@ -6748,10 +6674,10 @@
                 <a:solidFill>
                   <a:schemeClr val="lt2"/>
                 </a:solidFill>
-                <a:latin typeface="Roboto"/>
-                <a:ea typeface="Roboto"/>
-                <a:cs typeface="Roboto"/>
-                <a:sym typeface="Roboto"/>
+                <a:latin typeface="Roboto" panose="02000000000000000000"/>
+                <a:ea typeface="Roboto" panose="02000000000000000000"/>
+                <a:cs typeface="Roboto" panose="02000000000000000000"/>
+                <a:sym typeface="Roboto" panose="02000000000000000000"/>
               </a:defRPr>
             </a:lvl3pPr>
             <a:lvl4pPr lvl="3" algn="r">
@@ -6760,10 +6686,10 @@
                 <a:solidFill>
                   <a:schemeClr val="lt2"/>
                 </a:solidFill>
-                <a:latin typeface="Roboto"/>
-                <a:ea typeface="Roboto"/>
-                <a:cs typeface="Roboto"/>
-                <a:sym typeface="Roboto"/>
+                <a:latin typeface="Roboto" panose="02000000000000000000"/>
+                <a:ea typeface="Roboto" panose="02000000000000000000"/>
+                <a:cs typeface="Roboto" panose="02000000000000000000"/>
+                <a:sym typeface="Roboto" panose="02000000000000000000"/>
               </a:defRPr>
             </a:lvl4pPr>
             <a:lvl5pPr lvl="4" algn="r">
@@ -6772,10 +6698,10 @@
                 <a:solidFill>
                   <a:schemeClr val="lt2"/>
                 </a:solidFill>
-                <a:latin typeface="Roboto"/>
-                <a:ea typeface="Roboto"/>
-                <a:cs typeface="Roboto"/>
-                <a:sym typeface="Roboto"/>
+                <a:latin typeface="Roboto" panose="02000000000000000000"/>
+                <a:ea typeface="Roboto" panose="02000000000000000000"/>
+                <a:cs typeface="Roboto" panose="02000000000000000000"/>
+                <a:sym typeface="Roboto" panose="02000000000000000000"/>
               </a:defRPr>
             </a:lvl5pPr>
             <a:lvl6pPr lvl="5" algn="r">
@@ -6784,10 +6710,10 @@
                 <a:solidFill>
                   <a:schemeClr val="lt2"/>
                 </a:solidFill>
-                <a:latin typeface="Roboto"/>
-                <a:ea typeface="Roboto"/>
-                <a:cs typeface="Roboto"/>
-                <a:sym typeface="Roboto"/>
+                <a:latin typeface="Roboto" panose="02000000000000000000"/>
+                <a:ea typeface="Roboto" panose="02000000000000000000"/>
+                <a:cs typeface="Roboto" panose="02000000000000000000"/>
+                <a:sym typeface="Roboto" panose="02000000000000000000"/>
               </a:defRPr>
             </a:lvl6pPr>
             <a:lvl7pPr lvl="6" algn="r">
@@ -6796,10 +6722,10 @@
                 <a:solidFill>
                   <a:schemeClr val="lt2"/>
                 </a:solidFill>
-                <a:latin typeface="Roboto"/>
-                <a:ea typeface="Roboto"/>
-                <a:cs typeface="Roboto"/>
-                <a:sym typeface="Roboto"/>
+                <a:latin typeface="Roboto" panose="02000000000000000000"/>
+                <a:ea typeface="Roboto" panose="02000000000000000000"/>
+                <a:cs typeface="Roboto" panose="02000000000000000000"/>
+                <a:sym typeface="Roboto" panose="02000000000000000000"/>
               </a:defRPr>
             </a:lvl7pPr>
             <a:lvl8pPr lvl="7" algn="r">
@@ -6808,10 +6734,10 @@
                 <a:solidFill>
                   <a:schemeClr val="lt2"/>
                 </a:solidFill>
-                <a:latin typeface="Roboto"/>
-                <a:ea typeface="Roboto"/>
-                <a:cs typeface="Roboto"/>
-                <a:sym typeface="Roboto"/>
+                <a:latin typeface="Roboto" panose="02000000000000000000"/>
+                <a:ea typeface="Roboto" panose="02000000000000000000"/>
+                <a:cs typeface="Roboto" panose="02000000000000000000"/>
+                <a:sym typeface="Roboto" panose="02000000000000000000"/>
               </a:defRPr>
             </a:lvl8pPr>
             <a:lvl9pPr lvl="8" algn="r">
@@ -6820,15 +6746,15 @@
                 <a:solidFill>
                   <a:schemeClr val="lt2"/>
                 </a:solidFill>
-                <a:latin typeface="Roboto"/>
-                <a:ea typeface="Roboto"/>
-                <a:cs typeface="Roboto"/>
-                <a:sym typeface="Roboto"/>
+                <a:latin typeface="Roboto" panose="02000000000000000000"/>
+                <a:ea typeface="Roboto" panose="02000000000000000000"/>
+                <a:cs typeface="Roboto" panose="02000000000000000000"/>
+                <a:sym typeface="Roboto" panose="02000000000000000000"/>
               </a:defRPr>
             </a:lvl9pPr>
           </a:lstStyle>
           <a:p>
-            <a:pPr indent="0" lvl="0" marL="0" rtl="0" algn="r">
+            <a:pPr marL="0" lvl="0" indent="0" algn="r" rtl="0">
               <a:spcBef>
                 <a:spcPts val="0"/>
               </a:spcBef>
@@ -6838,33 +6764,32 @@
               <a:buNone/>
             </a:pPr>
             <a:fld id="{00000000-1234-1234-1234-123412341234}" type="slidenum">
-              <a:rPr lang="en"/>
-              <a:t>‹#›</a:t>
+              <a:rPr lang="en-GB"/>
             </a:fld>
-            <a:endParaRPr/>
+            <a:endParaRPr lang="en-GB"/>
           </a:p>
         </p:txBody>
       </p:sp>
     </p:spTree>
   </p:cSld>
-  <p:clrMap accent1="accent1" accent2="accent2" accent3="accent3" accent4="accent4" accent5="accent5" accent6="accent6" bg1="lt1" bg2="dk2" tx1="dk1" tx2="lt2" folHlink="folHlink" hlink="hlink"/>
+  <p:clrMap bg1="lt1" tx1="dk1" bg2="dk2" tx2="lt2" accent1="accent1" accent2="accent2" accent3="accent3" accent4="accent4" accent5="accent5" accent6="accent6" hlink="hlink" folHlink="folHlink"/>
   <p:sldLayoutIdLst>
-    <p:sldLayoutId id="2147483648" r:id="rId1"/>
-    <p:sldLayoutId id="2147483649" r:id="rId2"/>
-    <p:sldLayoutId id="2147483650" r:id="rId3"/>
-    <p:sldLayoutId id="2147483651" r:id="rId4"/>
-    <p:sldLayoutId id="2147483652" r:id="rId5"/>
-    <p:sldLayoutId id="2147483653" r:id="rId6"/>
-    <p:sldLayoutId id="2147483654" r:id="rId7"/>
-    <p:sldLayoutId id="2147483655" r:id="rId8"/>
-    <p:sldLayoutId id="2147483656" r:id="rId9"/>
-    <p:sldLayoutId id="2147483657" r:id="rId10"/>
-    <p:sldLayoutId id="2147483658" r:id="rId11"/>
+    <p:sldLayoutId id="2147483649" r:id="rId1"/>
+    <p:sldLayoutId id="2147483650" r:id="rId2"/>
+    <p:sldLayoutId id="2147483651" r:id="rId3"/>
+    <p:sldLayoutId id="2147483652" r:id="rId4"/>
+    <p:sldLayoutId id="2147483653" r:id="rId5"/>
+    <p:sldLayoutId id="2147483654" r:id="rId6"/>
+    <p:sldLayoutId id="2147483655" r:id="rId7"/>
+    <p:sldLayoutId id="2147483656" r:id="rId8"/>
+    <p:sldLayoutId id="2147483657" r:id="rId9"/>
+    <p:sldLayoutId id="2147483658" r:id="rId10"/>
+    <p:sldLayoutId id="2147483659" r:id="rId11"/>
   </p:sldLayoutIdLst>
-  <p:hf dt="0" ftr="0" hdr="0" sldNum="0"/>
+  <p:hf sldNum="0" hdr="0" ftr="0" dt="0"/>
   <p:txStyles>
     <p:titleStyle>
-      <a:defPPr lvl="0" marR="0" rtl="0" algn="l">
+      <a:defPPr marR="0" lvl="0" algn="l" rtl="0">
         <a:lnSpc>
           <a:spcPct val="100000"/>
         </a:lnSpc>
@@ -6875,7 +6800,7 @@
           <a:spcPts val="0"/>
         </a:spcAft>
       </a:defPPr>
-      <a:lvl1pPr lvl="0" marR="0" rtl="0" algn="l">
+      <a:lvl1pPr marR="0" lvl="0" algn="l" rtl="0">
         <a:lnSpc>
           <a:spcPct val="100000"/>
         </a:lnSpc>
@@ -6888,18 +6813,18 @@
         <a:buClr>
           <a:srgbClr val="000000"/>
         </a:buClr>
-        <a:buFont typeface="Arial"/>
-        <a:defRPr b="0" i="0" sz="1400" u="none" cap="none" strike="noStrike">
+        <a:buFont typeface="Arial" panose="020B0604020202020204"/>
+        <a:defRPr sz="1400" b="0" i="0" u="none" strike="noStrike" cap="none">
           <a:solidFill>
             <a:srgbClr val="000000"/>
           </a:solidFill>
-          <a:latin typeface="Arial"/>
-          <a:ea typeface="Arial"/>
-          <a:cs typeface="Arial"/>
-          <a:sym typeface="Arial"/>
+          <a:latin typeface="Arial" panose="020B0604020202020204"/>
+          <a:ea typeface="Arial" panose="020B0604020202020204"/>
+          <a:cs typeface="Arial" panose="020B0604020202020204"/>
+          <a:sym typeface="Arial" panose="020B0604020202020204"/>
         </a:defRPr>
       </a:lvl1pPr>
-      <a:lvl2pPr lvl="1" marR="0" rtl="0" algn="l">
+      <a:lvl2pPr marR="0" lvl="1" algn="l" rtl="0">
         <a:lnSpc>
           <a:spcPct val="100000"/>
         </a:lnSpc>
@@ -6912,18 +6837,18 @@
         <a:buClr>
           <a:srgbClr val="000000"/>
         </a:buClr>
-        <a:buFont typeface="Arial"/>
-        <a:defRPr b="0" i="0" sz="1400" u="none" cap="none" strike="noStrike">
+        <a:buFont typeface="Arial" panose="020B0604020202020204"/>
+        <a:defRPr sz="1400" b="0" i="0" u="none" strike="noStrike" cap="none">
           <a:solidFill>
             <a:srgbClr val="000000"/>
           </a:solidFill>
-          <a:latin typeface="Arial"/>
-          <a:ea typeface="Arial"/>
-          <a:cs typeface="Arial"/>
-          <a:sym typeface="Arial"/>
+          <a:latin typeface="Arial" panose="020B0604020202020204"/>
+          <a:ea typeface="Arial" panose="020B0604020202020204"/>
+          <a:cs typeface="Arial" panose="020B0604020202020204"/>
+          <a:sym typeface="Arial" panose="020B0604020202020204"/>
         </a:defRPr>
       </a:lvl2pPr>
-      <a:lvl3pPr lvl="2" marR="0" rtl="0" algn="l">
+      <a:lvl3pPr marR="0" lvl="2" algn="l" rtl="0">
         <a:lnSpc>
           <a:spcPct val="100000"/>
         </a:lnSpc>
@@ -6936,18 +6861,18 @@
         <a:buClr>
           <a:srgbClr val="000000"/>
         </a:buClr>
-        <a:buFont typeface="Arial"/>
-        <a:defRPr b="0" i="0" sz="1400" u="none" cap="none" strike="noStrike">
+        <a:buFont typeface="Arial" panose="020B0604020202020204"/>
+        <a:defRPr sz="1400" b="0" i="0" u="none" strike="noStrike" cap="none">
           <a:solidFill>
             <a:srgbClr val="000000"/>
           </a:solidFill>
-          <a:latin typeface="Arial"/>
-          <a:ea typeface="Arial"/>
-          <a:cs typeface="Arial"/>
-          <a:sym typeface="Arial"/>
+          <a:latin typeface="Arial" panose="020B0604020202020204"/>
+          <a:ea typeface="Arial" panose="020B0604020202020204"/>
+          <a:cs typeface="Arial" panose="020B0604020202020204"/>
+          <a:sym typeface="Arial" panose="020B0604020202020204"/>
         </a:defRPr>
       </a:lvl3pPr>
-      <a:lvl4pPr lvl="3" marR="0" rtl="0" algn="l">
+      <a:lvl4pPr marR="0" lvl="3" algn="l" rtl="0">
         <a:lnSpc>
           <a:spcPct val="100000"/>
         </a:lnSpc>
@@ -6960,18 +6885,18 @@
         <a:buClr>
           <a:srgbClr val="000000"/>
         </a:buClr>
-        <a:buFont typeface="Arial"/>
-        <a:defRPr b="0" i="0" sz="1400" u="none" cap="none" strike="noStrike">
+        <a:buFont typeface="Arial" panose="020B0604020202020204"/>
+        <a:defRPr sz="1400" b="0" i="0" u="none" strike="noStrike" cap="none">
           <a:solidFill>
             <a:srgbClr val="000000"/>
           </a:solidFill>
-          <a:latin typeface="Arial"/>
-          <a:ea typeface="Arial"/>
-          <a:cs typeface="Arial"/>
-          <a:sym typeface="Arial"/>
+          <a:latin typeface="Arial" panose="020B0604020202020204"/>
+          <a:ea typeface="Arial" panose="020B0604020202020204"/>
+          <a:cs typeface="Arial" panose="020B0604020202020204"/>
+          <a:sym typeface="Arial" panose="020B0604020202020204"/>
         </a:defRPr>
       </a:lvl4pPr>
-      <a:lvl5pPr lvl="4" marR="0" rtl="0" algn="l">
+      <a:lvl5pPr marR="0" lvl="4" algn="l" rtl="0">
         <a:lnSpc>
           <a:spcPct val="100000"/>
         </a:lnSpc>
@@ -6984,18 +6909,18 @@
         <a:buClr>
           <a:srgbClr val="000000"/>
         </a:buClr>
-        <a:buFont typeface="Arial"/>
-        <a:defRPr b="0" i="0" sz="1400" u="none" cap="none" strike="noStrike">
+        <a:buFont typeface="Arial" panose="020B0604020202020204"/>
+        <a:defRPr sz="1400" b="0" i="0" u="none" strike="noStrike" cap="none">
           <a:solidFill>
             <a:srgbClr val="000000"/>
           </a:solidFill>
-          <a:latin typeface="Arial"/>
-          <a:ea typeface="Arial"/>
-          <a:cs typeface="Arial"/>
-          <a:sym typeface="Arial"/>
+          <a:latin typeface="Arial" panose="020B0604020202020204"/>
+          <a:ea typeface="Arial" panose="020B0604020202020204"/>
+          <a:cs typeface="Arial" panose="020B0604020202020204"/>
+          <a:sym typeface="Arial" panose="020B0604020202020204"/>
         </a:defRPr>
       </a:lvl5pPr>
-      <a:lvl6pPr lvl="5" marR="0" rtl="0" algn="l">
+      <a:lvl6pPr marR="0" lvl="5" algn="l" rtl="0">
         <a:lnSpc>
           <a:spcPct val="100000"/>
         </a:lnSpc>
@@ -7008,18 +6933,18 @@
         <a:buClr>
           <a:srgbClr val="000000"/>
         </a:buClr>
-        <a:buFont typeface="Arial"/>
-        <a:defRPr b="0" i="0" sz="1400" u="none" cap="none" strike="noStrike">
+        <a:buFont typeface="Arial" panose="020B0604020202020204"/>
+        <a:defRPr sz="1400" b="0" i="0" u="none" strike="noStrike" cap="none">
           <a:solidFill>
             <a:srgbClr val="000000"/>
           </a:solidFill>
-          <a:latin typeface="Arial"/>
-          <a:ea typeface="Arial"/>
-          <a:cs typeface="Arial"/>
-          <a:sym typeface="Arial"/>
+          <a:latin typeface="Arial" panose="020B0604020202020204"/>
+          <a:ea typeface="Arial" panose="020B0604020202020204"/>
+          <a:cs typeface="Arial" panose="020B0604020202020204"/>
+          <a:sym typeface="Arial" panose="020B0604020202020204"/>
         </a:defRPr>
       </a:lvl6pPr>
-      <a:lvl7pPr lvl="6" marR="0" rtl="0" algn="l">
+      <a:lvl7pPr marR="0" lvl="6" algn="l" rtl="0">
         <a:lnSpc>
           <a:spcPct val="100000"/>
         </a:lnSpc>
@@ -7032,18 +6957,18 @@
         <a:buClr>
           <a:srgbClr val="000000"/>
         </a:buClr>
-        <a:buFont typeface="Arial"/>
-        <a:defRPr b="0" i="0" sz="1400" u="none" cap="none" strike="noStrike">
+        <a:buFont typeface="Arial" panose="020B0604020202020204"/>
+        <a:defRPr sz="1400" b="0" i="0" u="none" strike="noStrike" cap="none">
           <a:solidFill>
             <a:srgbClr val="000000"/>
           </a:solidFill>
-          <a:latin typeface="Arial"/>
-          <a:ea typeface="Arial"/>
-          <a:cs typeface="Arial"/>
-          <a:sym typeface="Arial"/>
+          <a:latin typeface="Arial" panose="020B0604020202020204"/>
+          <a:ea typeface="Arial" panose="020B0604020202020204"/>
+          <a:cs typeface="Arial" panose="020B0604020202020204"/>
+          <a:sym typeface="Arial" panose="020B0604020202020204"/>
         </a:defRPr>
       </a:lvl7pPr>
-      <a:lvl8pPr lvl="7" marR="0" rtl="0" algn="l">
+      <a:lvl8pPr marR="0" lvl="7" algn="l" rtl="0">
         <a:lnSpc>
           <a:spcPct val="100000"/>
         </a:lnSpc>
@@ -7056,18 +6981,18 @@
         <a:buClr>
           <a:srgbClr val="000000"/>
         </a:buClr>
-        <a:buFont typeface="Arial"/>
-        <a:defRPr b="0" i="0" sz="1400" u="none" cap="none" strike="noStrike">
+        <a:buFont typeface="Arial" panose="020B0604020202020204"/>
+        <a:defRPr sz="1400" b="0" i="0" u="none" strike="noStrike" cap="none">
           <a:solidFill>
             <a:srgbClr val="000000"/>
           </a:solidFill>
-          <a:latin typeface="Arial"/>
-          <a:ea typeface="Arial"/>
-          <a:cs typeface="Arial"/>
-          <a:sym typeface="Arial"/>
+          <a:latin typeface="Arial" panose="020B0604020202020204"/>
+          <a:ea typeface="Arial" panose="020B0604020202020204"/>
+          <a:cs typeface="Arial" panose="020B0604020202020204"/>
+          <a:sym typeface="Arial" panose="020B0604020202020204"/>
         </a:defRPr>
       </a:lvl8pPr>
-      <a:lvl9pPr lvl="8" marR="0" rtl="0" algn="l">
+      <a:lvl9pPr marR="0" lvl="8" algn="l" rtl="0">
         <a:lnSpc>
           <a:spcPct val="100000"/>
         </a:lnSpc>
@@ -7080,20 +7005,20 @@
         <a:buClr>
           <a:srgbClr val="000000"/>
         </a:buClr>
-        <a:buFont typeface="Arial"/>
-        <a:defRPr b="0" i="0" sz="1400" u="none" cap="none" strike="noStrike">
+        <a:buFont typeface="Arial" panose="020B0604020202020204"/>
+        <a:defRPr sz="1400" b="0" i="0" u="none" strike="noStrike" cap="none">
           <a:solidFill>
             <a:srgbClr val="000000"/>
           </a:solidFill>
-          <a:latin typeface="Arial"/>
-          <a:ea typeface="Arial"/>
-          <a:cs typeface="Arial"/>
-          <a:sym typeface="Arial"/>
+          <a:latin typeface="Arial" panose="020B0604020202020204"/>
+          <a:ea typeface="Arial" panose="020B0604020202020204"/>
+          <a:cs typeface="Arial" panose="020B0604020202020204"/>
+          <a:sym typeface="Arial" panose="020B0604020202020204"/>
         </a:defRPr>
       </a:lvl9pPr>
     </p:titleStyle>
     <p:bodyStyle>
-      <a:defPPr lvl="0" marR="0" rtl="0" algn="l">
+      <a:defPPr marR="0" lvl="0" algn="l" rtl="0">
         <a:lnSpc>
           <a:spcPct val="100000"/>
         </a:lnSpc>
@@ -7104,7 +7029,7 @@
           <a:spcPts val="0"/>
         </a:spcAft>
       </a:defPPr>
-      <a:lvl1pPr lvl="0" marR="0" rtl="0" algn="l">
+      <a:lvl1pPr marR="0" lvl="0" algn="l" rtl="0">
         <a:lnSpc>
           <a:spcPct val="100000"/>
         </a:lnSpc>
@@ -7117,18 +7042,18 @@
         <a:buClr>
           <a:srgbClr val="000000"/>
         </a:buClr>
-        <a:buFont typeface="Arial"/>
-        <a:defRPr b="0" i="0" sz="1400" u="none" cap="none" strike="noStrike">
+        <a:buFont typeface="Arial" panose="020B0604020202020204"/>
+        <a:defRPr sz="1400" b="0" i="0" u="none" strike="noStrike" cap="none">
           <a:solidFill>
             <a:srgbClr val="000000"/>
           </a:solidFill>
-          <a:latin typeface="Arial"/>
-          <a:ea typeface="Arial"/>
-          <a:cs typeface="Arial"/>
-          <a:sym typeface="Arial"/>
+          <a:latin typeface="Arial" panose="020B0604020202020204"/>
+          <a:ea typeface="Arial" panose="020B0604020202020204"/>
+          <a:cs typeface="Arial" panose="020B0604020202020204"/>
+          <a:sym typeface="Arial" panose="020B0604020202020204"/>
         </a:defRPr>
       </a:lvl1pPr>
-      <a:lvl2pPr lvl="1" marR="0" rtl="0" algn="l">
+      <a:lvl2pPr marR="0" lvl="1" algn="l" rtl="0">
         <a:lnSpc>
           <a:spcPct val="100000"/>
         </a:lnSpc>
@@ -7141,18 +7066,18 @@
         <a:buClr>
           <a:srgbClr val="000000"/>
         </a:buClr>
-        <a:buFont typeface="Arial"/>
-        <a:defRPr b="0" i="0" sz="1400" u="none" cap="none" strike="noStrike">
+        <a:buFont typeface="Arial" panose="020B0604020202020204"/>
+        <a:defRPr sz="1400" b="0" i="0" u="none" strike="noStrike" cap="none">
           <a:solidFill>
             <a:srgbClr val="000000"/>
           </a:solidFill>
-          <a:latin typeface="Arial"/>
-          <a:ea typeface="Arial"/>
-          <a:cs typeface="Arial"/>
-          <a:sym typeface="Arial"/>
+          <a:latin typeface="Arial" panose="020B0604020202020204"/>
+          <a:ea typeface="Arial" panose="020B0604020202020204"/>
+          <a:cs typeface="Arial" panose="020B0604020202020204"/>
+          <a:sym typeface="Arial" panose="020B0604020202020204"/>
         </a:defRPr>
       </a:lvl2pPr>
-      <a:lvl3pPr lvl="2" marR="0" rtl="0" algn="l">
+      <a:lvl3pPr marR="0" lvl="2" algn="l" rtl="0">
         <a:lnSpc>
           <a:spcPct val="100000"/>
         </a:lnSpc>
@@ -7165,18 +7090,18 @@
         <a:buClr>
           <a:srgbClr val="000000"/>
         </a:buClr>
-        <a:buFont typeface="Arial"/>
-        <a:defRPr b="0" i="0" sz="1400" u="none" cap="none" strike="noStrike">
+        <a:buFont typeface="Arial" panose="020B0604020202020204"/>
+        <a:defRPr sz="1400" b="0" i="0" u="none" strike="noStrike" cap="none">
           <a:solidFill>
             <a:srgbClr val="000000"/>
           </a:solidFill>
-          <a:latin typeface="Arial"/>
-          <a:ea typeface="Arial"/>
-          <a:cs typeface="Arial"/>
-          <a:sym typeface="Arial"/>
+          <a:latin typeface="Arial" panose="020B0604020202020204"/>
+          <a:ea typeface="Arial" panose="020B0604020202020204"/>
+          <a:cs typeface="Arial" panose="020B0604020202020204"/>
+          <a:sym typeface="Arial" panose="020B0604020202020204"/>
         </a:defRPr>
       </a:lvl3pPr>
-      <a:lvl4pPr lvl="3" marR="0" rtl="0" algn="l">
+      <a:lvl4pPr marR="0" lvl="3" algn="l" rtl="0">
         <a:lnSpc>
           <a:spcPct val="100000"/>
         </a:lnSpc>
@@ -7189,18 +7114,18 @@
         <a:buClr>
           <a:srgbClr val="000000"/>
         </a:buClr>
-        <a:buFont typeface="Arial"/>
-        <a:defRPr b="0" i="0" sz="1400" u="none" cap="none" strike="noStrike">
+        <a:buFont typeface="Arial" panose="020B0604020202020204"/>
+        <a:defRPr sz="1400" b="0" i="0" u="none" strike="noStrike" cap="none">
           <a:solidFill>
             <a:srgbClr val="000000"/>
           </a:solidFill>
-          <a:latin typeface="Arial"/>
-          <a:ea typeface="Arial"/>
-          <a:cs typeface="Arial"/>
-          <a:sym typeface="Arial"/>
+          <a:latin typeface="Arial" panose="020B0604020202020204"/>
+          <a:ea typeface="Arial" panose="020B0604020202020204"/>
+          <a:cs typeface="Arial" panose="020B0604020202020204"/>
+          <a:sym typeface="Arial" panose="020B0604020202020204"/>
         </a:defRPr>
       </a:lvl4pPr>
-      <a:lvl5pPr lvl="4" marR="0" rtl="0" algn="l">
+      <a:lvl5pPr marR="0" lvl="4" algn="l" rtl="0">
         <a:lnSpc>
           <a:spcPct val="100000"/>
         </a:lnSpc>
@@ -7213,18 +7138,18 @@
         <a:buClr>
           <a:srgbClr val="000000"/>
         </a:buClr>
-        <a:buFont typeface="Arial"/>
-        <a:defRPr b="0" i="0" sz="1400" u="none" cap="none" strike="noStrike">
+        <a:buFont typeface="Arial" panose="020B0604020202020204"/>
+        <a:defRPr sz="1400" b="0" i="0" u="none" strike="noStrike" cap="none">
           <a:solidFill>
             <a:srgbClr val="000000"/>
           </a:solidFill>
-          <a:latin typeface="Arial"/>
-          <a:ea typeface="Arial"/>
-          <a:cs typeface="Arial"/>
-          <a:sym typeface="Arial"/>
+          <a:latin typeface="Arial" panose="020B0604020202020204"/>
+          <a:ea typeface="Arial" panose="020B0604020202020204"/>
+          <a:cs typeface="Arial" panose="020B0604020202020204"/>
+          <a:sym typeface="Arial" panose="020B0604020202020204"/>
         </a:defRPr>
       </a:lvl5pPr>
-      <a:lvl6pPr lvl="5" marR="0" rtl="0" algn="l">
+      <a:lvl6pPr marR="0" lvl="5" algn="l" rtl="0">
         <a:lnSpc>
           <a:spcPct val="100000"/>
         </a:lnSpc>
@@ -7237,18 +7162,18 @@
         <a:buClr>
           <a:srgbClr val="000000"/>
         </a:buClr>
-        <a:buFont typeface="Arial"/>
-        <a:defRPr b="0" i="0" sz="1400" u="none" cap="none" strike="noStrike">
+        <a:buFont typeface="Arial" panose="020B0604020202020204"/>
+        <a:defRPr sz="1400" b="0" i="0" u="none" strike="noStrike" cap="none">
           <a:solidFill>
             <a:srgbClr val="000000"/>
           </a:solidFill>
-          <a:latin typeface="Arial"/>
-          <a:ea typeface="Arial"/>
-          <a:cs typeface="Arial"/>
-          <a:sym typeface="Arial"/>
+          <a:latin typeface="Arial" panose="020B0604020202020204"/>
+          <a:ea typeface="Arial" panose="020B0604020202020204"/>
+          <a:cs typeface="Arial" panose="020B0604020202020204"/>
+          <a:sym typeface="Arial" panose="020B0604020202020204"/>
         </a:defRPr>
       </a:lvl6pPr>
-      <a:lvl7pPr lvl="6" marR="0" rtl="0" algn="l">
+      <a:lvl7pPr marR="0" lvl="6" algn="l" rtl="0">
         <a:lnSpc>
           <a:spcPct val="100000"/>
         </a:lnSpc>
@@ -7261,18 +7186,18 @@
         <a:buClr>
           <a:srgbClr val="000000"/>
         </a:buClr>
-        <a:buFont typeface="Arial"/>
-        <a:defRPr b="0" i="0" sz="1400" u="none" cap="none" strike="noStrike">
+        <a:buFont typeface="Arial" panose="020B0604020202020204"/>
+        <a:defRPr sz="1400" b="0" i="0" u="none" strike="noStrike" cap="none">
           <a:solidFill>
             <a:srgbClr val="000000"/>
           </a:solidFill>
-          <a:latin typeface="Arial"/>
-          <a:ea typeface="Arial"/>
-          <a:cs typeface="Arial"/>
-          <a:sym typeface="Arial"/>
+          <a:latin typeface="Arial" panose="020B0604020202020204"/>
+          <a:ea typeface="Arial" panose="020B0604020202020204"/>
+          <a:cs typeface="Arial" panose="020B0604020202020204"/>
+          <a:sym typeface="Arial" panose="020B0604020202020204"/>
         </a:defRPr>
       </a:lvl7pPr>
-      <a:lvl8pPr lvl="7" marR="0" rtl="0" algn="l">
+      <a:lvl8pPr marR="0" lvl="7" algn="l" rtl="0">
         <a:lnSpc>
           <a:spcPct val="100000"/>
         </a:lnSpc>
@@ -7285,18 +7210,18 @@
         <a:buClr>
           <a:srgbClr val="000000"/>
         </a:buClr>
-        <a:buFont typeface="Arial"/>
-        <a:defRPr b="0" i="0" sz="1400" u="none" cap="none" strike="noStrike">
+        <a:buFont typeface="Arial" panose="020B0604020202020204"/>
+        <a:defRPr sz="1400" b="0" i="0" u="none" strike="noStrike" cap="none">
           <a:solidFill>
             <a:srgbClr val="000000"/>
           </a:solidFill>
-          <a:latin typeface="Arial"/>
-          <a:ea typeface="Arial"/>
-          <a:cs typeface="Arial"/>
-          <a:sym typeface="Arial"/>
+          <a:latin typeface="Arial" panose="020B0604020202020204"/>
+          <a:ea typeface="Arial" panose="020B0604020202020204"/>
+          <a:cs typeface="Arial" panose="020B0604020202020204"/>
+          <a:sym typeface="Arial" panose="020B0604020202020204"/>
         </a:defRPr>
       </a:lvl8pPr>
-      <a:lvl9pPr lvl="8" marR="0" rtl="0" algn="l">
+      <a:lvl9pPr marR="0" lvl="8" algn="l" rtl="0">
         <a:lnSpc>
           <a:spcPct val="100000"/>
         </a:lnSpc>
@@ -7309,20 +7234,20 @@
         <a:buClr>
           <a:srgbClr val="000000"/>
         </a:buClr>
-        <a:buFont typeface="Arial"/>
-        <a:defRPr b="0" i="0" sz="1400" u="none" cap="none" strike="noStrike">
+        <a:buFont typeface="Arial" panose="020B0604020202020204"/>
+        <a:defRPr sz="1400" b="0" i="0" u="none" strike="noStrike" cap="none">
           <a:solidFill>
             <a:srgbClr val="000000"/>
           </a:solidFill>
-          <a:latin typeface="Arial"/>
-          <a:ea typeface="Arial"/>
-          <a:cs typeface="Arial"/>
-          <a:sym typeface="Arial"/>
+          <a:latin typeface="Arial" panose="020B0604020202020204"/>
+          <a:ea typeface="Arial" panose="020B0604020202020204"/>
+          <a:cs typeface="Arial" panose="020B0604020202020204"/>
+          <a:sym typeface="Arial" panose="020B0604020202020204"/>
         </a:defRPr>
       </a:lvl9pPr>
     </p:bodyStyle>
     <p:otherStyle>
-      <a:defPPr lvl="0" marR="0" rtl="0" algn="l">
+      <a:defPPr marR="0" lvl="0" algn="l" rtl="0">
         <a:lnSpc>
           <a:spcPct val="100000"/>
         </a:lnSpc>
@@ -7333,7 +7258,7 @@
           <a:spcPts val="0"/>
         </a:spcAft>
       </a:defPPr>
-      <a:lvl1pPr lvl="0" marR="0" rtl="0" algn="l">
+      <a:lvl1pPr marR="0" lvl="0" algn="l" rtl="0">
         <a:lnSpc>
           <a:spcPct val="100000"/>
         </a:lnSpc>
@@ -7346,18 +7271,18 @@
         <a:buClr>
           <a:srgbClr val="000000"/>
         </a:buClr>
-        <a:buFont typeface="Arial"/>
-        <a:defRPr b="0" i="0" sz="1400" u="none" cap="none" strike="noStrike">
+        <a:buFont typeface="Arial" panose="020B0604020202020204"/>
+        <a:defRPr sz="1400" b="0" i="0" u="none" strike="noStrike" cap="none">
           <a:solidFill>
             <a:srgbClr val="000000"/>
           </a:solidFill>
-          <a:latin typeface="Arial"/>
-          <a:ea typeface="Arial"/>
-          <a:cs typeface="Arial"/>
-          <a:sym typeface="Arial"/>
+          <a:latin typeface="Arial" panose="020B0604020202020204"/>
+          <a:ea typeface="Arial" panose="020B0604020202020204"/>
+          <a:cs typeface="Arial" panose="020B0604020202020204"/>
+          <a:sym typeface="Arial" panose="020B0604020202020204"/>
         </a:defRPr>
       </a:lvl1pPr>
-      <a:lvl2pPr lvl="1" marR="0" rtl="0" algn="l">
+      <a:lvl2pPr marR="0" lvl="1" algn="l" rtl="0">
         <a:lnSpc>
           <a:spcPct val="100000"/>
         </a:lnSpc>
@@ -7370,18 +7295,18 @@
         <a:buClr>
           <a:srgbClr val="000000"/>
         </a:buClr>
-        <a:buFont typeface="Arial"/>
-        <a:defRPr b="0" i="0" sz="1400" u="none" cap="none" strike="noStrike">
+        <a:buFont typeface="Arial" panose="020B0604020202020204"/>
+        <a:defRPr sz="1400" b="0" i="0" u="none" strike="noStrike" cap="none">
           <a:solidFill>
             <a:srgbClr val="000000"/>
           </a:solidFill>
-          <a:latin typeface="Arial"/>
-          <a:ea typeface="Arial"/>
-          <a:cs typeface="Arial"/>
-          <a:sym typeface="Arial"/>
+          <a:latin typeface="Arial" panose="020B0604020202020204"/>
+          <a:ea typeface="Arial" panose="020B0604020202020204"/>
+          <a:cs typeface="Arial" panose="020B0604020202020204"/>
+          <a:sym typeface="Arial" panose="020B0604020202020204"/>
         </a:defRPr>
       </a:lvl2pPr>
-      <a:lvl3pPr lvl="2" marR="0" rtl="0" algn="l">
+      <a:lvl3pPr marR="0" lvl="2" algn="l" rtl="0">
         <a:lnSpc>
           <a:spcPct val="100000"/>
         </a:lnSpc>
@@ -7394,18 +7319,18 @@
         <a:buClr>
           <a:srgbClr val="000000"/>
         </a:buClr>
-        <a:buFont typeface="Arial"/>
-        <a:defRPr b="0" i="0" sz="1400" u="none" cap="none" strike="noStrike">
+        <a:buFont typeface="Arial" panose="020B0604020202020204"/>
+        <a:defRPr sz="1400" b="0" i="0" u="none" strike="noStrike" cap="none">
           <a:solidFill>
             <a:srgbClr val="000000"/>
           </a:solidFill>
-          <a:latin typeface="Arial"/>
-          <a:ea typeface="Arial"/>
-          <a:cs typeface="Arial"/>
-          <a:sym typeface="Arial"/>
+          <a:latin typeface="Arial" panose="020B0604020202020204"/>
+          <a:ea typeface="Arial" panose="020B0604020202020204"/>
+          <a:cs typeface="Arial" panose="020B0604020202020204"/>
+          <a:sym typeface="Arial" panose="020B0604020202020204"/>
         </a:defRPr>
       </a:lvl3pPr>
-      <a:lvl4pPr lvl="3" marR="0" rtl="0" algn="l">
+      <a:lvl4pPr marR="0" lvl="3" algn="l" rtl="0">
         <a:lnSpc>
           <a:spcPct val="100000"/>
         </a:lnSpc>
@@ -7418,18 +7343,18 @@
         <a:buClr>
           <a:srgbClr val="000000"/>
         </a:buClr>
-        <a:buFont typeface="Arial"/>
-        <a:defRPr b="0" i="0" sz="1400" u="none" cap="none" strike="noStrike">
+        <a:buFont typeface="Arial" panose="020B0604020202020204"/>
+        <a:defRPr sz="1400" b="0" i="0" u="none" strike="noStrike" cap="none">
           <a:solidFill>
             <a:srgbClr val="000000"/>
           </a:solidFill>
-          <a:latin typeface="Arial"/>
-          <a:ea typeface="Arial"/>
-          <a:cs typeface="Arial"/>
-          <a:sym typeface="Arial"/>
+          <a:latin typeface="Arial" panose="020B0604020202020204"/>
+          <a:ea typeface="Arial" panose="020B0604020202020204"/>
+          <a:cs typeface="Arial" panose="020B0604020202020204"/>
+          <a:sym typeface="Arial" panose="020B0604020202020204"/>
         </a:defRPr>
       </a:lvl4pPr>
-      <a:lvl5pPr lvl="4" marR="0" rtl="0" algn="l">
+      <a:lvl5pPr marR="0" lvl="4" algn="l" rtl="0">
         <a:lnSpc>
           <a:spcPct val="100000"/>
         </a:lnSpc>
@@ -7442,18 +7367,18 @@
         <a:buClr>
           <a:srgbClr val="000000"/>
         </a:buClr>
-        <a:buFont typeface="Arial"/>
-        <a:defRPr b="0" i="0" sz="1400" u="none" cap="none" strike="noStrike">
+        <a:buFont typeface="Arial" panose="020B0604020202020204"/>
+        <a:defRPr sz="1400" b="0" i="0" u="none" strike="noStrike" cap="none">
           <a:solidFill>
             <a:srgbClr val="000000"/>
           </a:solidFill>
-          <a:latin typeface="Arial"/>
-          <a:ea typeface="Arial"/>
-          <a:cs typeface="Arial"/>
-          <a:sym typeface="Arial"/>
+          <a:latin typeface="Arial" panose="020B0604020202020204"/>
+          <a:ea typeface="Arial" panose="020B0604020202020204"/>
+          <a:cs typeface="Arial" panose="020B0604020202020204"/>
+          <a:sym typeface="Arial" panose="020B0604020202020204"/>
         </a:defRPr>
       </a:lvl5pPr>
-      <a:lvl6pPr lvl="5" marR="0" rtl="0" algn="l">
+      <a:lvl6pPr marR="0" lvl="5" algn="l" rtl="0">
         <a:lnSpc>
           <a:spcPct val="100000"/>
         </a:lnSpc>
@@ -7466,18 +7391,18 @@
         <a:buClr>
           <a:srgbClr val="000000"/>
         </a:buClr>
-        <a:buFont typeface="Arial"/>
-        <a:defRPr b="0" i="0" sz="1400" u="none" cap="none" strike="noStrike">
+        <a:buFont typeface="Arial" panose="020B0604020202020204"/>
+        <a:defRPr sz="1400" b="0" i="0" u="none" strike="noStrike" cap="none">
           <a:solidFill>
             <a:srgbClr val="000000"/>
           </a:solidFill>
-          <a:latin typeface="Arial"/>
-          <a:ea typeface="Arial"/>
-          <a:cs typeface="Arial"/>
-          <a:sym typeface="Arial"/>
+          <a:latin typeface="Arial" panose="020B0604020202020204"/>
+          <a:ea typeface="Arial" panose="020B0604020202020204"/>
+          <a:cs typeface="Arial" panose="020B0604020202020204"/>
+          <a:sym typeface="Arial" panose="020B0604020202020204"/>
         </a:defRPr>
       </a:lvl6pPr>
-      <a:lvl7pPr lvl="6" marR="0" rtl="0" algn="l">
+      <a:lvl7pPr marR="0" lvl="6" algn="l" rtl="0">
         <a:lnSpc>
           <a:spcPct val="100000"/>
         </a:lnSpc>
@@ -7490,18 +7415,18 @@
         <a:buClr>
           <a:srgbClr val="000000"/>
         </a:buClr>
-        <a:buFont typeface="Arial"/>
-        <a:defRPr b="0" i="0" sz="1400" u="none" cap="none" strike="noStrike">
+        <a:buFont typeface="Arial" panose="020B0604020202020204"/>
+        <a:defRPr sz="1400" b="0" i="0" u="none" strike="noStrike" cap="none">
           <a:solidFill>
             <a:srgbClr val="000000"/>
           </a:solidFill>
-          <a:latin typeface="Arial"/>
-          <a:ea typeface="Arial"/>
-          <a:cs typeface="Arial"/>
-          <a:sym typeface="Arial"/>
+          <a:latin typeface="Arial" panose="020B0604020202020204"/>
+          <a:ea typeface="Arial" panose="020B0604020202020204"/>
+          <a:cs typeface="Arial" panose="020B0604020202020204"/>
+          <a:sym typeface="Arial" panose="020B0604020202020204"/>
         </a:defRPr>
       </a:lvl7pPr>
-      <a:lvl8pPr lvl="7" marR="0" rtl="0" algn="l">
+      <a:lvl8pPr marR="0" lvl="7" algn="l" rtl="0">
         <a:lnSpc>
           <a:spcPct val="100000"/>
         </a:lnSpc>
@@ -7514,18 +7439,18 @@
         <a:buClr>
           <a:srgbClr val="000000"/>
         </a:buClr>
-        <a:buFont typeface="Arial"/>
-        <a:defRPr b="0" i="0" sz="1400" u="none" cap="none" strike="noStrike">
+        <a:buFont typeface="Arial" panose="020B0604020202020204"/>
+        <a:defRPr sz="1400" b="0" i="0" u="none" strike="noStrike" cap="none">
           <a:solidFill>
             <a:srgbClr val="000000"/>
           </a:solidFill>
-          <a:latin typeface="Arial"/>
-          <a:ea typeface="Arial"/>
-          <a:cs typeface="Arial"/>
-          <a:sym typeface="Arial"/>
+          <a:latin typeface="Arial" panose="020B0604020202020204"/>
+          <a:ea typeface="Arial" panose="020B0604020202020204"/>
+          <a:cs typeface="Arial" panose="020B0604020202020204"/>
+          <a:sym typeface="Arial" panose="020B0604020202020204"/>
         </a:defRPr>
       </a:lvl8pPr>
-      <a:lvl9pPr lvl="8" marR="0" rtl="0" algn="l">
+      <a:lvl9pPr marR="0" lvl="8" algn="l" rtl="0">
         <a:lnSpc>
           <a:spcPct val="100000"/>
         </a:lnSpc>
@@ -7538,15 +7463,15 @@
         <a:buClr>
           <a:srgbClr val="000000"/>
         </a:buClr>
-        <a:buFont typeface="Arial"/>
-        <a:defRPr b="0" i="0" sz="1400" u="none" cap="none" strike="noStrike">
+        <a:buFont typeface="Arial" panose="020B0604020202020204"/>
+        <a:defRPr sz="1400" b="0" i="0" u="none" strike="noStrike" cap="none">
           <a:solidFill>
             <a:srgbClr val="000000"/>
           </a:solidFill>
-          <a:latin typeface="Arial"/>
-          <a:ea typeface="Arial"/>
-          <a:cs typeface="Arial"/>
-          <a:sym typeface="Arial"/>
+          <a:latin typeface="Arial" panose="020B0604020202020204"/>
+          <a:ea typeface="Arial" panose="020B0604020202020204"/>
+          <a:cs typeface="Arial" panose="020B0604020202020204"/>
+          <a:sym typeface="Arial" panose="020B0604020202020204"/>
         </a:defRPr>
       </a:lvl9pPr>
     </p:otherStyle>
@@ -7555,7 +7480,7 @@
 </file>
 
 <file path=ppt/slides/slide1.xml><?xml version="1.0" encoding="utf-8"?>
-<p:sld xmlns:a="http://schemas.openxmlformats.org/drawingml/2006/main" xmlns:r="http://schemas.openxmlformats.org/officeDocument/2006/relationships" xmlns:mc="http://schemas.openxmlformats.org/markup-compatibility/2006" xmlns:mv="urn:schemas-microsoft-com:mac:vml" xmlns:p="http://schemas.openxmlformats.org/presentationml/2006/main" xmlns:c="http://schemas.openxmlformats.org/drawingml/2006/chart" xmlns:dgm="http://schemas.openxmlformats.org/drawingml/2006/diagram" xmlns:o="urn:schemas-microsoft-com:office:office" xmlns:v="urn:schemas-microsoft-com:vml" xmlns:pvml="urn:schemas-microsoft-com:office:powerpoint" xmlns:com="http://schemas.openxmlformats.org/drawingml/2006/compatibility" xmlns:p14="http://schemas.microsoft.com/office/powerpoint/2010/main" xmlns:p15="http://schemas.microsoft.com/office/powerpoint/2012/main">
+<p:sld xmlns:a="http://schemas.openxmlformats.org/drawingml/2006/main" xmlns:r="http://schemas.openxmlformats.org/officeDocument/2006/relationships" xmlns:p="http://schemas.openxmlformats.org/presentationml/2006/main">
   <p:cSld>
     <p:spTree>
       <p:nvGrpSpPr>
@@ -7589,12 +7514,12 @@
           </a:prstGeom>
         </p:spPr>
         <p:txBody>
-          <a:bodyPr anchorCtr="0" anchor="b" bIns="91425" lIns="91425" spcFirstLastPara="1" rIns="91425" wrap="square" tIns="91425">
+          <a:bodyPr spcFirstLastPara="1" wrap="square" lIns="91425" tIns="91425" rIns="91425" bIns="91425" anchor="b" anchorCtr="0">
             <a:noAutofit/>
           </a:bodyPr>
           <a:lstStyle/>
           <a:p>
-            <a:pPr indent="0" lvl="0" marL="0" rtl="0" algn="l">
+            <a:pPr marL="0" lvl="0" indent="0" algn="l" rtl="0">
               <a:spcBef>
                 <a:spcPts val="0"/>
               </a:spcBef>
@@ -7604,10 +7529,10 @@
               <a:buNone/>
             </a:pPr>
             <a:r>
-              <a:rPr lang="en"/>
+              <a:rPr lang="en-GB"/>
               <a:t>Groot </a:t>
             </a:r>
-            <a:endParaRPr/>
+            <a:endParaRPr lang="en-GB"/>
           </a:p>
         </p:txBody>
       </p:sp>
@@ -7616,7 +7541,7 @@
           <p:cNvPr id="68" name="Google Shape;68;p13"/>
           <p:cNvSpPr txBox="1"/>
           <p:nvPr>
-            <p:ph idx="1" type="subTitle"/>
+            <p:ph type="subTitle" idx="1"/>
           </p:nvPr>
         </p:nvSpPr>
         <p:spPr>
@@ -7629,12 +7554,12 @@
           </a:prstGeom>
         </p:spPr>
         <p:txBody>
-          <a:bodyPr anchorCtr="0" anchor="t" bIns="91425" lIns="91425" spcFirstLastPara="1" rIns="91425" wrap="square" tIns="91425">
+          <a:bodyPr spcFirstLastPara="1" wrap="square" lIns="91425" tIns="91425" rIns="91425" bIns="91425" anchor="t" anchorCtr="0">
             <a:noAutofit/>
           </a:bodyPr>
           <a:lstStyle/>
           <a:p>
-            <a:pPr indent="0" lvl="0" marL="0" rtl="0" algn="l">
+            <a:pPr marL="0" lvl="0" indent="0" algn="l" rtl="0">
               <a:spcBef>
                 <a:spcPts val="0"/>
               </a:spcBef>
@@ -7644,13 +7569,13 @@
               <a:buNone/>
             </a:pPr>
             <a:r>
-              <a:rPr lang="en"/>
+              <a:rPr lang="en-GB"/>
               <a:t>Student: Sandeep Kr. Nagar</a:t>
             </a:r>
-            <a:endParaRPr/>
+            <a:endParaRPr lang="en-GB"/>
           </a:p>
           <a:p>
-            <a:pPr indent="0" lvl="0" marL="0" rtl="0" algn="l">
+            <a:pPr marL="0" lvl="0" indent="0" algn="l" rtl="0">
               <a:spcBef>
                 <a:spcPts val="0"/>
               </a:spcBef>
@@ -7660,10 +7585,10 @@
               <a:buNone/>
             </a:pPr>
             <a:r>
-              <a:rPr lang="en"/>
+              <a:rPr lang="en-GB"/>
               <a:t>                 2018701015</a:t>
             </a:r>
-            <a:endParaRPr/>
+            <a:endParaRPr lang="en-GB"/>
           </a:p>
         </p:txBody>
       </p:sp>
@@ -7687,12 +7612,12 @@
           </a:ln>
         </p:spPr>
         <p:txBody>
-          <a:bodyPr anchorCtr="0" anchor="t" bIns="91425" lIns="91425" spcFirstLastPara="1" rIns="91425" wrap="square" tIns="91425">
+          <a:bodyPr spcFirstLastPara="1" wrap="square" lIns="91425" tIns="91425" rIns="91425" bIns="91425" anchor="t" anchorCtr="0">
             <a:noAutofit/>
           </a:bodyPr>
           <a:lstStyle/>
           <a:p>
-            <a:pPr indent="0" lvl="0" marL="0" rtl="0" algn="l">
+            <a:pPr marL="0" lvl="0" indent="0" algn="l" rtl="0">
               <a:spcBef>
                 <a:spcPts val="0"/>
               </a:spcBef>
@@ -7703,11 +7628,11 @@
                 <a:srgbClr val="000000"/>
               </a:buClr>
               <a:buSzPts val="1100"/>
-              <a:buFont typeface="Arial"/>
+              <a:buFont typeface="Arial" panose="020B0604020202020204"/>
               <a:buNone/>
             </a:pPr>
             <a:r>
-              <a:rPr lang="en" sz="1800">
+              <a:rPr lang="en-GB" sz="1800">
                 <a:solidFill>
                   <a:schemeClr val="lt1"/>
                 </a:solidFill>
@@ -7721,7 +7646,7 @@
             </a:endParaRPr>
           </a:p>
           <a:p>
-            <a:pPr indent="0" lvl="0" marL="0" rtl="0" algn="l">
+            <a:pPr marL="0" lvl="0" indent="0" algn="l" rtl="0">
               <a:spcBef>
                 <a:spcPts val="0"/>
               </a:spcBef>
@@ -7732,11 +7657,11 @@
                 <a:srgbClr val="000000"/>
               </a:buClr>
               <a:buSzPts val="1100"/>
-              <a:buFont typeface="Arial"/>
+              <a:buFont typeface="Arial" panose="020B0604020202020204"/>
               <a:buNone/>
             </a:pPr>
             <a:r>
-              <a:rPr lang="en" sz="1800">
+              <a:rPr lang="en-GB" sz="1800">
                 <a:solidFill>
                   <a:schemeClr val="lt1"/>
                 </a:solidFill>
@@ -7750,7 +7675,7 @@
             </a:endParaRPr>
           </a:p>
           <a:p>
-            <a:pPr indent="0" lvl="0" marL="0" rtl="0" algn="l">
+            <a:pPr marL="0" lvl="0" indent="0" algn="l" rtl="0">
               <a:spcBef>
                 <a:spcPts val="0"/>
               </a:spcBef>
@@ -7759,9 +7684,6 @@
               </a:spcAft>
               <a:buNone/>
             </a:pPr>
-            <a:r>
-              <a:t/>
-            </a:r>
             <a:endParaRPr sz="2400"/>
           </a:p>
         </p:txBody>
@@ -7775,7 +7697,7 @@
 </file>
 
 <file path=ppt/slides/slide10.xml><?xml version="1.0" encoding="utf-8"?>
-<p:sld xmlns:a="http://schemas.openxmlformats.org/drawingml/2006/main" xmlns:r="http://schemas.openxmlformats.org/officeDocument/2006/relationships" xmlns:mc="http://schemas.openxmlformats.org/markup-compatibility/2006" xmlns:mv="urn:schemas-microsoft-com:mac:vml" xmlns:p="http://schemas.openxmlformats.org/presentationml/2006/main" xmlns:c="http://schemas.openxmlformats.org/drawingml/2006/chart" xmlns:dgm="http://schemas.openxmlformats.org/drawingml/2006/diagram" xmlns:o="urn:schemas-microsoft-com:office:office" xmlns:v="urn:schemas-microsoft-com:vml" xmlns:pvml="urn:schemas-microsoft-com:office:powerpoint" xmlns:com="http://schemas.openxmlformats.org/drawingml/2006/compatibility" xmlns:p14="http://schemas.microsoft.com/office/powerpoint/2010/main" xmlns:p15="http://schemas.microsoft.com/office/powerpoint/2012/main">
+<p:sld xmlns:a="http://schemas.openxmlformats.org/drawingml/2006/main" xmlns:r="http://schemas.openxmlformats.org/officeDocument/2006/relationships" xmlns:p="http://schemas.openxmlformats.org/presentationml/2006/main">
   <p:cSld>
     <p:spTree>
       <p:nvGrpSpPr>
@@ -7809,12 +7731,12 @@
           </a:prstGeom>
         </p:spPr>
         <p:txBody>
-          <a:bodyPr anchorCtr="0" anchor="b" bIns="91425" lIns="91425" spcFirstLastPara="1" rIns="91425" wrap="square" tIns="91425">
+          <a:bodyPr spcFirstLastPara="1" wrap="square" lIns="91425" tIns="91425" rIns="91425" bIns="91425" anchor="b" anchorCtr="0">
             <a:noAutofit/>
           </a:bodyPr>
           <a:lstStyle/>
           <a:p>
-            <a:pPr indent="0" lvl="0" marL="0" rtl="0" algn="l">
+            <a:pPr marL="0" lvl="0" indent="0" algn="l" rtl="0">
               <a:spcBef>
                 <a:spcPts val="0"/>
               </a:spcBef>
@@ -7824,10 +7746,10 @@
               <a:buNone/>
             </a:pPr>
             <a:r>
-              <a:rPr lang="en"/>
+              <a:rPr lang="en-GB"/>
               <a:t>                            Thank You</a:t>
             </a:r>
-            <a:endParaRPr/>
+            <a:endParaRPr lang="en-GB"/>
           </a:p>
         </p:txBody>
       </p:sp>
@@ -7840,7 +7762,7 @@
 </file>
 
 <file path=ppt/slides/slide2.xml><?xml version="1.0" encoding="utf-8"?>
-<p:sld xmlns:a="http://schemas.openxmlformats.org/drawingml/2006/main" xmlns:r="http://schemas.openxmlformats.org/officeDocument/2006/relationships" xmlns:mc="http://schemas.openxmlformats.org/markup-compatibility/2006" xmlns:mv="urn:schemas-microsoft-com:mac:vml" xmlns:p="http://schemas.openxmlformats.org/presentationml/2006/main" xmlns:c="http://schemas.openxmlformats.org/drawingml/2006/chart" xmlns:dgm="http://schemas.openxmlformats.org/drawingml/2006/diagram" xmlns:o="urn:schemas-microsoft-com:office:office" xmlns:v="urn:schemas-microsoft-com:vml" xmlns:pvml="urn:schemas-microsoft-com:office:powerpoint" xmlns:com="http://schemas.openxmlformats.org/drawingml/2006/compatibility" xmlns:p14="http://schemas.microsoft.com/office/powerpoint/2010/main" xmlns:p15="http://schemas.microsoft.com/office/powerpoint/2012/main">
+<p:sld xmlns:a="http://schemas.openxmlformats.org/drawingml/2006/main" xmlns:r="http://schemas.openxmlformats.org/officeDocument/2006/relationships" xmlns:p="http://schemas.openxmlformats.org/presentationml/2006/main">
   <p:cSld>
     <p:spTree>
       <p:nvGrpSpPr>
@@ -7874,12 +7796,12 @@
           </a:prstGeom>
         </p:spPr>
         <p:txBody>
-          <a:bodyPr anchorCtr="0" anchor="b" bIns="91425" lIns="91425" spcFirstLastPara="1" rIns="91425" wrap="square" tIns="91425">
+          <a:bodyPr spcFirstLastPara="1" wrap="square" lIns="91425" tIns="91425" rIns="91425" bIns="91425" anchor="b" anchorCtr="0">
             <a:noAutofit/>
           </a:bodyPr>
           <a:lstStyle/>
           <a:p>
-            <a:pPr indent="0" lvl="0" marL="0" rtl="0" algn="l">
+            <a:pPr marL="0" lvl="0" indent="0" algn="l" rtl="0">
               <a:spcBef>
                 <a:spcPts val="0"/>
               </a:spcBef>
@@ -7889,10 +7811,10 @@
               <a:buNone/>
             </a:pPr>
             <a:r>
-              <a:rPr lang="en"/>
+              <a:rPr lang="en-GB"/>
               <a:t>Contents</a:t>
             </a:r>
-            <a:endParaRPr/>
+            <a:endParaRPr lang="en-GB"/>
           </a:p>
         </p:txBody>
       </p:sp>
@@ -7901,7 +7823,7 @@
           <p:cNvPr id="75" name="Google Shape;75;p14"/>
           <p:cNvSpPr txBox="1"/>
           <p:nvPr>
-            <p:ph idx="1" type="body"/>
+            <p:ph type="body" idx="1"/>
           </p:nvPr>
         </p:nvSpPr>
         <p:spPr>
@@ -7914,12 +7836,12 @@
           </a:prstGeom>
         </p:spPr>
         <p:txBody>
-          <a:bodyPr anchorCtr="0" anchor="t" bIns="91425" lIns="91425" spcFirstLastPara="1" rIns="91425" wrap="square" tIns="91425">
+          <a:bodyPr spcFirstLastPara="1" wrap="square" lIns="91425" tIns="91425" rIns="91425" bIns="91425" anchor="t" anchorCtr="0">
             <a:noAutofit/>
           </a:bodyPr>
           <a:lstStyle/>
           <a:p>
-            <a:pPr indent="0" lvl="0" marL="0" rtl="0" algn="l">
+            <a:pPr marL="0" lvl="0" indent="0" algn="l" rtl="0">
               <a:spcBef>
                 <a:spcPts val="0"/>
               </a:spcBef>
@@ -7929,13 +7851,13 @@
               <a:buNone/>
             </a:pPr>
             <a:r>
-              <a:rPr lang="en"/>
+              <a:rPr lang="en-GB"/>
               <a:t>Introduction</a:t>
             </a:r>
-            <a:endParaRPr/>
+            <a:endParaRPr lang="en-GB"/>
           </a:p>
           <a:p>
-            <a:pPr indent="0" lvl="0" marL="0" rtl="0" algn="l">
+            <a:pPr marL="0" lvl="0" indent="0" algn="l" rtl="0">
               <a:spcBef>
                 <a:spcPts val="1600"/>
               </a:spcBef>
@@ -7945,13 +7867,13 @@
               <a:buNone/>
             </a:pPr>
             <a:r>
-              <a:rPr lang="en"/>
+              <a:rPr lang="en-GB"/>
               <a:t>Requirement Description</a:t>
             </a:r>
-            <a:endParaRPr/>
+            <a:endParaRPr lang="en-GB"/>
           </a:p>
           <a:p>
-            <a:pPr indent="0" lvl="0" marL="0" rtl="0" algn="l">
+            <a:pPr marL="0" lvl="0" indent="0" algn="l" rtl="0">
               <a:spcBef>
                 <a:spcPts val="1600"/>
               </a:spcBef>
@@ -7961,21 +7883,13 @@
               <a:buNone/>
             </a:pPr>
             <a:r>
-              <a:rPr lang="en"/>
-              <a:t>W</a:t>
+              <a:rPr lang="en-GB"/>
+              <a:t>Work achieved </a:t>
             </a:r>
-            <a:r>
-              <a:rPr lang="en"/>
-              <a:t>ork achieved</a:t>
-            </a:r>
-            <a:r>
-              <a:rPr lang="en"/>
-              <a:t> </a:t>
-            </a:r>
-            <a:endParaRPr/>
+            <a:endParaRPr lang="en-GB"/>
           </a:p>
           <a:p>
-            <a:pPr indent="0" lvl="0" marL="0" rtl="0" algn="l">
+            <a:pPr marL="0" lvl="0" indent="0" algn="l" rtl="0">
               <a:spcBef>
                 <a:spcPts val="1600"/>
               </a:spcBef>
@@ -7985,13 +7899,13 @@
               <a:buNone/>
             </a:pPr>
             <a:r>
-              <a:rPr lang="en"/>
+              <a:rPr lang="en-GB"/>
               <a:t>Results </a:t>
             </a:r>
-            <a:endParaRPr/>
+            <a:endParaRPr lang="en-GB"/>
           </a:p>
           <a:p>
-            <a:pPr indent="0" lvl="0" marL="0" rtl="0" algn="l">
+            <a:pPr marL="0" lvl="0" indent="0" algn="l" rtl="0">
               <a:spcBef>
                 <a:spcPts val="1600"/>
               </a:spcBef>
@@ -8001,10 +7915,10 @@
               <a:buNone/>
             </a:pPr>
             <a:r>
-              <a:rPr lang="en"/>
+              <a:rPr lang="en-GB"/>
               <a:t> Summary and Further work</a:t>
             </a:r>
-            <a:endParaRPr/>
+            <a:endParaRPr lang="en-GB"/>
           </a:p>
         </p:txBody>
       </p:sp>
@@ -8017,7 +7931,7 @@
 </file>
 
 <file path=ppt/slides/slide3.xml><?xml version="1.0" encoding="utf-8"?>
-<p:sld xmlns:a="http://schemas.openxmlformats.org/drawingml/2006/main" xmlns:r="http://schemas.openxmlformats.org/officeDocument/2006/relationships" xmlns:mc="http://schemas.openxmlformats.org/markup-compatibility/2006" xmlns:mv="urn:schemas-microsoft-com:mac:vml" xmlns:p="http://schemas.openxmlformats.org/presentationml/2006/main" xmlns:c="http://schemas.openxmlformats.org/drawingml/2006/chart" xmlns:dgm="http://schemas.openxmlformats.org/drawingml/2006/diagram" xmlns:o="urn:schemas-microsoft-com:office:office" xmlns:v="urn:schemas-microsoft-com:vml" xmlns:pvml="urn:schemas-microsoft-com:office:powerpoint" xmlns:com="http://schemas.openxmlformats.org/drawingml/2006/compatibility" xmlns:p14="http://schemas.microsoft.com/office/powerpoint/2010/main" xmlns:p15="http://schemas.microsoft.com/office/powerpoint/2012/main">
+<p:sld xmlns:a="http://schemas.openxmlformats.org/drawingml/2006/main" xmlns:r="http://schemas.openxmlformats.org/officeDocument/2006/relationships" xmlns:p="http://schemas.openxmlformats.org/presentationml/2006/main">
   <p:cSld>
     <p:spTree>
       <p:nvGrpSpPr>
@@ -8051,12 +7965,12 @@
           </a:prstGeom>
         </p:spPr>
         <p:txBody>
-          <a:bodyPr anchorCtr="0" anchor="b" bIns="91425" lIns="91425" spcFirstLastPara="1" rIns="91425" wrap="square" tIns="91425">
+          <a:bodyPr spcFirstLastPara="1" wrap="square" lIns="91425" tIns="91425" rIns="91425" bIns="91425" anchor="b" anchorCtr="0">
             <a:noAutofit/>
           </a:bodyPr>
           <a:lstStyle/>
           <a:p>
-            <a:pPr indent="0" lvl="0" marL="0" rtl="0" algn="l">
+            <a:pPr marL="0" lvl="0" indent="0" algn="l" rtl="0">
               <a:spcBef>
                 <a:spcPts val="0"/>
               </a:spcBef>
@@ -8066,10 +7980,10 @@
               <a:buNone/>
             </a:pPr>
             <a:r>
-              <a:rPr lang="en"/>
+              <a:rPr lang="en-GB"/>
               <a:t>Introduction </a:t>
             </a:r>
-            <a:endParaRPr/>
+            <a:endParaRPr lang="en-GB"/>
           </a:p>
         </p:txBody>
       </p:sp>
@@ -8078,7 +7992,7 @@
           <p:cNvPr id="81" name="Google Shape;81;p15"/>
           <p:cNvSpPr txBox="1"/>
           <p:nvPr>
-            <p:ph idx="1" type="body"/>
+            <p:ph type="body" idx="1"/>
           </p:nvPr>
         </p:nvSpPr>
         <p:spPr>
@@ -8091,12 +8005,12 @@
           </a:prstGeom>
         </p:spPr>
         <p:txBody>
-          <a:bodyPr anchorCtr="0" anchor="t" bIns="91425" lIns="91425" spcFirstLastPara="1" rIns="91425" wrap="square" tIns="91425">
+          <a:bodyPr spcFirstLastPara="1" wrap="square" lIns="91425" tIns="91425" rIns="91425" bIns="91425" anchor="t" anchorCtr="0">
             <a:noAutofit/>
           </a:bodyPr>
           <a:lstStyle/>
           <a:p>
-            <a:pPr indent="0" lvl="0" marL="0" rtl="0" algn="l">
+            <a:pPr marL="0" lvl="0" indent="0" algn="l" rtl="0">
               <a:spcBef>
                 <a:spcPts val="0"/>
               </a:spcBef>
@@ -8107,17 +8021,17 @@
                 <a:srgbClr val="000000"/>
               </a:buClr>
               <a:buSzPts val="1100"/>
-              <a:buFont typeface="Arial"/>
+              <a:buFont typeface="Arial" panose="020B0604020202020204"/>
               <a:buNone/>
             </a:pPr>
             <a:r>
-              <a:rPr lang="en"/>
+              <a:rPr lang="en-GB"/>
               <a:t>In this project, the input is the photo of book cover images and the output is</a:t>
             </a:r>
-            <a:endParaRPr/>
+            <a:endParaRPr lang="en-GB"/>
           </a:p>
           <a:p>
-            <a:pPr indent="0" lvl="0" marL="0" rtl="0" algn="l">
+            <a:pPr marL="0" lvl="0" indent="0" algn="l" rtl="0">
               <a:spcBef>
                 <a:spcPts val="1600"/>
               </a:spcBef>
@@ -8128,17 +8042,17 @@
                 <a:srgbClr val="000000"/>
               </a:buClr>
               <a:buSzPts val="1100"/>
-              <a:buFont typeface="Arial"/>
+              <a:buFont typeface="Arial" panose="020B0604020202020204"/>
               <a:buNone/>
             </a:pPr>
             <a:r>
-              <a:rPr lang="en"/>
+              <a:rPr lang="en-GB"/>
               <a:t>the text containing the text on the image including the writer name and book's</a:t>
             </a:r>
-            <a:endParaRPr/>
+            <a:endParaRPr lang="en-GB"/>
           </a:p>
           <a:p>
-            <a:pPr indent="0" lvl="0" marL="0" rtl="0" algn="l">
+            <a:pPr marL="0" lvl="0" indent="0" algn="l" rtl="0">
               <a:spcBef>
                 <a:spcPts val="1600"/>
               </a:spcBef>
@@ -8149,17 +8063,17 @@
                 <a:srgbClr val="000000"/>
               </a:buClr>
               <a:buSzPts val="1100"/>
-              <a:buFont typeface="Arial"/>
+              <a:buFont typeface="Arial" panose="020B0604020202020204"/>
               <a:buNone/>
             </a:pPr>
             <a:r>
-              <a:rPr lang="en"/>
+              <a:rPr lang="en-GB"/>
               <a:t>name with other book information related to the book on the cover image of</a:t>
             </a:r>
-            <a:endParaRPr/>
+            <a:endParaRPr lang="en-GB"/>
           </a:p>
           <a:p>
-            <a:pPr indent="0" lvl="0" marL="0" rtl="0" algn="l">
+            <a:pPr marL="0" lvl="0" indent="0" algn="l" rtl="0">
               <a:spcBef>
                 <a:spcPts val="1600"/>
               </a:spcBef>
@@ -8170,17 +8084,17 @@
                 <a:srgbClr val="000000"/>
               </a:buClr>
               <a:buSzPts val="1100"/>
-              <a:buFont typeface="Arial"/>
+              <a:buFont typeface="Arial" panose="020B0604020202020204"/>
               <a:buNone/>
             </a:pPr>
             <a:r>
-              <a:rPr lang="en"/>
+              <a:rPr lang="en-GB"/>
               <a:t>the book.</a:t>
             </a:r>
-            <a:endParaRPr/>
+            <a:endParaRPr lang="en-GB"/>
           </a:p>
           <a:p>
-            <a:pPr indent="0" lvl="0" marL="0" rtl="0" algn="l">
+            <a:pPr marL="0" lvl="0" indent="0" algn="l" rtl="0">
               <a:spcBef>
                 <a:spcPts val="1600"/>
               </a:spcBef>
@@ -8189,10 +8103,6 @@
               </a:spcAft>
               <a:buNone/>
             </a:pPr>
-            <a:r>
-              <a:t/>
-            </a:r>
-            <a:endParaRPr/>
           </a:p>
         </p:txBody>
       </p:sp>
@@ -8205,7 +8115,7 @@
 </file>
 
 <file path=ppt/slides/slide4.xml><?xml version="1.0" encoding="utf-8"?>
-<p:sld xmlns:a="http://schemas.openxmlformats.org/drawingml/2006/main" xmlns:r="http://schemas.openxmlformats.org/officeDocument/2006/relationships" xmlns:mc="http://schemas.openxmlformats.org/markup-compatibility/2006" xmlns:mv="urn:schemas-microsoft-com:mac:vml" xmlns:p="http://schemas.openxmlformats.org/presentationml/2006/main" xmlns:c="http://schemas.openxmlformats.org/drawingml/2006/chart" xmlns:dgm="http://schemas.openxmlformats.org/drawingml/2006/diagram" xmlns:o="urn:schemas-microsoft-com:office:office" xmlns:v="urn:schemas-microsoft-com:vml" xmlns:pvml="urn:schemas-microsoft-com:office:powerpoint" xmlns:com="http://schemas.openxmlformats.org/drawingml/2006/compatibility" xmlns:p14="http://schemas.microsoft.com/office/powerpoint/2010/main" xmlns:p15="http://schemas.microsoft.com/office/powerpoint/2012/main">
+<p:sld xmlns:a="http://schemas.openxmlformats.org/drawingml/2006/main" xmlns:r="http://schemas.openxmlformats.org/officeDocument/2006/relationships" xmlns:p="http://schemas.openxmlformats.org/presentationml/2006/main">
   <p:cSld>
     <p:spTree>
       <p:nvGrpSpPr>
@@ -8239,12 +8149,12 @@
           </a:prstGeom>
         </p:spPr>
         <p:txBody>
-          <a:bodyPr anchorCtr="0" anchor="b" bIns="91425" lIns="91425" spcFirstLastPara="1" rIns="91425" wrap="square" tIns="91425">
+          <a:bodyPr spcFirstLastPara="1" wrap="square" lIns="91425" tIns="91425" rIns="91425" bIns="91425" anchor="b" anchorCtr="0">
             <a:noAutofit/>
           </a:bodyPr>
           <a:lstStyle/>
           <a:p>
-            <a:pPr indent="0" lvl="0" marL="0" rtl="0" algn="l">
+            <a:pPr marL="0" lvl="0" indent="0" algn="l" rtl="0">
               <a:spcBef>
                 <a:spcPts val="0"/>
               </a:spcBef>
@@ -8254,10 +8164,10 @@
               <a:buNone/>
             </a:pPr>
             <a:r>
-              <a:rPr lang="en"/>
+              <a:rPr lang="en-GB"/>
               <a:t>Intro (cont.)</a:t>
             </a:r>
-            <a:endParaRPr/>
+            <a:endParaRPr lang="en-GB"/>
           </a:p>
         </p:txBody>
       </p:sp>
@@ -8266,7 +8176,7 @@
           <p:cNvPr id="87" name="Google Shape;87;p16"/>
           <p:cNvSpPr txBox="1"/>
           <p:nvPr>
-            <p:ph idx="1" type="body"/>
+            <p:ph type="body" idx="1"/>
           </p:nvPr>
         </p:nvSpPr>
         <p:spPr>
@@ -8279,12 +8189,12 @@
           </a:prstGeom>
         </p:spPr>
         <p:txBody>
-          <a:bodyPr anchorCtr="0" anchor="t" bIns="91425" lIns="91425" spcFirstLastPara="1" rIns="91425" wrap="square" tIns="91425">
+          <a:bodyPr spcFirstLastPara="1" wrap="square" lIns="91425" tIns="91425" rIns="91425" bIns="91425" anchor="t" anchorCtr="0">
             <a:noAutofit/>
           </a:bodyPr>
           <a:lstStyle/>
           <a:p>
-            <a:pPr indent="0" lvl="0" marL="0" rtl="0" algn="l">
+            <a:pPr marL="0" lvl="0" indent="0" algn="l" rtl="0">
               <a:spcBef>
                 <a:spcPts val="0"/>
               </a:spcBef>
@@ -8294,13 +8204,13 @@
               <a:buNone/>
             </a:pPr>
             <a:r>
-              <a:rPr lang="en"/>
+              <a:rPr lang="en-GB"/>
               <a:t>The main objective of the project is to extract the text from the image of the Book cover(English).</a:t>
             </a:r>
-            <a:endParaRPr/>
+            <a:endParaRPr lang="en-GB"/>
           </a:p>
           <a:p>
-            <a:pPr indent="0" lvl="0" marL="0" rtl="0" algn="l">
+            <a:pPr marL="0" lvl="0" indent="0" algn="l" rtl="0">
               <a:spcBef>
                 <a:spcPts val="1600"/>
               </a:spcBef>
@@ -8310,18 +8220,10 @@
               <a:buNone/>
             </a:pPr>
             <a:r>
-              <a:rPr lang="en"/>
-              <a:t>To </a:t>
+              <a:rPr lang="en-GB"/>
+              <a:t>To achieve this i have done Preprocessing ,Edge detection, Binarization and Morphological operations.</a:t>
             </a:r>
-            <a:r>
-              <a:rPr lang="en"/>
-              <a:t>achieve</a:t>
-            </a:r>
-            <a:r>
-              <a:rPr lang="en"/>
-              <a:t> this i have done Preprocessing ,Edge detection, Binarization and Morphological operations.</a:t>
-            </a:r>
-            <a:endParaRPr/>
+            <a:endParaRPr lang="en-GB"/>
           </a:p>
         </p:txBody>
       </p:sp>
@@ -8334,7 +8236,7 @@
 </file>
 
 <file path=ppt/slides/slide5.xml><?xml version="1.0" encoding="utf-8"?>
-<p:sld xmlns:a="http://schemas.openxmlformats.org/drawingml/2006/main" xmlns:r="http://schemas.openxmlformats.org/officeDocument/2006/relationships" xmlns:mc="http://schemas.openxmlformats.org/markup-compatibility/2006" xmlns:mv="urn:schemas-microsoft-com:mac:vml" xmlns:p="http://schemas.openxmlformats.org/presentationml/2006/main" xmlns:c="http://schemas.openxmlformats.org/drawingml/2006/chart" xmlns:dgm="http://schemas.openxmlformats.org/drawingml/2006/diagram" xmlns:o="urn:schemas-microsoft-com:office:office" xmlns:v="urn:schemas-microsoft-com:vml" xmlns:pvml="urn:schemas-microsoft-com:office:powerpoint" xmlns:com="http://schemas.openxmlformats.org/drawingml/2006/compatibility" xmlns:p14="http://schemas.microsoft.com/office/powerpoint/2010/main" xmlns:p15="http://schemas.microsoft.com/office/powerpoint/2012/main">
+<p:sld xmlns:a="http://schemas.openxmlformats.org/drawingml/2006/main" xmlns:r="http://schemas.openxmlformats.org/officeDocument/2006/relationships" xmlns:p="http://schemas.openxmlformats.org/presentationml/2006/main">
   <p:cSld>
     <p:spTree>
       <p:nvGrpSpPr>
@@ -8368,12 +8270,12 @@
           </a:prstGeom>
         </p:spPr>
         <p:txBody>
-          <a:bodyPr anchorCtr="0" anchor="b" bIns="91425" lIns="91425" spcFirstLastPara="1" rIns="91425" wrap="square" tIns="91425">
+          <a:bodyPr spcFirstLastPara="1" wrap="square" lIns="91425" tIns="91425" rIns="91425" bIns="91425" anchor="b" anchorCtr="0">
             <a:noAutofit/>
           </a:bodyPr>
           <a:lstStyle/>
           <a:p>
-            <a:pPr indent="0" lvl="0" marL="0" rtl="0" algn="l">
+            <a:pPr marL="0" lvl="0" indent="0" algn="l" rtl="0">
               <a:spcBef>
                 <a:spcPts val="0"/>
               </a:spcBef>
@@ -8383,18 +8285,10 @@
               <a:buNone/>
             </a:pPr>
             <a:r>
-              <a:rPr lang="en"/>
-              <a:t>R</a:t>
+              <a:rPr lang="en-GB"/>
+              <a:t>Requirement  </a:t>
             </a:r>
-            <a:r>
-              <a:rPr lang="en"/>
-              <a:t>equirement </a:t>
-            </a:r>
-            <a:r>
-              <a:rPr lang="en"/>
-              <a:t> </a:t>
-            </a:r>
-            <a:endParaRPr/>
+            <a:endParaRPr lang="en-GB"/>
           </a:p>
         </p:txBody>
       </p:sp>
@@ -8403,7 +8297,7 @@
           <p:cNvPr id="93" name="Google Shape;93;p17"/>
           <p:cNvSpPr txBox="1"/>
           <p:nvPr>
-            <p:ph idx="1" type="body"/>
+            <p:ph type="body" idx="1"/>
           </p:nvPr>
         </p:nvSpPr>
         <p:spPr>
@@ -8416,12 +8310,12 @@
           </a:prstGeom>
         </p:spPr>
         <p:txBody>
-          <a:bodyPr anchorCtr="0" anchor="t" bIns="91425" lIns="91425" spcFirstLastPara="1" rIns="91425" wrap="square" tIns="91425">
+          <a:bodyPr spcFirstLastPara="1" wrap="square" lIns="91425" tIns="91425" rIns="91425" bIns="91425" anchor="t" anchorCtr="0">
             <a:noAutofit/>
           </a:bodyPr>
           <a:lstStyle/>
           <a:p>
-            <a:pPr indent="0" lvl="0" marL="0" rtl="0" algn="l">
+            <a:pPr marL="0" lvl="0" indent="0" algn="l" rtl="0">
               <a:spcBef>
                 <a:spcPts val="0"/>
               </a:spcBef>
@@ -8431,17 +8325,13 @@
               <a:buNone/>
             </a:pPr>
             <a:r>
-              <a:rPr lang="en"/>
-              <a:t>To complete the goal of the project, we have use some predefined functions of image processing in opencv python and Tesseract python l</a:t>
+              <a:rPr lang="en-GB"/>
+              <a:t>To complete the goal of the project, we have use some predefined functions of image processing in opencv python and Tesseract python library.</a:t>
             </a:r>
-            <a:r>
-              <a:rPr lang="en"/>
-              <a:t>ibrary.</a:t>
-            </a:r>
-            <a:endParaRPr/>
+            <a:endParaRPr lang="en-GB"/>
           </a:p>
           <a:p>
-            <a:pPr indent="0" lvl="0" marL="0" rtl="0" algn="l">
+            <a:pPr marL="0" lvl="0" indent="0" algn="l" rtl="0">
               <a:spcBef>
                 <a:spcPts val="1600"/>
               </a:spcBef>
@@ -8451,13 +8341,13 @@
               <a:buNone/>
             </a:pPr>
             <a:r>
-              <a:rPr lang="en"/>
+              <a:rPr lang="en-GB"/>
               <a:t>Python-3.</a:t>
             </a:r>
-            <a:endParaRPr/>
+            <a:endParaRPr lang="en-GB"/>
           </a:p>
           <a:p>
-            <a:pPr indent="0" lvl="0" marL="0" rtl="0" algn="l">
+            <a:pPr marL="0" lvl="0" indent="0" algn="l" rtl="0">
               <a:spcBef>
                 <a:spcPts val="1600"/>
               </a:spcBef>
@@ -8467,13 +8357,13 @@
               <a:buNone/>
             </a:pPr>
             <a:r>
-              <a:rPr lang="en"/>
+              <a:rPr lang="en-GB"/>
               <a:t>OpenCV.</a:t>
             </a:r>
-            <a:endParaRPr/>
+            <a:endParaRPr lang="en-GB"/>
           </a:p>
           <a:p>
-            <a:pPr indent="0" lvl="0" marL="0" rtl="0" algn="l">
+            <a:pPr marL="0" lvl="0" indent="0" algn="l" rtl="0">
               <a:spcBef>
                 <a:spcPts val="1600"/>
               </a:spcBef>
@@ -8483,10 +8373,10 @@
               <a:buNone/>
             </a:pPr>
             <a:r>
-              <a:rPr lang="en"/>
+              <a:rPr lang="en-GB"/>
               <a:t>Some more Libraries. </a:t>
             </a:r>
-            <a:endParaRPr/>
+            <a:endParaRPr lang="en-GB"/>
           </a:p>
         </p:txBody>
       </p:sp>
@@ -8499,7 +8389,7 @@
 </file>
 
 <file path=ppt/slides/slide6.xml><?xml version="1.0" encoding="utf-8"?>
-<p:sld xmlns:a="http://schemas.openxmlformats.org/drawingml/2006/main" xmlns:r="http://schemas.openxmlformats.org/officeDocument/2006/relationships" xmlns:mc="http://schemas.openxmlformats.org/markup-compatibility/2006" xmlns:mv="urn:schemas-microsoft-com:mac:vml" xmlns:p="http://schemas.openxmlformats.org/presentationml/2006/main" xmlns:c="http://schemas.openxmlformats.org/drawingml/2006/chart" xmlns:dgm="http://schemas.openxmlformats.org/drawingml/2006/diagram" xmlns:o="urn:schemas-microsoft-com:office:office" xmlns:v="urn:schemas-microsoft-com:vml" xmlns:pvml="urn:schemas-microsoft-com:office:powerpoint" xmlns:com="http://schemas.openxmlformats.org/drawingml/2006/compatibility" xmlns:p14="http://schemas.microsoft.com/office/powerpoint/2010/main" xmlns:p15="http://schemas.microsoft.com/office/powerpoint/2012/main">
+<p:sld xmlns:a="http://schemas.openxmlformats.org/drawingml/2006/main" xmlns:r="http://schemas.openxmlformats.org/officeDocument/2006/relationships" xmlns:p="http://schemas.openxmlformats.org/presentationml/2006/main">
   <p:cSld>
     <p:spTree>
       <p:nvGrpSpPr>
@@ -8533,12 +8423,12 @@
           </a:prstGeom>
         </p:spPr>
         <p:txBody>
-          <a:bodyPr anchorCtr="0" anchor="b" bIns="91425" lIns="91425" spcFirstLastPara="1" rIns="91425" wrap="square" tIns="91425">
+          <a:bodyPr spcFirstLastPara="1" wrap="square" lIns="91425" tIns="91425" rIns="91425" bIns="91425" anchor="b" anchorCtr="0">
             <a:noAutofit/>
           </a:bodyPr>
           <a:lstStyle/>
           <a:p>
-            <a:pPr indent="0" lvl="0" marL="0" rtl="0" algn="l">
+            <a:pPr marL="0" lvl="0" indent="0" algn="l" rtl="0">
               <a:spcBef>
                 <a:spcPts val="0"/>
               </a:spcBef>
@@ -8548,18 +8438,10 @@
               <a:buNone/>
             </a:pPr>
             <a:r>
-              <a:rPr lang="en"/>
-              <a:t>Work </a:t>
+              <a:rPr lang="en-GB"/>
+              <a:t>Work Achieved </a:t>
             </a:r>
-            <a:r>
-              <a:rPr lang="en"/>
-              <a:t>Achieved</a:t>
-            </a:r>
-            <a:r>
-              <a:rPr lang="en"/>
-              <a:t> </a:t>
-            </a:r>
-            <a:endParaRPr/>
+            <a:endParaRPr lang="en-GB"/>
           </a:p>
         </p:txBody>
       </p:sp>
@@ -8568,7 +8450,7 @@
           <p:cNvPr id="99" name="Google Shape;99;p18"/>
           <p:cNvSpPr txBox="1"/>
           <p:nvPr>
-            <p:ph idx="1" type="body"/>
+            <p:ph type="body" idx="1"/>
           </p:nvPr>
         </p:nvSpPr>
         <p:spPr>
@@ -8581,12 +8463,12 @@
           </a:prstGeom>
         </p:spPr>
         <p:txBody>
-          <a:bodyPr anchorCtr="0" anchor="t" bIns="91425" lIns="91425" spcFirstLastPara="1" rIns="91425" wrap="square" tIns="91425">
+          <a:bodyPr spcFirstLastPara="1" wrap="square" lIns="91425" tIns="91425" rIns="91425" bIns="91425" anchor="t" anchorCtr="0">
             <a:noAutofit/>
           </a:bodyPr>
           <a:lstStyle/>
           <a:p>
-            <a:pPr indent="0" lvl="0" marL="0" rtl="0" algn="l">
+            <a:pPr marL="0" lvl="0" indent="0" algn="l" rtl="0">
               <a:spcBef>
                 <a:spcPts val="0"/>
               </a:spcBef>
@@ -8596,39 +8478,35 @@
               <a:buNone/>
             </a:pPr>
             <a:r>
-              <a:rPr lang="en"/>
+              <a:rPr lang="en-GB"/>
               <a:t>In the project we have extracted text from multi colour image(book cover) with the help of preprocessing of image which helps in improving the results with better results using classical image processing  Method and Tesseract.</a:t>
             </a:r>
-            <a:endParaRPr/>
+            <a:endParaRPr lang="en-GB"/>
           </a:p>
         </p:txBody>
       </p:sp>
       <p:pic>
         <p:nvPicPr>
-          <p:cNvPr id="100" name="Google Shape;100;p18"/>
-          <p:cNvPicPr preferRelativeResize="0"/>
+          <p:cNvPr id="1" name="Picture 0" descr="inop"/>
+          <p:cNvPicPr>
+            <a:picLocks noChangeAspect="1"/>
+          </p:cNvPicPr>
           <p:nvPr/>
         </p:nvPicPr>
         <p:blipFill>
-          <a:blip r:embed="rId3">
-            <a:alphaModFix/>
-          </a:blip>
+          <a:blip r:embed="rId1"/>
           <a:stretch>
             <a:fillRect/>
           </a:stretch>
         </p:blipFill>
         <p:spPr>
           <a:xfrm>
-            <a:off x="4108481" y="1266838"/>
-            <a:ext cx="5035519" cy="3734876"/>
+            <a:off x="4026535" y="1639570"/>
+            <a:ext cx="5100955" cy="3488055"/>
           </a:xfrm>
           <a:prstGeom prst="rect">
             <a:avLst/>
           </a:prstGeom>
-          <a:noFill/>
-          <a:ln>
-            <a:noFill/>
-          </a:ln>
         </p:spPr>
       </p:pic>
     </p:spTree>
@@ -8640,7 +8518,7 @@
 </file>
 
 <file path=ppt/slides/slide7.xml><?xml version="1.0" encoding="utf-8"?>
-<p:sld xmlns:a="http://schemas.openxmlformats.org/drawingml/2006/main" xmlns:r="http://schemas.openxmlformats.org/officeDocument/2006/relationships" xmlns:mc="http://schemas.openxmlformats.org/markup-compatibility/2006" xmlns:mv="urn:schemas-microsoft-com:mac:vml" xmlns:p="http://schemas.openxmlformats.org/presentationml/2006/main" xmlns:c="http://schemas.openxmlformats.org/drawingml/2006/chart" xmlns:dgm="http://schemas.openxmlformats.org/drawingml/2006/diagram" xmlns:o="urn:schemas-microsoft-com:office:office" xmlns:v="urn:schemas-microsoft-com:vml" xmlns:pvml="urn:schemas-microsoft-com:office:powerpoint" xmlns:com="http://schemas.openxmlformats.org/drawingml/2006/compatibility" xmlns:p14="http://schemas.microsoft.com/office/powerpoint/2010/main" xmlns:p15="http://schemas.microsoft.com/office/powerpoint/2012/main">
+<p:sld xmlns:a="http://schemas.openxmlformats.org/drawingml/2006/main" xmlns:r="http://schemas.openxmlformats.org/officeDocument/2006/relationships" xmlns:p="http://schemas.openxmlformats.org/presentationml/2006/main">
   <p:cSld>
     <p:spTree>
       <p:nvGrpSpPr>
@@ -8674,12 +8552,12 @@
           </a:prstGeom>
         </p:spPr>
         <p:txBody>
-          <a:bodyPr anchorCtr="0" anchor="b" bIns="91425" lIns="91425" spcFirstLastPara="1" rIns="91425" wrap="square" tIns="91425">
+          <a:bodyPr spcFirstLastPara="1" wrap="square" lIns="91425" tIns="91425" rIns="91425" bIns="91425" anchor="b" anchorCtr="0">
             <a:noAutofit/>
           </a:bodyPr>
           <a:lstStyle/>
           <a:p>
-            <a:pPr indent="0" lvl="0" marL="0" rtl="0" algn="l">
+            <a:pPr marL="0" lvl="0" indent="0" algn="l" rtl="0">
               <a:spcBef>
                 <a:spcPts val="0"/>
               </a:spcBef>
@@ -8689,10 +8567,10 @@
               <a:buNone/>
             </a:pPr>
             <a:r>
-              <a:rPr lang="en"/>
+              <a:rPr lang="en-GB"/>
               <a:t>Before and After results.</a:t>
             </a:r>
-            <a:endParaRPr/>
+            <a:endParaRPr lang="en-GB"/>
           </a:p>
         </p:txBody>
       </p:sp>
@@ -8701,7 +8579,7 @@
           <p:cNvPr id="106" name="Google Shape;106;p19"/>
           <p:cNvSpPr txBox="1"/>
           <p:nvPr>
-            <p:ph idx="1" type="body"/>
+            <p:ph type="body" idx="1"/>
           </p:nvPr>
         </p:nvSpPr>
         <p:spPr>
@@ -8714,12 +8592,12 @@
           </a:prstGeom>
         </p:spPr>
         <p:txBody>
-          <a:bodyPr anchorCtr="0" anchor="t" bIns="91425" lIns="91425" spcFirstLastPara="1" rIns="91425" wrap="square" tIns="91425">
+          <a:bodyPr spcFirstLastPara="1" wrap="square" lIns="91425" tIns="91425" rIns="91425" bIns="91425" anchor="t" anchorCtr="0">
             <a:noAutofit/>
           </a:bodyPr>
           <a:lstStyle/>
           <a:p>
-            <a:pPr indent="0" lvl="0" marL="0" rtl="0" algn="l">
+            <a:pPr marL="0" lvl="0" indent="0" algn="l" rtl="0">
               <a:spcBef>
                 <a:spcPts val="0"/>
               </a:spcBef>
@@ -8728,10 +8606,6 @@
               </a:spcAft>
               <a:buNone/>
             </a:pPr>
-            <a:r>
-              <a:t/>
-            </a:r>
-            <a:endParaRPr/>
           </a:p>
         </p:txBody>
       </p:sp>
@@ -8742,9 +8616,7 @@
           <p:nvPr/>
         </p:nvPicPr>
         <p:blipFill>
-          <a:blip r:embed="rId3">
-            <a:alphaModFix/>
-          </a:blip>
+          <a:blip r:embed="rId1"/>
           <a:stretch>
             <a:fillRect/>
           </a:stretch>
@@ -8770,9 +8642,7 @@
           <p:nvPr/>
         </p:nvPicPr>
         <p:blipFill>
-          <a:blip r:embed="rId4">
-            <a:alphaModFix/>
-          </a:blip>
+          <a:blip r:embed="rId2"/>
           <a:stretch>
             <a:fillRect/>
           </a:stretch>
@@ -8800,7 +8670,7 @@
 </file>
 
 <file path=ppt/slides/slide8.xml><?xml version="1.0" encoding="utf-8"?>
-<p:sld xmlns:a="http://schemas.openxmlformats.org/drawingml/2006/main" xmlns:r="http://schemas.openxmlformats.org/officeDocument/2006/relationships" xmlns:mc="http://schemas.openxmlformats.org/markup-compatibility/2006" xmlns:mv="urn:schemas-microsoft-com:mac:vml" xmlns:p="http://schemas.openxmlformats.org/presentationml/2006/main" xmlns:c="http://schemas.openxmlformats.org/drawingml/2006/chart" xmlns:dgm="http://schemas.openxmlformats.org/drawingml/2006/diagram" xmlns:o="urn:schemas-microsoft-com:office:office" xmlns:v="urn:schemas-microsoft-com:vml" xmlns:pvml="urn:schemas-microsoft-com:office:powerpoint" xmlns:com="http://schemas.openxmlformats.org/drawingml/2006/compatibility" xmlns:p14="http://schemas.microsoft.com/office/powerpoint/2010/main" xmlns:p15="http://schemas.microsoft.com/office/powerpoint/2012/main">
+<p:sld xmlns:a="http://schemas.openxmlformats.org/drawingml/2006/main" xmlns:r="http://schemas.openxmlformats.org/officeDocument/2006/relationships" xmlns:p="http://schemas.openxmlformats.org/presentationml/2006/main">
   <p:cSld>
     <p:spTree>
       <p:nvGrpSpPr>
@@ -8834,12 +8704,12 @@
           </a:prstGeom>
         </p:spPr>
         <p:txBody>
-          <a:bodyPr anchorCtr="0" anchor="b" bIns="91425" lIns="91425" spcFirstLastPara="1" rIns="91425" wrap="square" tIns="91425">
+          <a:bodyPr spcFirstLastPara="1" wrap="square" lIns="91425" tIns="91425" rIns="91425" bIns="91425" anchor="b" anchorCtr="0">
             <a:noAutofit/>
           </a:bodyPr>
           <a:lstStyle/>
           <a:p>
-            <a:pPr indent="0" lvl="0" marL="0" rtl="0" algn="l">
+            <a:pPr marL="0" lvl="0" indent="0" algn="l" rtl="0">
               <a:spcBef>
                 <a:spcPts val="0"/>
               </a:spcBef>
@@ -8849,10 +8719,10 @@
               <a:buNone/>
             </a:pPr>
             <a:r>
-              <a:rPr lang="en"/>
+              <a:rPr lang="en-GB"/>
               <a:t>Failure Cases </a:t>
             </a:r>
-            <a:endParaRPr/>
+            <a:endParaRPr lang="en-GB"/>
           </a:p>
         </p:txBody>
       </p:sp>
@@ -8861,7 +8731,7 @@
           <p:cNvPr id="114" name="Google Shape;114;p20"/>
           <p:cNvSpPr txBox="1"/>
           <p:nvPr>
-            <p:ph idx="1" type="body"/>
+            <p:ph type="body" idx="1"/>
           </p:nvPr>
         </p:nvSpPr>
         <p:spPr>
@@ -8874,12 +8744,12 @@
           </a:prstGeom>
         </p:spPr>
         <p:txBody>
-          <a:bodyPr anchorCtr="0" anchor="t" bIns="91425" lIns="91425" spcFirstLastPara="1" rIns="91425" wrap="square" tIns="91425">
+          <a:bodyPr spcFirstLastPara="1" wrap="square" lIns="91425" tIns="91425" rIns="91425" bIns="91425" anchor="t" anchorCtr="0">
             <a:noAutofit/>
           </a:bodyPr>
           <a:lstStyle/>
           <a:p>
-            <a:pPr indent="0" lvl="0" marL="0" rtl="0" algn="l">
+            <a:pPr marL="0" lvl="0" indent="0" algn="l" rtl="0">
               <a:spcBef>
                 <a:spcPts val="0"/>
               </a:spcBef>
@@ -8889,13 +8759,13 @@
               <a:buNone/>
             </a:pPr>
             <a:r>
-              <a:rPr lang="en"/>
+              <a:rPr lang="en-GB"/>
               <a:t>When the background and text colours are similar </a:t>
             </a:r>
-            <a:endParaRPr/>
+            <a:endParaRPr lang="en-GB"/>
           </a:p>
           <a:p>
-            <a:pPr indent="0" lvl="0" marL="0" rtl="0" algn="l">
+            <a:pPr marL="0" lvl="0" indent="0" algn="l" rtl="0">
               <a:spcBef>
                 <a:spcPts val="1600"/>
               </a:spcBef>
@@ -8905,13 +8775,13 @@
               <a:buNone/>
             </a:pPr>
             <a:r>
-              <a:rPr lang="en"/>
+              <a:rPr lang="en-GB"/>
               <a:t>When image is more complex in term of the structures.</a:t>
             </a:r>
-            <a:endParaRPr/>
+            <a:endParaRPr lang="en-GB"/>
           </a:p>
           <a:p>
-            <a:pPr indent="0" lvl="0" marL="0" rtl="0" algn="l">
+            <a:pPr marL="0" lvl="0" indent="0" algn="l" rtl="0">
               <a:spcBef>
                 <a:spcPts val="1600"/>
               </a:spcBef>
@@ -8921,10 +8791,10 @@
               <a:buNone/>
             </a:pPr>
             <a:r>
-              <a:rPr lang="en"/>
+              <a:rPr lang="en-GB"/>
               <a:t>Overlapping of text and the non-interesting structure </a:t>
             </a:r>
-            <a:endParaRPr/>
+            <a:endParaRPr lang="en-GB"/>
           </a:p>
         </p:txBody>
       </p:sp>
@@ -8935,9 +8805,7 @@
           <p:nvPr/>
         </p:nvPicPr>
         <p:blipFill>
-          <a:blip r:embed="rId3">
-            <a:alphaModFix/>
-          </a:blip>
+          <a:blip r:embed="rId1"/>
           <a:stretch>
             <a:fillRect/>
           </a:stretch>
@@ -8965,7 +8833,7 @@
 </file>
 
 <file path=ppt/slides/slide9.xml><?xml version="1.0" encoding="utf-8"?>
-<p:sld xmlns:a="http://schemas.openxmlformats.org/drawingml/2006/main" xmlns:r="http://schemas.openxmlformats.org/officeDocument/2006/relationships" xmlns:mc="http://schemas.openxmlformats.org/markup-compatibility/2006" xmlns:mv="urn:schemas-microsoft-com:mac:vml" xmlns:p="http://schemas.openxmlformats.org/presentationml/2006/main" xmlns:c="http://schemas.openxmlformats.org/drawingml/2006/chart" xmlns:dgm="http://schemas.openxmlformats.org/drawingml/2006/diagram" xmlns:o="urn:schemas-microsoft-com:office:office" xmlns:v="urn:schemas-microsoft-com:vml" xmlns:pvml="urn:schemas-microsoft-com:office:powerpoint" xmlns:com="http://schemas.openxmlformats.org/drawingml/2006/compatibility" xmlns:p14="http://schemas.microsoft.com/office/powerpoint/2010/main" xmlns:p15="http://schemas.microsoft.com/office/powerpoint/2012/main">
+<p:sld xmlns:a="http://schemas.openxmlformats.org/drawingml/2006/main" xmlns:r="http://schemas.openxmlformats.org/officeDocument/2006/relationships" xmlns:p="http://schemas.openxmlformats.org/presentationml/2006/main">
   <p:cSld>
     <p:spTree>
       <p:nvGrpSpPr>
@@ -8999,12 +8867,12 @@
           </a:prstGeom>
         </p:spPr>
         <p:txBody>
-          <a:bodyPr anchorCtr="0" anchor="b" bIns="91425" lIns="91425" spcFirstLastPara="1" rIns="91425" wrap="square" tIns="91425">
+          <a:bodyPr spcFirstLastPara="1" wrap="square" lIns="91425" tIns="91425" rIns="91425" bIns="91425" anchor="b" anchorCtr="0">
             <a:noAutofit/>
           </a:bodyPr>
           <a:lstStyle/>
           <a:p>
-            <a:pPr indent="0" lvl="0" marL="0" rtl="0" algn="l">
+            <a:pPr marL="0" lvl="0" indent="0" algn="l" rtl="0">
               <a:spcBef>
                 <a:spcPts val="0"/>
               </a:spcBef>
@@ -9014,10 +8882,10 @@
               <a:buNone/>
             </a:pPr>
             <a:r>
-              <a:rPr lang="en"/>
+              <a:rPr lang="en-GB"/>
               <a:t>Summary and further works</a:t>
             </a:r>
-            <a:endParaRPr/>
+            <a:endParaRPr lang="en-GB"/>
           </a:p>
         </p:txBody>
       </p:sp>
@@ -9026,7 +8894,7 @@
           <p:cNvPr id="121" name="Google Shape;121;p21"/>
           <p:cNvSpPr txBox="1"/>
           <p:nvPr>
-            <p:ph idx="1" type="body"/>
+            <p:ph type="body" idx="1"/>
           </p:nvPr>
         </p:nvSpPr>
         <p:spPr>
@@ -9039,12 +8907,12 @@
           </a:prstGeom>
         </p:spPr>
         <p:txBody>
-          <a:bodyPr anchorCtr="0" anchor="t" bIns="91425" lIns="91425" spcFirstLastPara="1" rIns="91425" wrap="square" tIns="91425">
+          <a:bodyPr spcFirstLastPara="1" wrap="square" lIns="91425" tIns="91425" rIns="91425" bIns="91425" anchor="t" anchorCtr="0">
             <a:noAutofit/>
           </a:bodyPr>
           <a:lstStyle/>
           <a:p>
-            <a:pPr indent="0" lvl="0" marL="0" rtl="0" algn="l">
+            <a:pPr marL="0" lvl="0" indent="0" algn="l" rtl="0">
               <a:spcBef>
                 <a:spcPts val="0"/>
               </a:spcBef>
@@ -9054,17 +8922,13 @@
               <a:buNone/>
             </a:pPr>
             <a:r>
-              <a:rPr lang="en"/>
-              <a:t>To improve the result and generalize the method we can do some more processing like Haugh transformation to find out the connected edges of the text from the </a:t>
+              <a:rPr lang="en-GB"/>
+              <a:t>To improve the result and generalize the method we can do some more processing like Haugh transformation to find out the connected edges of the text from the disconnected.</a:t>
             </a:r>
-            <a:r>
-              <a:rPr lang="en"/>
-              <a:t>disconnected.</a:t>
-            </a:r>
-            <a:endParaRPr/>
+            <a:endParaRPr lang="en-GB"/>
           </a:p>
           <a:p>
-            <a:pPr indent="0" lvl="0" marL="0" rtl="0" algn="l">
+            <a:pPr marL="0" lvl="0" indent="0" algn="l" rtl="0">
               <a:spcBef>
                 <a:spcPts val="1600"/>
               </a:spcBef>
@@ -9074,13 +8938,13 @@
               <a:buNone/>
             </a:pPr>
             <a:r>
-              <a:rPr lang="en"/>
+              <a:rPr lang="en-GB"/>
               <a:t>We can use some more method to separate the interest region from the other region.</a:t>
             </a:r>
-            <a:endParaRPr/>
+            <a:endParaRPr lang="en-GB"/>
           </a:p>
           <a:p>
-            <a:pPr indent="0" lvl="0" marL="0" rtl="0" algn="l">
+            <a:pPr marL="0" lvl="0" indent="0" algn="l" rtl="0">
               <a:spcBef>
                 <a:spcPts val="1600"/>
               </a:spcBef>
@@ -9090,22 +8954,10 @@
               <a:buNone/>
             </a:pPr>
             <a:r>
-              <a:rPr lang="en"/>
-              <a:t>Also we can apply some method of thresholding </a:t>
+              <a:rPr lang="en-GB"/>
+              <a:t>Also we can apply some method of thresholding  which can help separating Foreground and Background  which can improve the result.</a:t>
             </a:r>
-            <a:r>
-              <a:rPr lang="en"/>
-              <a:t> which can help </a:t>
-            </a:r>
-            <a:r>
-              <a:rPr lang="en"/>
-              <a:t>separating</a:t>
-            </a:r>
-            <a:r>
-              <a:rPr lang="en"/>
-              <a:t> Foreground and Background  which can improve the result.</a:t>
-            </a:r>
-            <a:endParaRPr/>
+            <a:endParaRPr lang="en-GB"/>
           </a:p>
         </p:txBody>
       </p:sp>
@@ -9118,7 +8970,291 @@
 </file>
 
 <file path=ppt/theme/theme1.xml><?xml version="1.0" encoding="utf-8"?>
-<a:theme xmlns:a="http://schemas.openxmlformats.org/drawingml/2006/main" xmlns:r="http://schemas.openxmlformats.org/officeDocument/2006/relationships">
+<a:theme xmlns:a="http://schemas.openxmlformats.org/drawingml/2006/main" name="Material">
+  <a:themeElements>
+    <a:clrScheme name="Material">
+      <a:dk1>
+        <a:srgbClr val="4285F4"/>
+      </a:dk1>
+      <a:lt1>
+        <a:srgbClr val="FFFFFF"/>
+      </a:lt1>
+      <a:dk2>
+        <a:srgbClr val="424242"/>
+      </a:dk2>
+      <a:lt2>
+        <a:srgbClr val="737373"/>
+      </a:lt2>
+      <a:accent1>
+        <a:srgbClr val="0277BD"/>
+      </a:accent1>
+      <a:accent2>
+        <a:srgbClr val="0F9D58"/>
+      </a:accent2>
+      <a:accent3>
+        <a:srgbClr val="DB4437"/>
+      </a:accent3>
+      <a:accent4>
+        <a:srgbClr val="FAFAFA"/>
+      </a:accent4>
+      <a:accent5>
+        <a:srgbClr val="4FC3F7"/>
+      </a:accent5>
+      <a:accent6>
+        <a:srgbClr val="F4B400"/>
+      </a:accent6>
+      <a:hlink>
+        <a:srgbClr val="4FC3F7"/>
+      </a:hlink>
+      <a:folHlink>
+        <a:srgbClr val="4FC3F7"/>
+      </a:folHlink>
+    </a:clrScheme>
+    <a:fontScheme name="Office">
+      <a:majorFont>
+        <a:latin typeface="Arial"/>
+        <a:ea typeface=""/>
+        <a:cs typeface=""/>
+        <a:font script="Jpan" typeface="ＭＳ Ｐゴシック"/>
+        <a:font script="Hang" typeface="맑은 고딕"/>
+        <a:font script="Hans" typeface="宋体"/>
+        <a:font script="Hant" typeface="新細明體"/>
+        <a:font script="Arab" typeface="Times New Roman"/>
+        <a:font script="Hebr" typeface="Times New Roman"/>
+        <a:font script="Thai" typeface="Angsana New"/>
+        <a:font script="Ethi" typeface="Nyala"/>
+        <a:font script="Beng" typeface="Vrinda"/>
+        <a:font script="Gujr" typeface="Shruti"/>
+        <a:font script="Khmr" typeface="MoolBoran"/>
+        <a:font script="Knda" typeface="Tunga"/>
+        <a:font script="Guru" typeface="Raavi"/>
+        <a:font script="Cans" typeface="Euphemia"/>
+        <a:font script="Cher" typeface="Plantagenet Cherokee"/>
+        <a:font script="Yiii" typeface="Microsoft Yi Baiti"/>
+        <a:font script="Tibt" typeface="Microsoft Himalaya"/>
+        <a:font script="Thaa" typeface="MV Boli"/>
+        <a:font script="Deva" typeface="Mangal"/>
+        <a:font script="Telu" typeface="Gautami"/>
+        <a:font script="Taml" typeface="Latha"/>
+        <a:font script="Syrc" typeface="Estrangelo Edessa"/>
+        <a:font script="Orya" typeface="Kalinga"/>
+        <a:font script="Mlym" typeface="Kartika"/>
+        <a:font script="Laoo" typeface="DokChampa"/>
+        <a:font script="Sinh" typeface="Iskoola Pota"/>
+        <a:font script="Mong" typeface="Mongolian Baiti"/>
+        <a:font script="Viet" typeface="Times New Roman"/>
+        <a:font script="Uigh" typeface="Microsoft Uighur"/>
+        <a:font script="Geor" typeface="Sylfaen"/>
+      </a:majorFont>
+      <a:minorFont>
+        <a:latin typeface="Arial"/>
+        <a:ea typeface=""/>
+        <a:cs typeface=""/>
+        <a:font script="Jpan" typeface="ＭＳ Ｐゴシック"/>
+        <a:font script="Hang" typeface="맑은 고딕"/>
+        <a:font script="Hans" typeface="宋体"/>
+        <a:font script="Hant" typeface="新細明體"/>
+        <a:font script="Arab" typeface="Arial"/>
+        <a:font script="Hebr" typeface="Arial"/>
+        <a:font script="Thai" typeface="Cordia New"/>
+        <a:font script="Ethi" typeface="Nyala"/>
+        <a:font script="Beng" typeface="Vrinda"/>
+        <a:font script="Gujr" typeface="Shruti"/>
+        <a:font script="Khmr" typeface="DaunPenh"/>
+        <a:font script="Knda" typeface="Tunga"/>
+        <a:font script="Guru" typeface="Raavi"/>
+        <a:font script="Cans" typeface="Euphemia"/>
+        <a:font script="Cher" typeface="Plantagenet Cherokee"/>
+        <a:font script="Yiii" typeface="Microsoft Yi Baiti"/>
+        <a:font script="Tibt" typeface="Microsoft Himalaya"/>
+        <a:font script="Thaa" typeface="MV Boli"/>
+        <a:font script="Deva" typeface="Mangal"/>
+        <a:font script="Telu" typeface="Gautami"/>
+        <a:font script="Taml" typeface="Latha"/>
+        <a:font script="Syrc" typeface="Estrangelo Edessa"/>
+        <a:font script="Orya" typeface="Kalinga"/>
+        <a:font script="Mlym" typeface="Kartika"/>
+        <a:font script="Laoo" typeface="DokChampa"/>
+        <a:font script="Sinh" typeface="Iskoola Pota"/>
+        <a:font script="Mong" typeface="Mongolian Baiti"/>
+        <a:font script="Viet" typeface="Arial"/>
+        <a:font script="Uigh" typeface="Microsoft Uighur"/>
+        <a:font script="Geor" typeface="Sylfaen"/>
+      </a:minorFont>
+    </a:fontScheme>
+    <a:fmtScheme name="Office">
+      <a:fillStyleLst>
+        <a:solidFill>
+          <a:schemeClr val="phClr"/>
+        </a:solidFill>
+        <a:gradFill rotWithShape="1">
+          <a:gsLst>
+            <a:gs pos="0">
+              <a:schemeClr val="phClr">
+                <a:tint val="50000"/>
+                <a:satMod val="300000"/>
+              </a:schemeClr>
+            </a:gs>
+            <a:gs pos="35000">
+              <a:schemeClr val="phClr">
+                <a:tint val="37000"/>
+                <a:satMod val="300000"/>
+              </a:schemeClr>
+            </a:gs>
+            <a:gs pos="100000">
+              <a:schemeClr val="phClr">
+                <a:tint val="15000"/>
+                <a:satMod val="350000"/>
+              </a:schemeClr>
+            </a:gs>
+          </a:gsLst>
+          <a:lin ang="16200000" scaled="1"/>
+        </a:gradFill>
+        <a:gradFill rotWithShape="1">
+          <a:gsLst>
+            <a:gs pos="0">
+              <a:schemeClr val="phClr">
+                <a:tint val="100000"/>
+                <a:shade val="100000"/>
+                <a:satMod val="130000"/>
+              </a:schemeClr>
+            </a:gs>
+            <a:gs pos="100000">
+              <a:schemeClr val="phClr">
+                <a:tint val="50000"/>
+                <a:shade val="100000"/>
+                <a:satMod val="350000"/>
+              </a:schemeClr>
+            </a:gs>
+          </a:gsLst>
+          <a:lin ang="16200000" scaled="0"/>
+        </a:gradFill>
+      </a:fillStyleLst>
+      <a:lnStyleLst>
+        <a:ln w="9525" cap="flat" cmpd="sng" algn="ctr">
+          <a:solidFill>
+            <a:schemeClr val="phClr">
+              <a:shade val="95000"/>
+              <a:satMod val="105000"/>
+            </a:schemeClr>
+          </a:solidFill>
+          <a:prstDash val="solid"/>
+        </a:ln>
+        <a:ln w="25400" cap="flat" cmpd="sng" algn="ctr">
+          <a:solidFill>
+            <a:schemeClr val="phClr"/>
+          </a:solidFill>
+          <a:prstDash val="solid"/>
+        </a:ln>
+        <a:ln w="38100" cap="flat" cmpd="sng" algn="ctr">
+          <a:solidFill>
+            <a:schemeClr val="phClr"/>
+          </a:solidFill>
+          <a:prstDash val="solid"/>
+        </a:ln>
+      </a:lnStyleLst>
+      <a:effectStyleLst>
+        <a:effectStyle>
+          <a:effectLst>
+            <a:outerShdw blurRad="40000" dist="20000" dir="5400000" rotWithShape="0">
+              <a:srgbClr val="000000">
+                <a:alpha val="38000"/>
+              </a:srgbClr>
+            </a:outerShdw>
+          </a:effectLst>
+        </a:effectStyle>
+        <a:effectStyle>
+          <a:effectLst>
+            <a:outerShdw blurRad="40000" dist="23000" dir="5400000" rotWithShape="0">
+              <a:srgbClr val="000000">
+                <a:alpha val="35000"/>
+              </a:srgbClr>
+            </a:outerShdw>
+          </a:effectLst>
+        </a:effectStyle>
+        <a:effectStyle>
+          <a:effectLst>
+            <a:outerShdw blurRad="40000" dist="23000" dir="5400000" rotWithShape="0">
+              <a:srgbClr val="000000">
+                <a:alpha val="35000"/>
+              </a:srgbClr>
+            </a:outerShdw>
+          </a:effectLst>
+          <a:scene3d>
+            <a:camera prst="orthographicFront">
+              <a:rot lat="0" lon="0" rev="0"/>
+            </a:camera>
+            <a:lightRig rig="threePt" dir="t">
+              <a:rot lat="0" lon="0" rev="1200000"/>
+            </a:lightRig>
+          </a:scene3d>
+          <a:sp3d>
+            <a:bevelT w="63500" h="25400"/>
+          </a:sp3d>
+        </a:effectStyle>
+      </a:effectStyleLst>
+      <a:bgFillStyleLst>
+        <a:solidFill>
+          <a:schemeClr val="phClr"/>
+        </a:solidFill>
+        <a:gradFill rotWithShape="1">
+          <a:gsLst>
+            <a:gs pos="0">
+              <a:schemeClr val="phClr">
+                <a:tint val="40000"/>
+                <a:satMod val="350000"/>
+              </a:schemeClr>
+            </a:gs>
+            <a:gs pos="40000">
+              <a:schemeClr val="phClr">
+                <a:tint val="45000"/>
+                <a:shade val="99000"/>
+                <a:satMod val="350000"/>
+              </a:schemeClr>
+            </a:gs>
+            <a:gs pos="100000">
+              <a:schemeClr val="phClr">
+                <a:shade val="20000"/>
+                <a:satMod val="255000"/>
+              </a:schemeClr>
+            </a:gs>
+          </a:gsLst>
+          <a:path path="circle">
+            <a:fillToRect l="50000" t="-80000" r="50000" b="180000"/>
+          </a:path>
+        </a:gradFill>
+        <a:gradFill rotWithShape="1">
+          <a:gsLst>
+            <a:gs pos="0">
+              <a:schemeClr val="phClr">
+                <a:tint val="80000"/>
+                <a:satMod val="300000"/>
+              </a:schemeClr>
+            </a:gs>
+            <a:gs pos="100000">
+              <a:schemeClr val="phClr">
+                <a:shade val="30000"/>
+                <a:satMod val="200000"/>
+              </a:schemeClr>
+            </a:gs>
+          </a:gsLst>
+          <a:path path="circle">
+            <a:fillToRect l="50000" t="50000" r="50000" b="50000"/>
+          </a:path>
+        </a:gradFill>
+      </a:bgFillStyleLst>
+    </a:fmtScheme>
+  </a:themeElements>
+  <a:extLst>
+    <a:ext uri="{05A4C25C-085E-4340-85A3-A5531E510DB2}">
+      <thm15:themeFamily xmlns:thm15="http://schemas.microsoft.com/office/thememl/2012/main" name="Office Theme" id="{62F939B6-93AF-4DB8-9C6B-D6C7DFDC589F}" vid="{4A3C46E8-61CC-4603-A589-7422A47A8E4A}"/>
+    </a:ext>
+  </a:extLst>
+</a:theme>
+</file>
+
+<file path=ppt/theme/theme2.xml><?xml version="1.0" encoding="utf-8"?>
+<a:theme xmlns:a="http://schemas.openxmlformats.org/drawingml/2006/main">
   <a:themeElements>
     <a:clrScheme name="Default">
       <a:dk1>
@@ -9393,284 +9529,10 @@
       </a:bgFillStyleLst>
     </a:fmtScheme>
   </a:themeElements>
-</a:theme>
-</file>
-
-<file path=ppt/theme/theme2.xml><?xml version="1.0" encoding="utf-8"?>
-<a:theme xmlns:a="http://schemas.openxmlformats.org/drawingml/2006/main" xmlns:r="http://schemas.openxmlformats.org/officeDocument/2006/relationships" name="Material">
-  <a:themeElements>
-    <a:clrScheme name="Material">
-      <a:dk1>
-        <a:srgbClr val="4285F4"/>
-      </a:dk1>
-      <a:lt1>
-        <a:srgbClr val="FFFFFF"/>
-      </a:lt1>
-      <a:dk2>
-        <a:srgbClr val="424242"/>
-      </a:dk2>
-      <a:lt2>
-        <a:srgbClr val="737373"/>
-      </a:lt2>
-      <a:accent1>
-        <a:srgbClr val="0277BD"/>
-      </a:accent1>
-      <a:accent2>
-        <a:srgbClr val="0F9D58"/>
-      </a:accent2>
-      <a:accent3>
-        <a:srgbClr val="DB4437"/>
-      </a:accent3>
-      <a:accent4>
-        <a:srgbClr val="FAFAFA"/>
-      </a:accent4>
-      <a:accent5>
-        <a:srgbClr val="4FC3F7"/>
-      </a:accent5>
-      <a:accent6>
-        <a:srgbClr val="F4B400"/>
-      </a:accent6>
-      <a:hlink>
-        <a:srgbClr val="4FC3F7"/>
-      </a:hlink>
-      <a:folHlink>
-        <a:srgbClr val="4FC3F7"/>
-      </a:folHlink>
-    </a:clrScheme>
-    <a:fontScheme name="Office">
-      <a:majorFont>
-        <a:latin typeface="Arial"/>
-        <a:ea typeface=""/>
-        <a:cs typeface=""/>
-        <a:font script="Jpan" typeface="ＭＳ Ｐゴシック"/>
-        <a:font script="Hang" typeface="맑은 고딕"/>
-        <a:font script="Hans" typeface="宋体"/>
-        <a:font script="Hant" typeface="新細明體"/>
-        <a:font script="Arab" typeface="Times New Roman"/>
-        <a:font script="Hebr" typeface="Times New Roman"/>
-        <a:font script="Thai" typeface="Angsana New"/>
-        <a:font script="Ethi" typeface="Nyala"/>
-        <a:font script="Beng" typeface="Vrinda"/>
-        <a:font script="Gujr" typeface="Shruti"/>
-        <a:font script="Khmr" typeface="MoolBoran"/>
-        <a:font script="Knda" typeface="Tunga"/>
-        <a:font script="Guru" typeface="Raavi"/>
-        <a:font script="Cans" typeface="Euphemia"/>
-        <a:font script="Cher" typeface="Plantagenet Cherokee"/>
-        <a:font script="Yiii" typeface="Microsoft Yi Baiti"/>
-        <a:font script="Tibt" typeface="Microsoft Himalaya"/>
-        <a:font script="Thaa" typeface="MV Boli"/>
-        <a:font script="Deva" typeface="Mangal"/>
-        <a:font script="Telu" typeface="Gautami"/>
-        <a:font script="Taml" typeface="Latha"/>
-        <a:font script="Syrc" typeface="Estrangelo Edessa"/>
-        <a:font script="Orya" typeface="Kalinga"/>
-        <a:font script="Mlym" typeface="Kartika"/>
-        <a:font script="Laoo" typeface="DokChampa"/>
-        <a:font script="Sinh" typeface="Iskoola Pota"/>
-        <a:font script="Mong" typeface="Mongolian Baiti"/>
-        <a:font script="Viet" typeface="Times New Roman"/>
-        <a:font script="Uigh" typeface="Microsoft Uighur"/>
-        <a:font script="Geor" typeface="Sylfaen"/>
-      </a:majorFont>
-      <a:minorFont>
-        <a:latin typeface="Arial"/>
-        <a:ea typeface=""/>
-        <a:cs typeface=""/>
-        <a:font script="Jpan" typeface="ＭＳ Ｐゴシック"/>
-        <a:font script="Hang" typeface="맑은 고딕"/>
-        <a:font script="Hans" typeface="宋体"/>
-        <a:font script="Hant" typeface="新細明體"/>
-        <a:font script="Arab" typeface="Arial"/>
-        <a:font script="Hebr" typeface="Arial"/>
-        <a:font script="Thai" typeface="Cordia New"/>
-        <a:font script="Ethi" typeface="Nyala"/>
-        <a:font script="Beng" typeface="Vrinda"/>
-        <a:font script="Gujr" typeface="Shruti"/>
-        <a:font script="Khmr" typeface="DaunPenh"/>
-        <a:font script="Knda" typeface="Tunga"/>
-        <a:font script="Guru" typeface="Raavi"/>
-        <a:font script="Cans" typeface="Euphemia"/>
-        <a:font script="Cher" typeface="Plantagenet Cherokee"/>
-        <a:font script="Yiii" typeface="Microsoft Yi Baiti"/>
-        <a:font script="Tibt" typeface="Microsoft Himalaya"/>
-        <a:font script="Thaa" typeface="MV Boli"/>
-        <a:font script="Deva" typeface="Mangal"/>
-        <a:font script="Telu" typeface="Gautami"/>
-        <a:font script="Taml" typeface="Latha"/>
-        <a:font script="Syrc" typeface="Estrangelo Edessa"/>
-        <a:font script="Orya" typeface="Kalinga"/>
-        <a:font script="Mlym" typeface="Kartika"/>
-        <a:font script="Laoo" typeface="DokChampa"/>
-        <a:font script="Sinh" typeface="Iskoola Pota"/>
-        <a:font script="Mong" typeface="Mongolian Baiti"/>
-        <a:font script="Viet" typeface="Arial"/>
-        <a:font script="Uigh" typeface="Microsoft Uighur"/>
-        <a:font script="Geor" typeface="Sylfaen"/>
-      </a:minorFont>
-    </a:fontScheme>
-    <a:fmtScheme name="Office">
-      <a:fillStyleLst>
-        <a:solidFill>
-          <a:schemeClr val="phClr"/>
-        </a:solidFill>
-        <a:gradFill rotWithShape="1">
-          <a:gsLst>
-            <a:gs pos="0">
-              <a:schemeClr val="phClr">
-                <a:tint val="50000"/>
-                <a:satMod val="300000"/>
-              </a:schemeClr>
-            </a:gs>
-            <a:gs pos="35000">
-              <a:schemeClr val="phClr">
-                <a:tint val="37000"/>
-                <a:satMod val="300000"/>
-              </a:schemeClr>
-            </a:gs>
-            <a:gs pos="100000">
-              <a:schemeClr val="phClr">
-                <a:tint val="15000"/>
-                <a:satMod val="350000"/>
-              </a:schemeClr>
-            </a:gs>
-          </a:gsLst>
-          <a:lin ang="16200000" scaled="1"/>
-        </a:gradFill>
-        <a:gradFill rotWithShape="1">
-          <a:gsLst>
-            <a:gs pos="0">
-              <a:schemeClr val="phClr">
-                <a:tint val="100000"/>
-                <a:shade val="100000"/>
-                <a:satMod val="130000"/>
-              </a:schemeClr>
-            </a:gs>
-            <a:gs pos="100000">
-              <a:schemeClr val="phClr">
-                <a:tint val="50000"/>
-                <a:shade val="100000"/>
-                <a:satMod val="350000"/>
-              </a:schemeClr>
-            </a:gs>
-          </a:gsLst>
-          <a:lin ang="16200000" scaled="0"/>
-        </a:gradFill>
-      </a:fillStyleLst>
-      <a:lnStyleLst>
-        <a:ln w="9525" cap="flat" cmpd="sng" algn="ctr">
-          <a:solidFill>
-            <a:schemeClr val="phClr">
-              <a:shade val="95000"/>
-              <a:satMod val="105000"/>
-            </a:schemeClr>
-          </a:solidFill>
-          <a:prstDash val="solid"/>
-        </a:ln>
-        <a:ln w="25400" cap="flat" cmpd="sng" algn="ctr">
-          <a:solidFill>
-            <a:schemeClr val="phClr"/>
-          </a:solidFill>
-          <a:prstDash val="solid"/>
-        </a:ln>
-        <a:ln w="38100" cap="flat" cmpd="sng" algn="ctr">
-          <a:solidFill>
-            <a:schemeClr val="phClr"/>
-          </a:solidFill>
-          <a:prstDash val="solid"/>
-        </a:ln>
-      </a:lnStyleLst>
-      <a:effectStyleLst>
-        <a:effectStyle>
-          <a:effectLst>
-            <a:outerShdw blurRad="40000" dist="20000" dir="5400000" rotWithShape="0">
-              <a:srgbClr val="000000">
-                <a:alpha val="38000"/>
-              </a:srgbClr>
-            </a:outerShdw>
-          </a:effectLst>
-        </a:effectStyle>
-        <a:effectStyle>
-          <a:effectLst>
-            <a:outerShdw blurRad="40000" dist="23000" dir="5400000" rotWithShape="0">
-              <a:srgbClr val="000000">
-                <a:alpha val="35000"/>
-              </a:srgbClr>
-            </a:outerShdw>
-          </a:effectLst>
-        </a:effectStyle>
-        <a:effectStyle>
-          <a:effectLst>
-            <a:outerShdw blurRad="40000" dist="23000" dir="5400000" rotWithShape="0">
-              <a:srgbClr val="000000">
-                <a:alpha val="35000"/>
-              </a:srgbClr>
-            </a:outerShdw>
-          </a:effectLst>
-          <a:scene3d>
-            <a:camera prst="orthographicFront">
-              <a:rot lat="0" lon="0" rev="0"/>
-            </a:camera>
-            <a:lightRig rig="threePt" dir="t">
-              <a:rot lat="0" lon="0" rev="1200000"/>
-            </a:lightRig>
-          </a:scene3d>
-          <a:sp3d>
-            <a:bevelT w="63500" h="25400"/>
-          </a:sp3d>
-        </a:effectStyle>
-      </a:effectStyleLst>
-      <a:bgFillStyleLst>
-        <a:solidFill>
-          <a:schemeClr val="phClr"/>
-        </a:solidFill>
-        <a:gradFill rotWithShape="1">
-          <a:gsLst>
-            <a:gs pos="0">
-              <a:schemeClr val="phClr">
-                <a:tint val="40000"/>
-                <a:satMod val="350000"/>
-              </a:schemeClr>
-            </a:gs>
-            <a:gs pos="40000">
-              <a:schemeClr val="phClr">
-                <a:tint val="45000"/>
-                <a:shade val="99000"/>
-                <a:satMod val="350000"/>
-              </a:schemeClr>
-            </a:gs>
-            <a:gs pos="100000">
-              <a:schemeClr val="phClr">
-                <a:shade val="20000"/>
-                <a:satMod val="255000"/>
-              </a:schemeClr>
-            </a:gs>
-          </a:gsLst>
-          <a:path path="circle">
-            <a:fillToRect l="50000" t="-80000" r="50000" b="180000"/>
-          </a:path>
-        </a:gradFill>
-        <a:gradFill rotWithShape="1">
-          <a:gsLst>
-            <a:gs pos="0">
-              <a:schemeClr val="phClr">
-                <a:tint val="80000"/>
-                <a:satMod val="300000"/>
-              </a:schemeClr>
-            </a:gs>
-            <a:gs pos="100000">
-              <a:schemeClr val="phClr">
-                <a:shade val="30000"/>
-                <a:satMod val="200000"/>
-              </a:schemeClr>
-            </a:gs>
-          </a:gsLst>
-          <a:path path="circle">
-            <a:fillToRect l="50000" t="50000" r="50000" b="50000"/>
-          </a:path>
-        </a:gradFill>
-      </a:bgFillStyleLst>
-    </a:fmtScheme>
-  </a:themeElements>
+  <a:extLst>
+    <a:ext uri="{05A4C25C-085E-4340-85A3-A5531E510DB2}">
+      <thm15:themeFamily xmlns:thm15="http://schemas.microsoft.com/office/thememl/2012/main" name="Office Theme" id="{62F939B6-93AF-4DB8-9C6B-D6C7DFDC589F}" vid="{4A3C46E8-61CC-4603-A589-7422A47A8E4A}"/>
+    </a:ext>
+  </a:extLst>
 </a:theme>
 </file>